--- a/耶穌的名(崇拜版).pptx
+++ b/耶穌的名(崇拜版).pptx
@@ -5,11 +5,19 @@
     <p:sldMasterId id="2147483660" r:id="rId1"/>
   </p:sldMasterIdLst>
   <p:sldIdLst>
-    <p:sldId id="257" r:id="rId2"/>
-    <p:sldId id="261" r:id="rId3"/>
-    <p:sldId id="258" r:id="rId4"/>
-    <p:sldId id="259" r:id="rId5"/>
-    <p:sldId id="260" r:id="rId6"/>
+    <p:sldId id="262" r:id="rId2"/>
+    <p:sldId id="263" r:id="rId3"/>
+    <p:sldId id="264" r:id="rId4"/>
+    <p:sldId id="265" r:id="rId5"/>
+    <p:sldId id="266" r:id="rId6"/>
+    <p:sldId id="267" r:id="rId7"/>
+    <p:sldId id="268" r:id="rId8"/>
+    <p:sldId id="269" r:id="rId9"/>
+    <p:sldId id="270" r:id="rId10"/>
+    <p:sldId id="271" r:id="rId11"/>
+    <p:sldId id="272" r:id="rId12"/>
+    <p:sldId id="273" r:id="rId13"/>
+    <p:sldId id="274" r:id="rId14"/>
   </p:sldIdLst>
   <p:sldSz cx="12192000" cy="6858000"/>
   <p:notesSz cx="6858000" cy="9144000"/>
@@ -108,6 +116,11 @@
       </a:defRPr>
     </a:lvl9pPr>
   </p:defaultTextStyle>
+  <p:extLst>
+    <p:ext uri="{EFAFB233-063F-42B5-8137-9DF3F51BA10A}">
+      <p15:sldGuideLst xmlns:p15="http://schemas.microsoft.com/office/powerpoint/2012/main"/>
+    </p:ext>
+  </p:extLst>
 </p:presentation>
 </file>
 
@@ -292,7 +305,7 @@
           <a:p>
             <a:fld id="{31F39BAE-B3EB-4512-86AF-CC8D6D6296AE}" type="datetimeFigureOut">
               <a:rPr lang="vi-VN" smtClean="0"/>
-              <a:t>09/05/2020</a:t>
+              <a:t>12/11/2021</a:t>
             </a:fld>
             <a:endParaRPr lang="vi-VN"/>
           </a:p>
@@ -462,7 +475,7 @@
           <a:p>
             <a:fld id="{31F39BAE-B3EB-4512-86AF-CC8D6D6296AE}" type="datetimeFigureOut">
               <a:rPr lang="vi-VN" smtClean="0"/>
-              <a:t>09/05/2020</a:t>
+              <a:t>12/11/2021</a:t>
             </a:fld>
             <a:endParaRPr lang="vi-VN"/>
           </a:p>
@@ -642,7 +655,7 @@
           <a:p>
             <a:fld id="{31F39BAE-B3EB-4512-86AF-CC8D6D6296AE}" type="datetimeFigureOut">
               <a:rPr lang="vi-VN" smtClean="0"/>
-              <a:t>09/05/2020</a:t>
+              <a:t>12/11/2021</a:t>
             </a:fld>
             <a:endParaRPr lang="vi-VN"/>
           </a:p>
@@ -812,7 +825,7 @@
           <a:p>
             <a:fld id="{31F39BAE-B3EB-4512-86AF-CC8D6D6296AE}" type="datetimeFigureOut">
               <a:rPr lang="vi-VN" smtClean="0"/>
-              <a:t>09/05/2020</a:t>
+              <a:t>12/11/2021</a:t>
             </a:fld>
             <a:endParaRPr lang="vi-VN"/>
           </a:p>
@@ -1058,7 +1071,7 @@
           <a:p>
             <a:fld id="{31F39BAE-B3EB-4512-86AF-CC8D6D6296AE}" type="datetimeFigureOut">
               <a:rPr lang="vi-VN" smtClean="0"/>
-              <a:t>09/05/2020</a:t>
+              <a:t>12/11/2021</a:t>
             </a:fld>
             <a:endParaRPr lang="vi-VN"/>
           </a:p>
@@ -1346,7 +1359,7 @@
           <a:p>
             <a:fld id="{31F39BAE-B3EB-4512-86AF-CC8D6D6296AE}" type="datetimeFigureOut">
               <a:rPr lang="vi-VN" smtClean="0"/>
-              <a:t>09/05/2020</a:t>
+              <a:t>12/11/2021</a:t>
             </a:fld>
             <a:endParaRPr lang="vi-VN"/>
           </a:p>
@@ -1768,7 +1781,7 @@
           <a:p>
             <a:fld id="{31F39BAE-B3EB-4512-86AF-CC8D6D6296AE}" type="datetimeFigureOut">
               <a:rPr lang="vi-VN" smtClean="0"/>
-              <a:t>09/05/2020</a:t>
+              <a:t>12/11/2021</a:t>
             </a:fld>
             <a:endParaRPr lang="vi-VN"/>
           </a:p>
@@ -1886,7 +1899,7 @@
           <a:p>
             <a:fld id="{31F39BAE-B3EB-4512-86AF-CC8D6D6296AE}" type="datetimeFigureOut">
               <a:rPr lang="vi-VN" smtClean="0"/>
-              <a:t>09/05/2020</a:t>
+              <a:t>12/11/2021</a:t>
             </a:fld>
             <a:endParaRPr lang="vi-VN"/>
           </a:p>
@@ -1981,7 +1994,7 @@
           <a:p>
             <a:fld id="{31F39BAE-B3EB-4512-86AF-CC8D6D6296AE}" type="datetimeFigureOut">
               <a:rPr lang="vi-VN" smtClean="0"/>
-              <a:t>09/05/2020</a:t>
+              <a:t>12/11/2021</a:t>
             </a:fld>
             <a:endParaRPr lang="vi-VN"/>
           </a:p>
@@ -2258,7 +2271,7 @@
           <a:p>
             <a:fld id="{31F39BAE-B3EB-4512-86AF-CC8D6D6296AE}" type="datetimeFigureOut">
               <a:rPr lang="vi-VN" smtClean="0"/>
-              <a:t>09/05/2020</a:t>
+              <a:t>12/11/2021</a:t>
             </a:fld>
             <a:endParaRPr lang="vi-VN"/>
           </a:p>
@@ -2515,7 +2528,7 @@
           <a:p>
             <a:fld id="{31F39BAE-B3EB-4512-86AF-CC8D6D6296AE}" type="datetimeFigureOut">
               <a:rPr lang="vi-VN" smtClean="0"/>
-              <a:t>09/05/2020</a:t>
+              <a:t>12/11/2021</a:t>
             </a:fld>
             <a:endParaRPr lang="vi-VN"/>
           </a:p>
@@ -2733,7 +2746,7 @@
           <a:p>
             <a:fld id="{31F39BAE-B3EB-4512-86AF-CC8D6D6296AE}" type="datetimeFigureOut">
               <a:rPr lang="vi-VN" smtClean="0"/>
-              <a:t>09/05/2020</a:t>
+              <a:t>12/11/2021</a:t>
             </a:fld>
             <a:endParaRPr lang="vi-VN"/>
           </a:p>
@@ -3110,7 +3123,7 @@
       </p:grpSpPr>
       <p:sp>
         <p:nvSpPr>
-          <p:cNvPr id="2" name="Title 1"/>
+          <p:cNvPr id="4" name="標題 3"/>
           <p:cNvSpPr>
             <a:spLocks noGrp="1"/>
           </p:cNvSpPr>
@@ -3118,155 +3131,65 @@
             <p:ph type="title"/>
           </p:nvPr>
         </p:nvSpPr>
-        <p:spPr/>
+        <p:spPr>
+          <a:xfrm>
+            <a:off x="0" y="2660915"/>
+            <a:ext cx="12192000" cy="1143000"/>
+          </a:xfrm>
+        </p:spPr>
         <p:txBody>
           <a:bodyPr>
-            <a:normAutofit/>
+            <a:noAutofit/>
           </a:bodyPr>
           <a:lstStyle/>
           <a:p>
             <a:r>
-              <a:rPr lang="zh-CN" altLang="en-US" sz="4800" b="1" dirty="0">
-                <a:latin typeface="Microsoft JhengHei" panose="020B0604030504040204" pitchFamily="34" charset="-120"/>
-                <a:ea typeface="Microsoft JhengHei" panose="020B0604030504040204" pitchFamily="34" charset="-120"/>
-              </a:rPr>
-              <a:t>耶穌的名</a:t>
-            </a:r>
-            <a:endParaRPr lang="vi-VN" sz="4800" b="1" dirty="0">
-              <a:ea typeface="Microsoft JhengHei" panose="020B0604030504040204" pitchFamily="34" charset="-120"/>
-            </a:endParaRPr>
-          </a:p>
-        </p:txBody>
-      </p:sp>
-      <p:sp>
-        <p:nvSpPr>
-          <p:cNvPr id="3" name="Content Placeholder 2"/>
-          <p:cNvSpPr>
-            <a:spLocks noGrp="1"/>
-          </p:cNvSpPr>
-          <p:nvPr>
-            <p:ph idx="1"/>
-          </p:nvPr>
-        </p:nvSpPr>
-        <p:spPr/>
-        <p:txBody>
-          <a:bodyPr>
-            <a:normAutofit/>
-          </a:bodyPr>
-          <a:lstStyle/>
-          <a:p>
-            <a:pPr marL="0" indent="0" algn="ctr">
-              <a:buNone/>
-            </a:pPr>
-            <a:r>
-              <a:rPr lang="zh-TW" altLang="en-US" sz="5400" b="1" dirty="0">
-                <a:latin typeface="Microsoft JhengHei" panose="020B0604030504040204" pitchFamily="34" charset="-120"/>
-                <a:ea typeface="Microsoft JhengHei" panose="020B0604030504040204" pitchFamily="34" charset="-120"/>
+              <a:rPr lang="zh-CN" altLang="en-US" sz="7200" b="1" i="1" dirty="0">
+                <a:solidFill>
+                  <a:srgbClr val="660033"/>
+                </a:solidFill>
+                <a:effectLst>
+                  <a:outerShdw blurRad="38100" dist="38100" dir="2700000" algn="tl">
+                    <a:srgbClr val="000000">
+                      <a:alpha val="43137"/>
+                    </a:srgbClr>
+                  </a:outerShdw>
+                </a:effectLst>
+                <a:latin typeface="微軟正黑體" pitchFamily="34" charset="-120"/>
+                <a:ea typeface="微軟正黑體" pitchFamily="34" charset="-120"/>
               </a:rPr>
               <a:t>耶</a:t>
             </a:r>
             <a:r>
-              <a:rPr lang="zh-TW" altLang="en-US" sz="5400" b="1" dirty="0" smtClean="0">
-                <a:latin typeface="Microsoft JhengHei" panose="020B0604030504040204" pitchFamily="34" charset="-120"/>
-                <a:ea typeface="Microsoft JhengHei" panose="020B0604030504040204" pitchFamily="34" charset="-120"/>
-              </a:rPr>
-              <a:t>穌  神</a:t>
-            </a:r>
-            <a:r>
-              <a:rPr lang="zh-TW" altLang="en-US" sz="5400" b="1" dirty="0">
-                <a:latin typeface="Microsoft JhengHei" panose="020B0604030504040204" pitchFamily="34" charset="-120"/>
-                <a:ea typeface="Microsoft JhengHei" panose="020B0604030504040204" pitchFamily="34" charset="-120"/>
-              </a:rPr>
-              <a:t>的愛</a:t>
-            </a:r>
-            <a:r>
-              <a:rPr lang="zh-TW" altLang="en-US" sz="5400" b="1" dirty="0" smtClean="0">
-                <a:latin typeface="Microsoft JhengHei" panose="020B0604030504040204" pitchFamily="34" charset="-120"/>
-                <a:ea typeface="Microsoft JhengHei" panose="020B0604030504040204" pitchFamily="34" charset="-120"/>
-              </a:rPr>
-              <a:t>子</a:t>
-            </a:r>
-            <a:r>
-              <a:rPr lang="en-US" altLang="zh-TW" sz="5400" b="1" dirty="0" smtClean="0">
-                <a:latin typeface="Microsoft JhengHei" panose="020B0604030504040204" pitchFamily="34" charset="-120"/>
-                <a:ea typeface="Microsoft JhengHei" panose="020B0604030504040204" pitchFamily="34" charset="-120"/>
-              </a:rPr>
-              <a:t>  </a:t>
-            </a:r>
-          </a:p>
-          <a:p>
-            <a:pPr marL="0" indent="0" algn="ctr">
-              <a:buNone/>
-            </a:pPr>
-            <a:r>
-              <a:rPr lang="zh-TW" altLang="en-US" sz="5400" b="1" dirty="0" smtClean="0">
-                <a:latin typeface="Microsoft JhengHei" panose="020B0604030504040204" pitchFamily="34" charset="-120"/>
-                <a:ea typeface="Microsoft JhengHei" panose="020B0604030504040204" pitchFamily="34" charset="-120"/>
-              </a:rPr>
-              <a:t>耶穌  榮</a:t>
-            </a:r>
-            <a:r>
-              <a:rPr lang="zh-TW" altLang="en-US" sz="5400" b="1" dirty="0">
-                <a:latin typeface="Microsoft JhengHei" panose="020B0604030504040204" pitchFamily="34" charset="-120"/>
-                <a:ea typeface="Microsoft JhengHei" panose="020B0604030504040204" pitchFamily="34" charset="-120"/>
-              </a:rPr>
-              <a:t>耀君</a:t>
-            </a:r>
-            <a:r>
-              <a:rPr lang="zh-TW" altLang="en-US" sz="5400" b="1" dirty="0" smtClean="0">
-                <a:latin typeface="Microsoft JhengHei" panose="020B0604030504040204" pitchFamily="34" charset="-120"/>
-                <a:ea typeface="Microsoft JhengHei" panose="020B0604030504040204" pitchFamily="34" charset="-120"/>
-              </a:rPr>
-              <a:t>王</a:t>
-            </a:r>
-            <a:endParaRPr lang="en-US" altLang="zh-TW" sz="5400" b="1" dirty="0">
-              <a:latin typeface="Microsoft JhengHei" panose="020B0604030504040204" pitchFamily="34" charset="-120"/>
-              <a:ea typeface="Microsoft JhengHei" panose="020B0604030504040204" pitchFamily="34" charset="-120"/>
-            </a:endParaRPr>
-          </a:p>
-          <a:p>
-            <a:pPr marL="0" indent="0" algn="ctr">
-              <a:buNone/>
-            </a:pPr>
-            <a:r>
-              <a:rPr lang="zh-TW" altLang="en-US" sz="5400" b="1" dirty="0" smtClean="0">
-                <a:latin typeface="Microsoft JhengHei" panose="020B0604030504040204" pitchFamily="34" charset="-120"/>
-                <a:ea typeface="Microsoft JhengHei" panose="020B0604030504040204" pitchFamily="34" charset="-120"/>
-              </a:rPr>
-              <a:t>能力  權柄  智慧</a:t>
-            </a:r>
-            <a:endParaRPr lang="en-US" altLang="zh-TW" sz="5400" b="1" dirty="0">
-              <a:latin typeface="Microsoft JhengHei" panose="020B0604030504040204" pitchFamily="34" charset="-120"/>
-              <a:ea typeface="Microsoft JhengHei" panose="020B0604030504040204" pitchFamily="34" charset="-120"/>
-            </a:endParaRPr>
-          </a:p>
-          <a:p>
-            <a:pPr marL="0" indent="0" algn="ctr">
-              <a:buNone/>
-            </a:pPr>
-            <a:r>
-              <a:rPr lang="zh-TW" altLang="en-US" sz="5400" b="1" dirty="0" smtClean="0">
-                <a:latin typeface="Microsoft JhengHei" panose="020B0604030504040204" pitchFamily="34" charset="-120"/>
-                <a:ea typeface="Microsoft JhengHei" panose="020B0604030504040204" pitchFamily="34" charset="-120"/>
-              </a:rPr>
-              <a:t>公義  遠</a:t>
-            </a:r>
-            <a:r>
-              <a:rPr lang="zh-TW" altLang="en-US" sz="5400" b="1" dirty="0">
-                <a:latin typeface="Microsoft JhengHei" panose="020B0604030504040204" pitchFamily="34" charset="-120"/>
-                <a:ea typeface="Microsoft JhengHei" panose="020B0604030504040204" pitchFamily="34" charset="-120"/>
-              </a:rPr>
-              <a:t>超過全世</a:t>
-            </a:r>
-            <a:r>
-              <a:rPr lang="zh-TW" altLang="en-US" sz="5400" b="1" dirty="0" smtClean="0">
-                <a:latin typeface="Microsoft JhengHei" panose="020B0604030504040204" pitchFamily="34" charset="-120"/>
-                <a:ea typeface="Microsoft JhengHei" panose="020B0604030504040204" pitchFamily="34" charset="-120"/>
-              </a:rPr>
-              <a:t>界</a:t>
-            </a:r>
-            <a:endParaRPr lang="vi-VN" sz="5400" b="1" dirty="0">
-              <a:ea typeface="Microsoft JhengHei" panose="020B0604030504040204" pitchFamily="34" charset="-120"/>
+              <a:rPr lang="zh-CN" altLang="en-US" sz="7200" b="1" i="1" dirty="0">
+                <a:solidFill>
+                  <a:srgbClr val="660033"/>
+                </a:solidFill>
+                <a:effectLst>
+                  <a:outerShdw blurRad="38100" dist="38100" dir="2700000" algn="tl">
+                    <a:srgbClr val="000000">
+                      <a:alpha val="43137"/>
+                    </a:srgbClr>
+                  </a:outerShdw>
+                </a:effectLst>
+                <a:latin typeface="微軟正黑體" pitchFamily="34" charset="-120"/>
+                <a:ea typeface="微軟正黑體" pitchFamily="34" charset="-120"/>
+              </a:rPr>
+              <a:t>穌的名</a:t>
+            </a:r>
+            <a:endParaRPr lang="zh-TW" altLang="en-US" sz="7200" b="1" i="1" dirty="0">
+              <a:solidFill>
+                <a:srgbClr val="660033"/>
+              </a:solidFill>
+              <a:effectLst>
+                <a:outerShdw blurRad="38100" dist="38100" dir="2700000" algn="tl">
+                  <a:srgbClr val="000000">
+                    <a:alpha val="43137"/>
+                  </a:srgbClr>
+                </a:outerShdw>
+              </a:effectLst>
+              <a:latin typeface="微軟正黑體" pitchFamily="34" charset="-120"/>
+              <a:ea typeface="微軟正黑體" pitchFamily="34" charset="-120"/>
             </a:endParaRPr>
           </a:p>
         </p:txBody>
@@ -3274,7 +3197,783 @@
     </p:spTree>
     <p:extLst>
       <p:ext uri="{BB962C8B-B14F-4D97-AF65-F5344CB8AC3E}">
-        <p14:creationId xmlns:p14="http://schemas.microsoft.com/office/powerpoint/2010/main" val="2021941013"/>
+        <p14:creationId xmlns:p14="http://schemas.microsoft.com/office/powerpoint/2010/main" val="1610155332"/>
+      </p:ext>
+    </p:extLst>
+  </p:cSld>
+  <p:clrMapOvr>
+    <a:masterClrMapping/>
+  </p:clrMapOvr>
+</p:sld>
+</file>
+
+<file path=ppt/slides/slide10.xml><?xml version="1.0" encoding="utf-8"?>
+<p:sld xmlns:a="http://schemas.openxmlformats.org/drawingml/2006/main" xmlns:r="http://schemas.openxmlformats.org/officeDocument/2006/relationships" xmlns:p="http://schemas.openxmlformats.org/presentationml/2006/main">
+  <p:cSld>
+    <p:spTree>
+      <p:nvGrpSpPr>
+        <p:cNvPr id="1" name=""/>
+        <p:cNvGrpSpPr/>
+        <p:nvPr/>
+      </p:nvGrpSpPr>
+      <p:grpSpPr>
+        <a:xfrm>
+          <a:off x="0" y="0"/>
+          <a:ext cx="0" cy="0"/>
+          <a:chOff x="0" y="0"/>
+          <a:chExt cx="0" cy="0"/>
+        </a:xfrm>
+      </p:grpSpPr>
+      <p:sp>
+        <p:nvSpPr>
+          <p:cNvPr id="5" name="內容版面配置區 4"/>
+          <p:cNvSpPr>
+            <a:spLocks noGrp="1"/>
+          </p:cNvSpPr>
+          <p:nvPr>
+            <p:ph idx="1"/>
+          </p:nvPr>
+        </p:nvSpPr>
+        <p:spPr>
+          <a:xfrm>
+            <a:off x="0" y="2084851"/>
+            <a:ext cx="12192000" cy="2404863"/>
+          </a:xfrm>
+        </p:spPr>
+        <p:txBody>
+          <a:bodyPr anchor="ctr">
+            <a:normAutofit/>
+          </a:bodyPr>
+          <a:lstStyle/>
+          <a:p>
+            <a:pPr marL="0" indent="0" algn="ctr">
+              <a:buNone/>
+            </a:pPr>
+            <a:r>
+              <a:rPr lang="zh-TW" altLang="en-US" sz="6400" b="1" dirty="0">
+                <a:solidFill>
+                  <a:srgbClr val="660033"/>
+                </a:solidFill>
+                <a:latin typeface="微軟正黑體" pitchFamily="34" charset="-120"/>
+                <a:ea typeface="微軟正黑體" pitchFamily="34" charset="-120"/>
+              </a:rPr>
+              <a:t>疾病不能  </a:t>
+            </a:r>
+            <a:r>
+              <a:rPr lang="zh-TW" altLang="en-US" sz="6400" b="1" dirty="0">
+                <a:solidFill>
+                  <a:srgbClr val="660033"/>
+                </a:solidFill>
+                <a:latin typeface="微軟正黑體" pitchFamily="34" charset="-120"/>
+                <a:ea typeface="微軟正黑體" pitchFamily="34" charset="-120"/>
+              </a:rPr>
+              <a:t> 死</a:t>
+            </a:r>
+            <a:r>
+              <a:rPr lang="zh-TW" altLang="en-US" sz="6400" b="1" dirty="0">
+                <a:solidFill>
+                  <a:srgbClr val="660033"/>
+                </a:solidFill>
+                <a:latin typeface="微軟正黑體" pitchFamily="34" charset="-120"/>
+                <a:ea typeface="微軟正黑體" pitchFamily="34" charset="-120"/>
+              </a:rPr>
+              <a:t>亡不</a:t>
+            </a:r>
+            <a:r>
+              <a:rPr lang="zh-TW" altLang="en-US" sz="6400" b="1" dirty="0">
+                <a:solidFill>
+                  <a:srgbClr val="660033"/>
+                </a:solidFill>
+                <a:latin typeface="微軟正黑體" pitchFamily="34" charset="-120"/>
+                <a:ea typeface="微軟正黑體" pitchFamily="34" charset="-120"/>
+              </a:rPr>
+              <a:t>能</a:t>
+            </a:r>
+            <a:endParaRPr lang="en-US" altLang="zh-TW" sz="6400" b="1" dirty="0">
+              <a:solidFill>
+                <a:srgbClr val="660033"/>
+              </a:solidFill>
+              <a:latin typeface="微軟正黑體" pitchFamily="34" charset="-120"/>
+              <a:ea typeface="微軟正黑體" pitchFamily="34" charset="-120"/>
+            </a:endParaRPr>
+          </a:p>
+          <a:p>
+            <a:pPr marL="0" indent="0" algn="ctr">
+              <a:buNone/>
+            </a:pPr>
+            <a:r>
+              <a:rPr lang="zh-TW" altLang="en-US" sz="6400" b="1" dirty="0">
+                <a:solidFill>
+                  <a:srgbClr val="660033"/>
+                </a:solidFill>
+                <a:latin typeface="微軟正黑體" pitchFamily="34" charset="-120"/>
+                <a:ea typeface="微軟正黑體" pitchFamily="34" charset="-120"/>
+              </a:rPr>
+              <a:t>勝</a:t>
+            </a:r>
+            <a:r>
+              <a:rPr lang="zh-TW" altLang="en-US" sz="6400" b="1" dirty="0">
+                <a:solidFill>
+                  <a:srgbClr val="660033"/>
+                </a:solidFill>
+                <a:latin typeface="微軟正黑體" pitchFamily="34" charset="-120"/>
+                <a:ea typeface="微軟正黑體" pitchFamily="34" charset="-120"/>
+              </a:rPr>
+              <a:t>過耶穌的名</a:t>
+            </a:r>
+            <a:endParaRPr lang="en-US" altLang="zh-TW" sz="6400" b="1" dirty="0">
+              <a:solidFill>
+                <a:srgbClr val="660033"/>
+              </a:solidFill>
+              <a:latin typeface="微軟正黑體" pitchFamily="34" charset="-120"/>
+              <a:ea typeface="微軟正黑體" pitchFamily="34" charset="-120"/>
+            </a:endParaRPr>
+          </a:p>
+        </p:txBody>
+      </p:sp>
+      <p:sp>
+        <p:nvSpPr>
+          <p:cNvPr id="3" name="TextBox 2"/>
+          <p:cNvSpPr txBox="1"/>
+          <p:nvPr/>
+        </p:nvSpPr>
+        <p:spPr>
+          <a:xfrm>
+            <a:off x="0" y="5268592"/>
+            <a:ext cx="12192000" cy="830997"/>
+          </a:xfrm>
+          <a:prstGeom prst="rect">
+            <a:avLst/>
+          </a:prstGeom>
+          <a:noFill/>
+        </p:spPr>
+        <p:txBody>
+          <a:bodyPr wrap="square" rtlCol="0" anchor="ctr">
+            <a:spAutoFit/>
+          </a:bodyPr>
+          <a:lstStyle/>
+          <a:p>
+            <a:pPr algn="ctr"/>
+            <a:r>
+              <a:rPr lang="en-US" sz="4800" b="1" dirty="0">
+                <a:solidFill>
+                  <a:srgbClr val="660033"/>
+                </a:solidFill>
+                <a:latin typeface="Microsoft JhengHei" panose="020B0604030504040204" pitchFamily="34" charset="-120"/>
+                <a:ea typeface="Microsoft JhengHei" panose="020B0604030504040204" pitchFamily="34" charset="-120"/>
+              </a:rPr>
+              <a:t>( </a:t>
+            </a:r>
+            <a:r>
+              <a:rPr lang="zh-CN" altLang="en-US" sz="4800" b="1" dirty="0">
+                <a:solidFill>
+                  <a:srgbClr val="660033"/>
+                </a:solidFill>
+                <a:latin typeface="Microsoft JhengHei" panose="020B0604030504040204" pitchFamily="34" charset="-120"/>
+                <a:ea typeface="Microsoft JhengHei" panose="020B0604030504040204" pitchFamily="34" charset="-120"/>
+              </a:rPr>
+              <a:t>橋</a:t>
+            </a:r>
+            <a:r>
+              <a:rPr lang="en-US" sz="4800" b="1" dirty="0">
+                <a:solidFill>
+                  <a:srgbClr val="660033"/>
+                </a:solidFill>
+                <a:latin typeface="Microsoft JhengHei" panose="020B0604030504040204" pitchFamily="34" charset="-120"/>
+                <a:ea typeface="Microsoft JhengHei" panose="020B0604030504040204" pitchFamily="34" charset="-120"/>
+              </a:rPr>
+              <a:t> )</a:t>
+            </a:r>
+            <a:endParaRPr lang="vi-VN" sz="4800" b="1" dirty="0">
+              <a:solidFill>
+                <a:srgbClr val="660033"/>
+              </a:solidFill>
+              <a:ea typeface="Microsoft JhengHei" panose="020B0604030504040204" pitchFamily="34" charset="-120"/>
+            </a:endParaRPr>
+          </a:p>
+        </p:txBody>
+      </p:sp>
+    </p:spTree>
+    <p:extLst>
+      <p:ext uri="{BB962C8B-B14F-4D97-AF65-F5344CB8AC3E}">
+        <p14:creationId xmlns:p14="http://schemas.microsoft.com/office/powerpoint/2010/main" val="1271824128"/>
+      </p:ext>
+    </p:extLst>
+  </p:cSld>
+  <p:clrMapOvr>
+    <a:masterClrMapping/>
+  </p:clrMapOvr>
+</p:sld>
+</file>
+
+<file path=ppt/slides/slide11.xml><?xml version="1.0" encoding="utf-8"?>
+<p:sld xmlns:a="http://schemas.openxmlformats.org/drawingml/2006/main" xmlns:r="http://schemas.openxmlformats.org/officeDocument/2006/relationships" xmlns:p="http://schemas.openxmlformats.org/presentationml/2006/main">
+  <p:cSld>
+    <p:spTree>
+      <p:nvGrpSpPr>
+        <p:cNvPr id="1" name=""/>
+        <p:cNvGrpSpPr/>
+        <p:nvPr/>
+      </p:nvGrpSpPr>
+      <p:grpSpPr>
+        <a:xfrm>
+          <a:off x="0" y="0"/>
+          <a:ext cx="0" cy="0"/>
+          <a:chOff x="0" y="0"/>
+          <a:chExt cx="0" cy="0"/>
+        </a:xfrm>
+      </p:grpSpPr>
+      <p:sp>
+        <p:nvSpPr>
+          <p:cNvPr id="5" name="內容版面配置區 4"/>
+          <p:cNvSpPr>
+            <a:spLocks noGrp="1"/>
+          </p:cNvSpPr>
+          <p:nvPr>
+            <p:ph idx="1"/>
+          </p:nvPr>
+        </p:nvSpPr>
+        <p:spPr>
+          <a:xfrm>
+            <a:off x="0" y="2084851"/>
+            <a:ext cx="12192000" cy="2404863"/>
+          </a:xfrm>
+        </p:spPr>
+        <p:txBody>
+          <a:bodyPr anchor="ctr">
+            <a:normAutofit/>
+          </a:bodyPr>
+          <a:lstStyle/>
+          <a:p>
+            <a:pPr marL="0" indent="0" algn="ctr">
+              <a:buNone/>
+            </a:pPr>
+            <a:r>
+              <a:rPr lang="zh-TW" altLang="en-US" sz="6400" b="1" dirty="0">
+                <a:solidFill>
+                  <a:srgbClr val="660033"/>
+                </a:solidFill>
+                <a:latin typeface="微軟正黑體" pitchFamily="34" charset="-120"/>
+                <a:ea typeface="微軟正黑體" pitchFamily="34" charset="-120"/>
+              </a:rPr>
+              <a:t>世上沒有任何困</a:t>
+            </a:r>
+            <a:r>
+              <a:rPr lang="zh-TW" altLang="en-US" sz="6400" b="1" dirty="0">
+                <a:solidFill>
+                  <a:srgbClr val="660033"/>
+                </a:solidFill>
+                <a:latin typeface="微軟正黑體" pitchFamily="34" charset="-120"/>
+                <a:ea typeface="微軟正黑體" pitchFamily="34" charset="-120"/>
+              </a:rPr>
+              <a:t>難</a:t>
+            </a:r>
+            <a:endParaRPr lang="en-US" altLang="zh-TW" sz="6400" b="1" dirty="0">
+              <a:solidFill>
+                <a:srgbClr val="660033"/>
+              </a:solidFill>
+              <a:latin typeface="微軟正黑體" pitchFamily="34" charset="-120"/>
+              <a:ea typeface="微軟正黑體" pitchFamily="34" charset="-120"/>
+            </a:endParaRPr>
+          </a:p>
+          <a:p>
+            <a:pPr marL="0" indent="0" algn="ctr">
+              <a:buNone/>
+            </a:pPr>
+            <a:r>
+              <a:rPr lang="zh-TW" altLang="en-US" sz="6400" b="1" dirty="0">
+                <a:solidFill>
+                  <a:srgbClr val="660033"/>
+                </a:solidFill>
+                <a:latin typeface="微軟正黑體" pitchFamily="34" charset="-120"/>
+                <a:ea typeface="微軟正黑體" pitchFamily="34" charset="-120"/>
+              </a:rPr>
+              <a:t>勝</a:t>
+            </a:r>
+            <a:r>
+              <a:rPr lang="zh-TW" altLang="en-US" sz="6400" b="1" dirty="0">
+                <a:solidFill>
+                  <a:srgbClr val="660033"/>
+                </a:solidFill>
+                <a:latin typeface="微軟正黑體" pitchFamily="34" charset="-120"/>
+                <a:ea typeface="微軟正黑體" pitchFamily="34" charset="-120"/>
+              </a:rPr>
+              <a:t>過耶穌的名</a:t>
+            </a:r>
+            <a:endParaRPr lang="en-US" altLang="zh-TW" sz="6400" b="1" dirty="0">
+              <a:solidFill>
+                <a:srgbClr val="660033"/>
+              </a:solidFill>
+              <a:latin typeface="微軟正黑體" pitchFamily="34" charset="-120"/>
+              <a:ea typeface="微軟正黑體" pitchFamily="34" charset="-120"/>
+            </a:endParaRPr>
+          </a:p>
+        </p:txBody>
+      </p:sp>
+      <p:sp>
+        <p:nvSpPr>
+          <p:cNvPr id="3" name="TextBox 2"/>
+          <p:cNvSpPr txBox="1"/>
+          <p:nvPr/>
+        </p:nvSpPr>
+        <p:spPr>
+          <a:xfrm>
+            <a:off x="0" y="5268592"/>
+            <a:ext cx="12192000" cy="830997"/>
+          </a:xfrm>
+          <a:prstGeom prst="rect">
+            <a:avLst/>
+          </a:prstGeom>
+          <a:noFill/>
+        </p:spPr>
+        <p:txBody>
+          <a:bodyPr wrap="square" rtlCol="0" anchor="ctr">
+            <a:spAutoFit/>
+          </a:bodyPr>
+          <a:lstStyle/>
+          <a:p>
+            <a:pPr algn="ctr"/>
+            <a:r>
+              <a:rPr lang="en-US" sz="4800" b="1" dirty="0">
+                <a:solidFill>
+                  <a:srgbClr val="660033"/>
+                </a:solidFill>
+                <a:latin typeface="Microsoft JhengHei" panose="020B0604030504040204" pitchFamily="34" charset="-120"/>
+                <a:ea typeface="Microsoft JhengHei" panose="020B0604030504040204" pitchFamily="34" charset="-120"/>
+              </a:rPr>
+              <a:t>( </a:t>
+            </a:r>
+            <a:r>
+              <a:rPr lang="zh-CN" altLang="en-US" sz="4800" b="1" dirty="0">
+                <a:solidFill>
+                  <a:srgbClr val="660033"/>
+                </a:solidFill>
+                <a:latin typeface="Microsoft JhengHei" panose="020B0604030504040204" pitchFamily="34" charset="-120"/>
+                <a:ea typeface="Microsoft JhengHei" panose="020B0604030504040204" pitchFamily="34" charset="-120"/>
+              </a:rPr>
+              <a:t>橋</a:t>
+            </a:r>
+            <a:r>
+              <a:rPr lang="en-US" sz="4800" b="1" dirty="0">
+                <a:solidFill>
+                  <a:srgbClr val="660033"/>
+                </a:solidFill>
+                <a:latin typeface="Microsoft JhengHei" panose="020B0604030504040204" pitchFamily="34" charset="-120"/>
+                <a:ea typeface="Microsoft JhengHei" panose="020B0604030504040204" pitchFamily="34" charset="-120"/>
+              </a:rPr>
+              <a:t> )</a:t>
+            </a:r>
+            <a:endParaRPr lang="vi-VN" sz="4800" b="1" dirty="0">
+              <a:solidFill>
+                <a:srgbClr val="660033"/>
+              </a:solidFill>
+              <a:ea typeface="Microsoft JhengHei" panose="020B0604030504040204" pitchFamily="34" charset="-120"/>
+            </a:endParaRPr>
+          </a:p>
+        </p:txBody>
+      </p:sp>
+    </p:spTree>
+    <p:extLst>
+      <p:ext uri="{BB962C8B-B14F-4D97-AF65-F5344CB8AC3E}">
+        <p14:creationId xmlns:p14="http://schemas.microsoft.com/office/powerpoint/2010/main" val="1022170747"/>
+      </p:ext>
+    </p:extLst>
+  </p:cSld>
+  <p:clrMapOvr>
+    <a:masterClrMapping/>
+  </p:clrMapOvr>
+</p:sld>
+</file>
+
+<file path=ppt/slides/slide12.xml><?xml version="1.0" encoding="utf-8"?>
+<p:sld xmlns:a="http://schemas.openxmlformats.org/drawingml/2006/main" xmlns:r="http://schemas.openxmlformats.org/officeDocument/2006/relationships" xmlns:p="http://schemas.openxmlformats.org/presentationml/2006/main">
+  <p:cSld>
+    <p:spTree>
+      <p:nvGrpSpPr>
+        <p:cNvPr id="1" name=""/>
+        <p:cNvGrpSpPr/>
+        <p:nvPr/>
+      </p:nvGrpSpPr>
+      <p:grpSpPr>
+        <a:xfrm>
+          <a:off x="0" y="0"/>
+          <a:ext cx="0" cy="0"/>
+          <a:chOff x="0" y="0"/>
+          <a:chExt cx="0" cy="0"/>
+        </a:xfrm>
+      </p:grpSpPr>
+      <p:sp>
+        <p:nvSpPr>
+          <p:cNvPr id="5" name="內容版面配置區 4"/>
+          <p:cNvSpPr>
+            <a:spLocks noGrp="1"/>
+          </p:cNvSpPr>
+          <p:nvPr>
+            <p:ph idx="1"/>
+          </p:nvPr>
+        </p:nvSpPr>
+        <p:spPr>
+          <a:xfrm>
+            <a:off x="0" y="2084851"/>
+            <a:ext cx="12192000" cy="2404863"/>
+          </a:xfrm>
+        </p:spPr>
+        <p:txBody>
+          <a:bodyPr anchor="ctr">
+            <a:normAutofit/>
+          </a:bodyPr>
+          <a:lstStyle/>
+          <a:p>
+            <a:pPr marL="0" indent="0" algn="ctr">
+              <a:buNone/>
+            </a:pPr>
+            <a:r>
+              <a:rPr lang="zh-TW" altLang="en-US" sz="6400" b="1" dirty="0">
+                <a:solidFill>
+                  <a:srgbClr val="660033"/>
+                </a:solidFill>
+                <a:latin typeface="微軟正黑體" pitchFamily="34" charset="-120"/>
+                <a:ea typeface="微軟正黑體" pitchFamily="34" charset="-120"/>
+              </a:rPr>
+              <a:t>醫治能力  </a:t>
+            </a:r>
+            <a:r>
+              <a:rPr lang="zh-TW" altLang="en-US" sz="6400" b="1" dirty="0">
+                <a:solidFill>
+                  <a:srgbClr val="660033"/>
+                </a:solidFill>
+                <a:latin typeface="微軟正黑體" pitchFamily="34" charset="-120"/>
+                <a:ea typeface="微軟正黑體" pitchFamily="34" charset="-120"/>
+              </a:rPr>
+              <a:t> 救</a:t>
+            </a:r>
+            <a:r>
+              <a:rPr lang="zh-TW" altLang="en-US" sz="6400" b="1" dirty="0">
+                <a:solidFill>
+                  <a:srgbClr val="660033"/>
+                </a:solidFill>
+                <a:latin typeface="微軟正黑體" pitchFamily="34" charset="-120"/>
+                <a:ea typeface="微軟正黑體" pitchFamily="34" charset="-120"/>
+              </a:rPr>
+              <a:t>贖恩</a:t>
+            </a:r>
+            <a:r>
+              <a:rPr lang="zh-TW" altLang="en-US" sz="6400" b="1" dirty="0">
+                <a:solidFill>
+                  <a:srgbClr val="660033"/>
+                </a:solidFill>
+                <a:latin typeface="微軟正黑體" pitchFamily="34" charset="-120"/>
+                <a:ea typeface="微軟正黑體" pitchFamily="34" charset="-120"/>
+              </a:rPr>
+              <a:t>典</a:t>
+            </a:r>
+            <a:endParaRPr lang="en-US" altLang="zh-TW" sz="6400" b="1" dirty="0">
+              <a:solidFill>
+                <a:srgbClr val="660033"/>
+              </a:solidFill>
+              <a:latin typeface="微軟正黑體" pitchFamily="34" charset="-120"/>
+              <a:ea typeface="微軟正黑體" pitchFamily="34" charset="-120"/>
+            </a:endParaRPr>
+          </a:p>
+          <a:p>
+            <a:pPr marL="0" indent="0" algn="ctr">
+              <a:buNone/>
+            </a:pPr>
+            <a:r>
+              <a:rPr lang="zh-TW" altLang="en-US" sz="6400" b="1" dirty="0">
+                <a:solidFill>
+                  <a:srgbClr val="660033"/>
+                </a:solidFill>
+                <a:latin typeface="微軟正黑體" pitchFamily="34" charset="-120"/>
+                <a:ea typeface="微軟正黑體" pitchFamily="34" charset="-120"/>
+              </a:rPr>
+              <a:t>都</a:t>
+            </a:r>
+            <a:r>
+              <a:rPr lang="zh-TW" altLang="en-US" sz="6400" b="1" dirty="0">
+                <a:solidFill>
+                  <a:srgbClr val="660033"/>
+                </a:solidFill>
+                <a:latin typeface="微軟正黑體" pitchFamily="34" charset="-120"/>
+                <a:ea typeface="微軟正黑體" pitchFamily="34" charset="-120"/>
+              </a:rPr>
+              <a:t>因耶穌的名</a:t>
+            </a:r>
+            <a:endParaRPr lang="en-US" altLang="zh-TW" sz="6400" b="1" dirty="0">
+              <a:solidFill>
+                <a:srgbClr val="660033"/>
+              </a:solidFill>
+              <a:latin typeface="微軟正黑體" pitchFamily="34" charset="-120"/>
+              <a:ea typeface="微軟正黑體" pitchFamily="34" charset="-120"/>
+            </a:endParaRPr>
+          </a:p>
+        </p:txBody>
+      </p:sp>
+      <p:sp>
+        <p:nvSpPr>
+          <p:cNvPr id="3" name="TextBox 2"/>
+          <p:cNvSpPr txBox="1"/>
+          <p:nvPr/>
+        </p:nvSpPr>
+        <p:spPr>
+          <a:xfrm>
+            <a:off x="0" y="5268592"/>
+            <a:ext cx="12192000" cy="830997"/>
+          </a:xfrm>
+          <a:prstGeom prst="rect">
+            <a:avLst/>
+          </a:prstGeom>
+          <a:noFill/>
+        </p:spPr>
+        <p:txBody>
+          <a:bodyPr wrap="square" rtlCol="0" anchor="ctr">
+            <a:spAutoFit/>
+          </a:bodyPr>
+          <a:lstStyle/>
+          <a:p>
+            <a:pPr algn="ctr"/>
+            <a:r>
+              <a:rPr lang="en-US" sz="4800" b="1" dirty="0">
+                <a:solidFill>
+                  <a:srgbClr val="660033"/>
+                </a:solidFill>
+                <a:latin typeface="Microsoft JhengHei" panose="020B0604030504040204" pitchFamily="34" charset="-120"/>
+                <a:ea typeface="Microsoft JhengHei" panose="020B0604030504040204" pitchFamily="34" charset="-120"/>
+              </a:rPr>
+              <a:t>( </a:t>
+            </a:r>
+            <a:r>
+              <a:rPr lang="zh-CN" altLang="en-US" sz="4800" b="1" dirty="0">
+                <a:solidFill>
+                  <a:srgbClr val="660033"/>
+                </a:solidFill>
+                <a:latin typeface="Microsoft JhengHei" panose="020B0604030504040204" pitchFamily="34" charset="-120"/>
+                <a:ea typeface="Microsoft JhengHei" panose="020B0604030504040204" pitchFamily="34" charset="-120"/>
+              </a:rPr>
+              <a:t>橋</a:t>
+            </a:r>
+            <a:r>
+              <a:rPr lang="en-US" sz="4800" b="1" dirty="0">
+                <a:solidFill>
+                  <a:srgbClr val="660033"/>
+                </a:solidFill>
+                <a:latin typeface="Microsoft JhengHei" panose="020B0604030504040204" pitchFamily="34" charset="-120"/>
+                <a:ea typeface="Microsoft JhengHei" panose="020B0604030504040204" pitchFamily="34" charset="-120"/>
+              </a:rPr>
+              <a:t> )</a:t>
+            </a:r>
+            <a:endParaRPr lang="vi-VN" sz="4800" b="1" dirty="0">
+              <a:solidFill>
+                <a:srgbClr val="660033"/>
+              </a:solidFill>
+              <a:ea typeface="Microsoft JhengHei" panose="020B0604030504040204" pitchFamily="34" charset="-120"/>
+            </a:endParaRPr>
+          </a:p>
+        </p:txBody>
+      </p:sp>
+    </p:spTree>
+    <p:extLst>
+      <p:ext uri="{BB962C8B-B14F-4D97-AF65-F5344CB8AC3E}">
+        <p14:creationId xmlns:p14="http://schemas.microsoft.com/office/powerpoint/2010/main" val="2310395567"/>
+      </p:ext>
+    </p:extLst>
+  </p:cSld>
+  <p:clrMapOvr>
+    <a:masterClrMapping/>
+  </p:clrMapOvr>
+</p:sld>
+</file>
+
+<file path=ppt/slides/slide13.xml><?xml version="1.0" encoding="utf-8"?>
+<p:sld xmlns:a="http://schemas.openxmlformats.org/drawingml/2006/main" xmlns:r="http://schemas.openxmlformats.org/officeDocument/2006/relationships" xmlns:p="http://schemas.openxmlformats.org/presentationml/2006/main">
+  <p:cSld>
+    <p:spTree>
+      <p:nvGrpSpPr>
+        <p:cNvPr id="1" name=""/>
+        <p:cNvGrpSpPr/>
+        <p:nvPr/>
+      </p:nvGrpSpPr>
+      <p:grpSpPr>
+        <a:xfrm>
+          <a:off x="0" y="0"/>
+          <a:ext cx="0" cy="0"/>
+          <a:chOff x="0" y="0"/>
+          <a:chExt cx="0" cy="0"/>
+        </a:xfrm>
+      </p:grpSpPr>
+      <p:sp>
+        <p:nvSpPr>
+          <p:cNvPr id="5" name="內容版面配置區 4"/>
+          <p:cNvSpPr>
+            <a:spLocks noGrp="1"/>
+          </p:cNvSpPr>
+          <p:nvPr>
+            <p:ph idx="1"/>
+          </p:nvPr>
+        </p:nvSpPr>
+        <p:spPr>
+          <a:xfrm>
+            <a:off x="0" y="2084851"/>
+            <a:ext cx="12192000" cy="2404863"/>
+          </a:xfrm>
+        </p:spPr>
+        <p:txBody>
+          <a:bodyPr anchor="ctr">
+            <a:normAutofit/>
+          </a:bodyPr>
+          <a:lstStyle/>
+          <a:p>
+            <a:pPr marL="0" indent="0" algn="ctr">
+              <a:buNone/>
+            </a:pPr>
+            <a:r>
+              <a:rPr lang="zh-TW" altLang="en-US" sz="6400" b="1" dirty="0">
+                <a:solidFill>
+                  <a:srgbClr val="660033"/>
+                </a:solidFill>
+                <a:latin typeface="微軟正黑體" pitchFamily="34" charset="-120"/>
+                <a:ea typeface="微軟正黑體" pitchFamily="34" charset="-120"/>
+              </a:rPr>
+              <a:t>營壘攻破  </a:t>
+            </a:r>
+            <a:r>
+              <a:rPr lang="zh-TW" altLang="en-US" sz="6400" b="1" dirty="0">
+                <a:solidFill>
+                  <a:srgbClr val="660033"/>
+                </a:solidFill>
+                <a:latin typeface="微軟正黑體" pitchFamily="34" charset="-120"/>
+                <a:ea typeface="微軟正黑體" pitchFamily="34" charset="-120"/>
+              </a:rPr>
+              <a:t> 爭</a:t>
+            </a:r>
+            <a:r>
+              <a:rPr lang="zh-TW" altLang="en-US" sz="6400" b="1" dirty="0">
+                <a:solidFill>
+                  <a:srgbClr val="660033"/>
+                </a:solidFill>
+                <a:latin typeface="微軟正黑體" pitchFamily="34" charset="-120"/>
+                <a:ea typeface="微軟正黑體" pitchFamily="34" charset="-120"/>
+              </a:rPr>
+              <a:t>戰得</a:t>
+            </a:r>
+            <a:r>
+              <a:rPr lang="zh-TW" altLang="en-US" sz="6400" b="1" dirty="0">
+                <a:solidFill>
+                  <a:srgbClr val="660033"/>
+                </a:solidFill>
+                <a:latin typeface="微軟正黑體" pitchFamily="34" charset="-120"/>
+                <a:ea typeface="微軟正黑體" pitchFamily="34" charset="-120"/>
+              </a:rPr>
+              <a:t>勝</a:t>
+            </a:r>
+            <a:endParaRPr lang="en-US" altLang="zh-TW" sz="6400" b="1" dirty="0">
+              <a:solidFill>
+                <a:srgbClr val="660033"/>
+              </a:solidFill>
+              <a:latin typeface="微軟正黑體" pitchFamily="34" charset="-120"/>
+              <a:ea typeface="微軟正黑體" pitchFamily="34" charset="-120"/>
+            </a:endParaRPr>
+          </a:p>
+          <a:p>
+            <a:pPr marL="0" indent="0" algn="ctr">
+              <a:buNone/>
+            </a:pPr>
+            <a:r>
+              <a:rPr lang="zh-TW" altLang="en-US" sz="6400" b="1" dirty="0">
+                <a:solidFill>
+                  <a:srgbClr val="660033"/>
+                </a:solidFill>
+                <a:latin typeface="微軟正黑體" pitchFamily="34" charset="-120"/>
+                <a:ea typeface="微軟正黑體" pitchFamily="34" charset="-120"/>
+              </a:rPr>
+              <a:t>都</a:t>
+            </a:r>
+            <a:r>
+              <a:rPr lang="zh-TW" altLang="en-US" sz="6400" b="1" dirty="0">
+                <a:solidFill>
+                  <a:srgbClr val="660033"/>
+                </a:solidFill>
+                <a:latin typeface="微軟正黑體" pitchFamily="34" charset="-120"/>
+                <a:ea typeface="微軟正黑體" pitchFamily="34" charset="-120"/>
+              </a:rPr>
+              <a:t>因耶穌的名</a:t>
+            </a:r>
+            <a:endParaRPr lang="en-US" altLang="zh-TW" sz="6400" b="1" dirty="0">
+              <a:solidFill>
+                <a:srgbClr val="660033"/>
+              </a:solidFill>
+              <a:latin typeface="微軟正黑體" pitchFamily="34" charset="-120"/>
+              <a:ea typeface="微軟正黑體" pitchFamily="34" charset="-120"/>
+            </a:endParaRPr>
+          </a:p>
+        </p:txBody>
+      </p:sp>
+      <p:sp>
+        <p:nvSpPr>
+          <p:cNvPr id="3" name="TextBox 2"/>
+          <p:cNvSpPr txBox="1"/>
+          <p:nvPr/>
+        </p:nvSpPr>
+        <p:spPr>
+          <a:xfrm>
+            <a:off x="0" y="5268592"/>
+            <a:ext cx="12192000" cy="830997"/>
+          </a:xfrm>
+          <a:prstGeom prst="rect">
+            <a:avLst/>
+          </a:prstGeom>
+          <a:noFill/>
+        </p:spPr>
+        <p:txBody>
+          <a:bodyPr wrap="square" rtlCol="0" anchor="ctr">
+            <a:spAutoFit/>
+          </a:bodyPr>
+          <a:lstStyle/>
+          <a:p>
+            <a:pPr algn="ctr"/>
+            <a:r>
+              <a:rPr lang="en-US" sz="4800" b="1" dirty="0">
+                <a:solidFill>
+                  <a:srgbClr val="660033"/>
+                </a:solidFill>
+                <a:latin typeface="Microsoft JhengHei" panose="020B0604030504040204" pitchFamily="34" charset="-120"/>
+                <a:ea typeface="Microsoft JhengHei" panose="020B0604030504040204" pitchFamily="34" charset="-120"/>
+              </a:rPr>
+              <a:t>( </a:t>
+            </a:r>
+            <a:r>
+              <a:rPr lang="zh-CN" altLang="en-US" sz="4800" b="1" dirty="0">
+                <a:solidFill>
+                  <a:srgbClr val="660033"/>
+                </a:solidFill>
+                <a:latin typeface="Microsoft JhengHei" panose="020B0604030504040204" pitchFamily="34" charset="-120"/>
+                <a:ea typeface="Microsoft JhengHei" panose="020B0604030504040204" pitchFamily="34" charset="-120"/>
+              </a:rPr>
+              <a:t>橋</a:t>
+            </a:r>
+            <a:r>
+              <a:rPr lang="en-US" sz="4800" b="1" dirty="0">
+                <a:solidFill>
+                  <a:srgbClr val="660033"/>
+                </a:solidFill>
+                <a:latin typeface="Microsoft JhengHei" panose="020B0604030504040204" pitchFamily="34" charset="-120"/>
+                <a:ea typeface="Microsoft JhengHei" panose="020B0604030504040204" pitchFamily="34" charset="-120"/>
+              </a:rPr>
+              <a:t> )</a:t>
+            </a:r>
+            <a:endParaRPr lang="vi-VN" sz="4800" b="1" dirty="0">
+              <a:solidFill>
+                <a:srgbClr val="660033"/>
+              </a:solidFill>
+              <a:ea typeface="Microsoft JhengHei" panose="020B0604030504040204" pitchFamily="34" charset="-120"/>
+            </a:endParaRPr>
+          </a:p>
+        </p:txBody>
+      </p:sp>
+    </p:spTree>
+    <p:extLst>
+      <p:ext uri="{BB962C8B-B14F-4D97-AF65-F5344CB8AC3E}">
+        <p14:creationId xmlns:p14="http://schemas.microsoft.com/office/powerpoint/2010/main" val="3527036893"/>
       </p:ext>
     </p:extLst>
   </p:cSld>
@@ -3303,153 +4002,174 @@
       </p:grpSpPr>
       <p:sp>
         <p:nvSpPr>
-          <p:cNvPr id="2" name="Title 1"/>
-          <p:cNvSpPr>
-            <a:spLocks noGrp="1"/>
-          </p:cNvSpPr>
-          <p:nvPr>
-            <p:ph type="title"/>
-          </p:nvPr>
-        </p:nvSpPr>
-        <p:spPr/>
-        <p:txBody>
-          <a:bodyPr>
+          <p:cNvPr id="5" name="內容版面配置區 4"/>
+          <p:cNvSpPr>
+            <a:spLocks noGrp="1"/>
+          </p:cNvSpPr>
+          <p:nvPr>
+            <p:ph idx="1"/>
+          </p:nvPr>
+        </p:nvSpPr>
+        <p:spPr>
+          <a:xfrm>
+            <a:off x="0" y="2084851"/>
+            <a:ext cx="12192000" cy="2404863"/>
+          </a:xfrm>
+        </p:spPr>
+        <p:txBody>
+          <a:bodyPr anchor="ctr">
             <a:normAutofit/>
           </a:bodyPr>
           <a:lstStyle/>
           <a:p>
-            <a:r>
-              <a:rPr lang="zh-CN" altLang="en-US" sz="4800" b="1" dirty="0">
+            <a:pPr marL="0" indent="0" algn="ctr">
+              <a:buNone/>
+            </a:pPr>
+            <a:r>
+              <a:rPr lang="zh-TW" altLang="en-US" sz="6400" b="1" dirty="0">
+                <a:solidFill>
+                  <a:srgbClr val="660033"/>
+                </a:solidFill>
+                <a:latin typeface="微軟正黑體" pitchFamily="34" charset="-120"/>
+                <a:ea typeface="微軟正黑體" pitchFamily="34" charset="-120"/>
+              </a:rPr>
+              <a:t>耶</a:t>
+            </a:r>
+            <a:r>
+              <a:rPr lang="zh-TW" altLang="en-US" sz="6400" b="1" dirty="0">
+                <a:solidFill>
+                  <a:srgbClr val="660033"/>
+                </a:solidFill>
+                <a:latin typeface="微軟正黑體" pitchFamily="34" charset="-120"/>
+                <a:ea typeface="微軟正黑體" pitchFamily="34" charset="-120"/>
+              </a:rPr>
+              <a:t>穌  神的愛子</a:t>
+            </a:r>
+            <a:r>
+              <a:rPr lang="en-US" altLang="zh-TW" sz="6400" b="1" dirty="0">
+                <a:solidFill>
+                  <a:srgbClr val="660033"/>
+                </a:solidFill>
+                <a:latin typeface="微軟正黑體" pitchFamily="34" charset="-120"/>
+                <a:ea typeface="微軟正黑體" pitchFamily="34" charset="-120"/>
+              </a:rPr>
+              <a:t>  </a:t>
+            </a:r>
+            <a:endParaRPr lang="en-US" altLang="zh-TW" sz="6400" b="1" dirty="0">
+              <a:solidFill>
+                <a:srgbClr val="660033"/>
+              </a:solidFill>
+              <a:latin typeface="微軟正黑體" pitchFamily="34" charset="-120"/>
+              <a:ea typeface="微軟正黑體" pitchFamily="34" charset="-120"/>
+            </a:endParaRPr>
+          </a:p>
+          <a:p>
+            <a:pPr marL="0" indent="0" algn="ctr">
+              <a:buNone/>
+            </a:pPr>
+            <a:r>
+              <a:rPr lang="zh-TW" altLang="en-US" sz="6400" b="1" dirty="0">
+                <a:solidFill>
+                  <a:srgbClr val="660033"/>
+                </a:solidFill>
+                <a:latin typeface="微軟正黑體" pitchFamily="34" charset="-120"/>
+                <a:ea typeface="微軟正黑體" pitchFamily="34" charset="-120"/>
+              </a:rPr>
+              <a:t>耶穌  榮耀君王</a:t>
+            </a:r>
+            <a:endParaRPr lang="en-US" altLang="zh-TW" sz="6400" b="1" dirty="0">
+              <a:solidFill>
+                <a:srgbClr val="660033"/>
+              </a:solidFill>
+              <a:latin typeface="微軟正黑體" pitchFamily="34" charset="-120"/>
+              <a:ea typeface="微軟正黑體" pitchFamily="34" charset="-120"/>
+            </a:endParaRPr>
+          </a:p>
+        </p:txBody>
+      </p:sp>
+      <p:sp>
+        <p:nvSpPr>
+          <p:cNvPr id="3" name="TextBox 2"/>
+          <p:cNvSpPr txBox="1"/>
+          <p:nvPr/>
+        </p:nvSpPr>
+        <p:spPr>
+          <a:xfrm>
+            <a:off x="0" y="5268592"/>
+            <a:ext cx="12192000" cy="830997"/>
+          </a:xfrm>
+          <a:prstGeom prst="rect">
+            <a:avLst/>
+          </a:prstGeom>
+          <a:noFill/>
+        </p:spPr>
+        <p:txBody>
+          <a:bodyPr wrap="square" rtlCol="0" anchor="ctr">
+            <a:spAutoFit/>
+          </a:bodyPr>
+          <a:lstStyle/>
+          <a:p>
+            <a:pPr algn="ctr"/>
+            <a:r>
+              <a:rPr lang="en-US" sz="4800" b="1" dirty="0">
+                <a:solidFill>
+                  <a:srgbClr val="660033"/>
+                </a:solidFill>
+                <a:effectLst/>
                 <a:latin typeface="Microsoft JhengHei" panose="020B0604030504040204" pitchFamily="34" charset="-120"/>
                 <a:ea typeface="Microsoft JhengHei" panose="020B0604030504040204" pitchFamily="34" charset="-120"/>
               </a:rPr>
-              <a:t>耶穌的名</a:t>
-            </a:r>
-            <a:endParaRPr lang="vi-VN" sz="4800" b="1" dirty="0">
-              <a:ea typeface="Microsoft JhengHei" panose="020B0604030504040204" pitchFamily="34" charset="-120"/>
-            </a:endParaRPr>
-          </a:p>
-        </p:txBody>
-      </p:sp>
-      <p:sp>
-        <p:nvSpPr>
-          <p:cNvPr id="3" name="Content Placeholder 2"/>
-          <p:cNvSpPr>
-            <a:spLocks noGrp="1"/>
-          </p:cNvSpPr>
-          <p:nvPr>
-            <p:ph idx="1"/>
-          </p:nvPr>
-        </p:nvSpPr>
-        <p:spPr/>
-        <p:txBody>
-          <a:bodyPr>
-            <a:normAutofit/>
-          </a:bodyPr>
-          <a:lstStyle/>
-          <a:p>
-            <a:pPr marL="0" indent="0" algn="ctr">
-              <a:buNone/>
-            </a:pPr>
-            <a:r>
-              <a:rPr lang="zh-TW" altLang="en-US" sz="5400" b="1" dirty="0" smtClean="0">
+              <a:t>( </a:t>
+            </a:r>
+            <a:r>
+              <a:rPr lang="zh-CN" altLang="en-US" sz="4800" b="1" dirty="0">
+                <a:solidFill>
+                  <a:srgbClr val="660033"/>
+                </a:solidFill>
+                <a:effectLst/>
                 <a:latin typeface="Microsoft JhengHei" panose="020B0604030504040204" pitchFamily="34" charset="-120"/>
                 <a:ea typeface="Microsoft JhengHei" panose="020B0604030504040204" pitchFamily="34" charset="-120"/>
               </a:rPr>
-              <a:t>耶穌的名  超乎萬名</a:t>
-            </a:r>
-            <a:endParaRPr lang="en-US" altLang="zh-TW" sz="5400" b="1" dirty="0" smtClean="0">
-              <a:latin typeface="Microsoft JhengHei" panose="020B0604030504040204" pitchFamily="34" charset="-120"/>
-              <a:ea typeface="Microsoft JhengHei" panose="020B0604030504040204" pitchFamily="34" charset="-120"/>
-            </a:endParaRPr>
-          </a:p>
-          <a:p>
-            <a:pPr marL="0" indent="0" algn="ctr">
-              <a:buNone/>
-            </a:pPr>
-            <a:r>
-              <a:rPr lang="zh-TW" altLang="en-US" sz="5400" b="1" dirty="0" smtClean="0">
+              <a:t>正</a:t>
+            </a:r>
+            <a:r>
+              <a:rPr lang="en-US" altLang="zh-CN" sz="4800" b="1" dirty="0">
+                <a:solidFill>
+                  <a:srgbClr val="660033"/>
+                </a:solidFill>
+                <a:effectLst/>
                 <a:latin typeface="Microsoft JhengHei" panose="020B0604030504040204" pitchFamily="34" charset="-120"/>
                 <a:ea typeface="Microsoft JhengHei" panose="020B0604030504040204" pitchFamily="34" charset="-120"/>
               </a:rPr>
-              <a:t>榮耀尊貴都歸於</a:t>
-            </a:r>
-            <a:r>
-              <a:rPr lang="zh-CN" altLang="en-US" sz="5400" b="1" dirty="0">
+              <a:t> 1</a:t>
+            </a:r>
+            <a:r>
+              <a:rPr lang="en-US" sz="4800" b="1" dirty="0">
+                <a:solidFill>
+                  <a:srgbClr val="660033"/>
+                </a:solidFill>
+                <a:effectLst/>
                 <a:latin typeface="Microsoft JhengHei" panose="020B0604030504040204" pitchFamily="34" charset="-120"/>
                 <a:ea typeface="Microsoft JhengHei" panose="020B0604030504040204" pitchFamily="34" charset="-120"/>
               </a:rPr>
-              <a:t>袮</a:t>
-            </a:r>
-            <a:endParaRPr lang="en-US" altLang="zh-TW" sz="5400" b="1" dirty="0" smtClean="0">
-              <a:latin typeface="Microsoft JhengHei" panose="020B0604030504040204" pitchFamily="34" charset="-120"/>
-              <a:ea typeface="Microsoft JhengHei" panose="020B0604030504040204" pitchFamily="34" charset="-120"/>
-            </a:endParaRPr>
-          </a:p>
-          <a:p>
-            <a:pPr marL="0" indent="0" algn="ctr">
-              <a:buNone/>
-            </a:pPr>
-            <a:r>
-              <a:rPr lang="zh-TW" altLang="en-US" sz="5400" b="1" dirty="0" smtClean="0">
+              <a:t> </a:t>
+            </a:r>
+            <a:r>
+              <a:rPr lang="en-US" sz="4800" b="1" dirty="0">
+                <a:solidFill>
+                  <a:srgbClr val="660033"/>
+                </a:solidFill>
+                <a:effectLst/>
                 <a:latin typeface="Microsoft JhengHei" panose="020B0604030504040204" pitchFamily="34" charset="-120"/>
                 <a:ea typeface="Microsoft JhengHei" panose="020B0604030504040204" pitchFamily="34" charset="-120"/>
               </a:rPr>
-              <a:t>萬膝要跪拜  萬口要承認</a:t>
-            </a:r>
-            <a:endParaRPr lang="en-US" altLang="zh-TW" sz="5400" b="1" dirty="0" smtClean="0">
-              <a:latin typeface="Microsoft JhengHei" panose="020B0604030504040204" pitchFamily="34" charset="-120"/>
-              <a:ea typeface="Microsoft JhengHei" panose="020B0604030504040204" pitchFamily="34" charset="-120"/>
-            </a:endParaRPr>
-          </a:p>
-          <a:p>
-            <a:pPr marL="0" indent="0" algn="ctr">
-              <a:buNone/>
-            </a:pPr>
-            <a:r>
-              <a:rPr lang="zh-TW" altLang="en-US" sz="5400" b="1" dirty="0" smtClean="0">
-                <a:latin typeface="Microsoft JhengHei" panose="020B0604030504040204" pitchFamily="34" charset="-120"/>
-                <a:ea typeface="Microsoft JhengHei" panose="020B0604030504040204" pitchFamily="34" charset="-120"/>
-              </a:rPr>
-              <a:t>耶</a:t>
-            </a:r>
-            <a:r>
-              <a:rPr lang="zh-TW" altLang="en-US" sz="5400" b="1" dirty="0">
-                <a:latin typeface="Microsoft JhengHei" panose="020B0604030504040204" pitchFamily="34" charset="-120"/>
-                <a:ea typeface="Microsoft JhengHei" panose="020B0604030504040204" pitchFamily="34" charset="-120"/>
-              </a:rPr>
-              <a:t>穌我敬</a:t>
-            </a:r>
-            <a:r>
-              <a:rPr lang="zh-TW" altLang="en-US" sz="5400" b="1" dirty="0" smtClean="0">
-                <a:latin typeface="Microsoft JhengHei" panose="020B0604030504040204" pitchFamily="34" charset="-120"/>
-                <a:ea typeface="Microsoft JhengHei" panose="020B0604030504040204" pitchFamily="34" charset="-120"/>
-              </a:rPr>
-              <a:t>拜</a:t>
-            </a:r>
-            <a:r>
-              <a:rPr lang="zh-CN" altLang="en-US" sz="5400" b="1" dirty="0" smtClean="0">
-                <a:latin typeface="Microsoft JhengHei" panose="020B0604030504040204" pitchFamily="34" charset="-120"/>
-                <a:ea typeface="Microsoft JhengHei" panose="020B0604030504040204" pitchFamily="34" charset="-120"/>
-              </a:rPr>
-              <a:t>袮</a:t>
-            </a:r>
-            <a:r>
-              <a:rPr lang="zh-TW" altLang="en-US" sz="5400" b="1" dirty="0" smtClean="0">
-                <a:latin typeface="Microsoft JhengHei" panose="020B0604030504040204" pitchFamily="34" charset="-120"/>
-                <a:ea typeface="Microsoft JhengHei" panose="020B0604030504040204" pitchFamily="34" charset="-120"/>
-              </a:rPr>
-              <a:t>到</a:t>
-            </a:r>
-            <a:r>
-              <a:rPr lang="zh-TW" altLang="en-US" sz="5400" b="1" dirty="0">
-                <a:latin typeface="Microsoft JhengHei" panose="020B0604030504040204" pitchFamily="34" charset="-120"/>
-                <a:ea typeface="Microsoft JhengHei" panose="020B0604030504040204" pitchFamily="34" charset="-120"/>
-              </a:rPr>
-              <a:t>永遠</a:t>
-            </a:r>
-            <a:endParaRPr lang="vi-VN" sz="5400" b="1" dirty="0">
-              <a:latin typeface="Microsoft JhengHei" panose="020B0604030504040204" pitchFamily="34" charset="-120"/>
+              <a:t>)</a:t>
+            </a:r>
+            <a:endParaRPr lang="vi-VN" sz="4800" b="1" dirty="0">
+              <a:solidFill>
+                <a:srgbClr val="660033"/>
+              </a:solidFill>
+              <a:effectLst/>
               <a:ea typeface="Microsoft JhengHei" panose="020B0604030504040204" pitchFamily="34" charset="-120"/>
             </a:endParaRPr>
           </a:p>
@@ -3458,7 +4178,7 @@
     </p:spTree>
     <p:extLst>
       <p:ext uri="{BB962C8B-B14F-4D97-AF65-F5344CB8AC3E}">
-        <p14:creationId xmlns:p14="http://schemas.microsoft.com/office/powerpoint/2010/main" val="3480119578"/>
+        <p14:creationId xmlns:p14="http://schemas.microsoft.com/office/powerpoint/2010/main" val="1805136233"/>
       </p:ext>
     </p:extLst>
   </p:cSld>
@@ -3487,188 +4207,188 @@
       </p:grpSpPr>
       <p:sp>
         <p:nvSpPr>
-          <p:cNvPr id="2" name="Title 1"/>
-          <p:cNvSpPr>
-            <a:spLocks noGrp="1"/>
-          </p:cNvSpPr>
-          <p:nvPr>
-            <p:ph type="title"/>
-          </p:nvPr>
-        </p:nvSpPr>
-        <p:spPr/>
-        <p:txBody>
-          <a:bodyPr>
+          <p:cNvPr id="5" name="內容版面配置區 4"/>
+          <p:cNvSpPr>
+            <a:spLocks noGrp="1"/>
+          </p:cNvSpPr>
+          <p:nvPr>
+            <p:ph idx="1"/>
+          </p:nvPr>
+        </p:nvSpPr>
+        <p:spPr>
+          <a:xfrm>
+            <a:off x="0" y="2084851"/>
+            <a:ext cx="12192000" cy="2404863"/>
+          </a:xfrm>
+        </p:spPr>
+        <p:txBody>
+          <a:bodyPr anchor="ctr">
             <a:normAutofit/>
           </a:bodyPr>
           <a:lstStyle/>
           <a:p>
-            <a:r>
-              <a:rPr lang="zh-CN" altLang="en-US" sz="4800" b="1" dirty="0">
+            <a:pPr marL="0" indent="0" algn="ctr">
+              <a:buNone/>
+            </a:pPr>
+            <a:r>
+              <a:rPr lang="zh-TW" altLang="en-US" sz="6400" b="1" dirty="0">
+                <a:solidFill>
+                  <a:srgbClr val="660033"/>
+                </a:solidFill>
+                <a:latin typeface="微軟正黑體" pitchFamily="34" charset="-120"/>
+                <a:ea typeface="微軟正黑體" pitchFamily="34" charset="-120"/>
+              </a:rPr>
+              <a:t>能力  權柄  智</a:t>
+            </a:r>
+            <a:r>
+              <a:rPr lang="zh-TW" altLang="en-US" sz="6400" b="1" dirty="0">
+                <a:solidFill>
+                  <a:srgbClr val="660033"/>
+                </a:solidFill>
+                <a:latin typeface="微軟正黑體" pitchFamily="34" charset="-120"/>
+                <a:ea typeface="微軟正黑體" pitchFamily="34" charset="-120"/>
+              </a:rPr>
+              <a:t>慧</a:t>
+            </a:r>
+            <a:r>
+              <a:rPr lang="en-US" altLang="zh-TW" sz="6400" b="1" dirty="0">
+                <a:solidFill>
+                  <a:srgbClr val="660033"/>
+                </a:solidFill>
+                <a:latin typeface="微軟正黑體" pitchFamily="34" charset="-120"/>
+                <a:ea typeface="微軟正黑體" pitchFamily="34" charset="-120"/>
+              </a:rPr>
+              <a:t> </a:t>
+            </a:r>
+            <a:r>
+              <a:rPr lang="en-US" altLang="zh-TW" sz="6400" b="1" dirty="0">
+                <a:solidFill>
+                  <a:srgbClr val="660033"/>
+                </a:solidFill>
+                <a:latin typeface="微軟正黑體" pitchFamily="34" charset="-120"/>
+                <a:ea typeface="微軟正黑體" pitchFamily="34" charset="-120"/>
+              </a:rPr>
+              <a:t> </a:t>
+            </a:r>
+            <a:r>
+              <a:rPr lang="zh-TW" altLang="en-US" sz="6400" b="1" dirty="0">
+                <a:solidFill>
+                  <a:srgbClr val="660033"/>
+                </a:solidFill>
+                <a:latin typeface="微軟正黑體" pitchFamily="34" charset="-120"/>
+                <a:ea typeface="微軟正黑體" pitchFamily="34" charset="-120"/>
+              </a:rPr>
+              <a:t>公義</a:t>
+            </a:r>
+            <a:endParaRPr lang="en-US" altLang="zh-TW" sz="6400" b="1" dirty="0">
+              <a:solidFill>
+                <a:srgbClr val="660033"/>
+              </a:solidFill>
+              <a:latin typeface="微軟正黑體" pitchFamily="34" charset="-120"/>
+              <a:ea typeface="微軟正黑體" pitchFamily="34" charset="-120"/>
+            </a:endParaRPr>
+          </a:p>
+          <a:p>
+            <a:pPr marL="0" indent="0" algn="ctr">
+              <a:buNone/>
+            </a:pPr>
+            <a:r>
+              <a:rPr lang="zh-TW" altLang="en-US" sz="6400" b="1" dirty="0">
+                <a:solidFill>
+                  <a:srgbClr val="660033"/>
+                </a:solidFill>
+                <a:latin typeface="微軟正黑體" pitchFamily="34" charset="-120"/>
+                <a:ea typeface="微軟正黑體" pitchFamily="34" charset="-120"/>
+              </a:rPr>
+              <a:t>遠</a:t>
+            </a:r>
+            <a:r>
+              <a:rPr lang="zh-TW" altLang="en-US" sz="6400" b="1" dirty="0">
+                <a:solidFill>
+                  <a:srgbClr val="660033"/>
+                </a:solidFill>
+                <a:latin typeface="微軟正黑體" pitchFamily="34" charset="-120"/>
+                <a:ea typeface="微軟正黑體" pitchFamily="34" charset="-120"/>
+              </a:rPr>
+              <a:t>超過全世界</a:t>
+            </a:r>
+            <a:endParaRPr lang="en-US" altLang="zh-TW" sz="6400" b="1" dirty="0">
+              <a:solidFill>
+                <a:srgbClr val="660033"/>
+              </a:solidFill>
+              <a:latin typeface="微軟正黑體" pitchFamily="34" charset="-120"/>
+              <a:ea typeface="微軟正黑體" pitchFamily="34" charset="-120"/>
+            </a:endParaRPr>
+          </a:p>
+        </p:txBody>
+      </p:sp>
+      <p:sp>
+        <p:nvSpPr>
+          <p:cNvPr id="3" name="TextBox 2"/>
+          <p:cNvSpPr txBox="1"/>
+          <p:nvPr/>
+        </p:nvSpPr>
+        <p:spPr>
+          <a:xfrm>
+            <a:off x="0" y="5268592"/>
+            <a:ext cx="12192000" cy="830997"/>
+          </a:xfrm>
+          <a:prstGeom prst="rect">
+            <a:avLst/>
+          </a:prstGeom>
+          <a:noFill/>
+        </p:spPr>
+        <p:txBody>
+          <a:bodyPr wrap="square" rtlCol="0" anchor="ctr">
+            <a:spAutoFit/>
+          </a:bodyPr>
+          <a:lstStyle/>
+          <a:p>
+            <a:pPr algn="ctr"/>
+            <a:r>
+              <a:rPr lang="en-US" sz="4800" b="1" dirty="0">
+                <a:solidFill>
+                  <a:srgbClr val="660033"/>
+                </a:solidFill>
                 <a:latin typeface="Microsoft JhengHei" panose="020B0604030504040204" pitchFamily="34" charset="-120"/>
                 <a:ea typeface="Microsoft JhengHei" panose="020B0604030504040204" pitchFamily="34" charset="-120"/>
               </a:rPr>
-              <a:t>耶穌的名</a:t>
-            </a:r>
-            <a:endParaRPr lang="vi-VN" sz="4800" b="1" dirty="0">
-              <a:ea typeface="Microsoft JhengHei" panose="020B0604030504040204" pitchFamily="34" charset="-120"/>
-            </a:endParaRPr>
-          </a:p>
-        </p:txBody>
-      </p:sp>
-      <p:sp>
-        <p:nvSpPr>
-          <p:cNvPr id="3" name="Content Placeholder 2"/>
-          <p:cNvSpPr>
-            <a:spLocks noGrp="1"/>
-          </p:cNvSpPr>
-          <p:nvPr>
-            <p:ph idx="1"/>
-          </p:nvPr>
-        </p:nvSpPr>
-        <p:spPr/>
-        <p:txBody>
-          <a:bodyPr>
-            <a:normAutofit/>
-          </a:bodyPr>
-          <a:lstStyle/>
-          <a:p>
-            <a:pPr marL="0" indent="0" algn="ctr">
-              <a:buNone/>
-            </a:pPr>
-            <a:r>
-              <a:rPr lang="zh-TW" altLang="en-US" sz="5400" b="1" dirty="0">
+              <a:t>( </a:t>
+            </a:r>
+            <a:r>
+              <a:rPr lang="zh-CN" altLang="en-US" sz="4800" b="1" dirty="0">
+                <a:solidFill>
+                  <a:srgbClr val="660033"/>
+                </a:solidFill>
                 <a:latin typeface="Microsoft JhengHei" panose="020B0604030504040204" pitchFamily="34" charset="-120"/>
                 <a:ea typeface="Microsoft JhengHei" panose="020B0604030504040204" pitchFamily="34" charset="-120"/>
               </a:rPr>
-              <a:t>耶</a:t>
-            </a:r>
-            <a:r>
-              <a:rPr lang="zh-TW" altLang="en-US" sz="5400" b="1" dirty="0">
+              <a:t>正</a:t>
+            </a:r>
+            <a:r>
+              <a:rPr lang="en-US" altLang="zh-CN" sz="4800" b="1" dirty="0">
+                <a:solidFill>
+                  <a:srgbClr val="660033"/>
+                </a:solidFill>
                 <a:latin typeface="Microsoft JhengHei" panose="020B0604030504040204" pitchFamily="34" charset="-120"/>
                 <a:ea typeface="Microsoft JhengHei" panose="020B0604030504040204" pitchFamily="34" charset="-120"/>
               </a:rPr>
-              <a:t>穌  神</a:t>
-            </a:r>
-            <a:r>
-              <a:rPr lang="zh-TW" altLang="en-US" sz="5400" b="1" dirty="0">
+              <a:t> 1</a:t>
+            </a:r>
+            <a:r>
+              <a:rPr lang="en-US" sz="4800" b="1" dirty="0">
+                <a:solidFill>
+                  <a:srgbClr val="660033"/>
+                </a:solidFill>
                 <a:latin typeface="Microsoft JhengHei" panose="020B0604030504040204" pitchFamily="34" charset="-120"/>
                 <a:ea typeface="Microsoft JhengHei" panose="020B0604030504040204" pitchFamily="34" charset="-120"/>
               </a:rPr>
-              <a:t>的愛</a:t>
-            </a:r>
-            <a:r>
-              <a:rPr lang="zh-TW" altLang="en-US" sz="5400" b="1" dirty="0">
-                <a:latin typeface="Microsoft JhengHei" panose="020B0604030504040204" pitchFamily="34" charset="-120"/>
-                <a:ea typeface="Microsoft JhengHei" panose="020B0604030504040204" pitchFamily="34" charset="-120"/>
-              </a:rPr>
-              <a:t>子</a:t>
-            </a:r>
-            <a:endParaRPr lang="en-US" altLang="zh-TW" sz="5400" b="1" dirty="0">
-              <a:latin typeface="Microsoft JhengHei" panose="020B0604030504040204" pitchFamily="34" charset="-120"/>
-              <a:ea typeface="Microsoft JhengHei" panose="020B0604030504040204" pitchFamily="34" charset="-120"/>
-            </a:endParaRPr>
-          </a:p>
-          <a:p>
-            <a:pPr marL="0" indent="0" algn="ctr">
-              <a:buNone/>
-            </a:pPr>
-            <a:r>
-              <a:rPr lang="zh-TW" altLang="en-US" sz="5400" b="1" dirty="0">
-                <a:latin typeface="Microsoft JhengHei" panose="020B0604030504040204" pitchFamily="34" charset="-120"/>
-                <a:ea typeface="Microsoft JhengHei" panose="020B0604030504040204" pitchFamily="34" charset="-120"/>
-              </a:rPr>
-              <a:t>耶穌  榮</a:t>
-            </a:r>
-            <a:r>
-              <a:rPr lang="zh-TW" altLang="en-US" sz="5400" b="1" dirty="0">
-                <a:latin typeface="Microsoft JhengHei" panose="020B0604030504040204" pitchFamily="34" charset="-120"/>
-                <a:ea typeface="Microsoft JhengHei" panose="020B0604030504040204" pitchFamily="34" charset="-120"/>
-              </a:rPr>
-              <a:t>耀君</a:t>
-            </a:r>
-            <a:r>
-              <a:rPr lang="zh-TW" altLang="en-US" sz="5400" b="1" dirty="0">
-                <a:latin typeface="Microsoft JhengHei" panose="020B0604030504040204" pitchFamily="34" charset="-120"/>
-                <a:ea typeface="Microsoft JhengHei" panose="020B0604030504040204" pitchFamily="34" charset="-120"/>
-              </a:rPr>
-              <a:t>王</a:t>
-            </a:r>
-            <a:endParaRPr lang="en-US" altLang="zh-TW" sz="5400" b="1" dirty="0">
-              <a:latin typeface="Microsoft JhengHei" panose="020B0604030504040204" pitchFamily="34" charset="-120"/>
-              <a:ea typeface="Microsoft JhengHei" panose="020B0604030504040204" pitchFamily="34" charset="-120"/>
-            </a:endParaRPr>
-          </a:p>
-          <a:p>
-            <a:pPr marL="0" indent="0" algn="ctr">
-              <a:buNone/>
-            </a:pPr>
-            <a:r>
-              <a:rPr lang="zh-TW" altLang="en-US" sz="5400" b="1" dirty="0">
-                <a:latin typeface="Microsoft JhengHei" panose="020B0604030504040204" pitchFamily="34" charset="-120"/>
-                <a:ea typeface="Microsoft JhengHei" panose="020B0604030504040204" pitchFamily="34" charset="-120"/>
-              </a:rPr>
-              <a:t>萬</a:t>
-            </a:r>
-            <a:r>
-              <a:rPr lang="zh-TW" altLang="en-US" sz="5400" b="1" dirty="0">
-                <a:latin typeface="Microsoft JhengHei" panose="020B0604030504040204" pitchFamily="34" charset="-120"/>
-                <a:ea typeface="Microsoft JhengHei" panose="020B0604030504040204" pitchFamily="34" charset="-120"/>
-              </a:rPr>
-              <a:t>有俯伏</a:t>
-            </a:r>
-            <a:r>
-              <a:rPr lang="zh-TW" altLang="en-US" sz="5400" b="1" dirty="0" smtClean="0">
-                <a:latin typeface="Microsoft JhengHei" panose="020B0604030504040204" pitchFamily="34" charset="-120"/>
-                <a:ea typeface="Microsoft JhengHei" panose="020B0604030504040204" pitchFamily="34" charset="-120"/>
-              </a:rPr>
-              <a:t>在</a:t>
-            </a:r>
-            <a:r>
-              <a:rPr lang="zh-CN" altLang="en-US" sz="5400" b="1" dirty="0">
-                <a:latin typeface="Microsoft JhengHei" panose="020B0604030504040204" pitchFamily="34" charset="-120"/>
-                <a:ea typeface="Microsoft JhengHei" panose="020B0604030504040204" pitchFamily="34" charset="-120"/>
-              </a:rPr>
-              <a:t>袮</a:t>
-            </a:r>
-            <a:r>
-              <a:rPr lang="zh-TW" altLang="en-US" sz="5400" b="1" dirty="0" smtClean="0">
-                <a:latin typeface="Microsoft JhengHei" panose="020B0604030504040204" pitchFamily="34" charset="-120"/>
-                <a:ea typeface="Microsoft JhengHei" panose="020B0604030504040204" pitchFamily="34" charset="-120"/>
-              </a:rPr>
-              <a:t>腳</a:t>
-            </a:r>
-            <a:r>
-              <a:rPr lang="zh-TW" altLang="en-US" sz="5400" b="1" dirty="0">
-                <a:latin typeface="Microsoft JhengHei" panose="020B0604030504040204" pitchFamily="34" charset="-120"/>
-                <a:ea typeface="Microsoft JhengHei" panose="020B0604030504040204" pitchFamily="34" charset="-120"/>
-              </a:rPr>
-              <a:t>前</a:t>
-            </a:r>
-            <a:endParaRPr lang="en-US" altLang="zh-TW" sz="5400" b="1" dirty="0">
-              <a:latin typeface="Microsoft JhengHei" panose="020B0604030504040204" pitchFamily="34" charset="-120"/>
-              <a:ea typeface="Microsoft JhengHei" panose="020B0604030504040204" pitchFamily="34" charset="-120"/>
-            </a:endParaRPr>
-          </a:p>
-          <a:p>
-            <a:pPr marL="0" indent="0" algn="ctr">
-              <a:buNone/>
-            </a:pPr>
-            <a:r>
-              <a:rPr lang="zh-TW" altLang="en-US" sz="5400" b="1" dirty="0">
-                <a:latin typeface="Microsoft JhengHei" panose="020B0604030504040204" pitchFamily="34" charset="-120"/>
-                <a:ea typeface="Microsoft JhengHei" panose="020B0604030504040204" pitchFamily="34" charset="-120"/>
-              </a:rPr>
-              <a:t>世</a:t>
-            </a:r>
-            <a:r>
-              <a:rPr lang="zh-TW" altLang="en-US" sz="5400" b="1" dirty="0">
-                <a:latin typeface="Microsoft JhengHei" panose="020B0604030504040204" pitchFamily="34" charset="-120"/>
-                <a:ea typeface="Microsoft JhengHei" panose="020B0604030504040204" pitchFamily="34" charset="-120"/>
-              </a:rPr>
-              <a:t>間的救贖主</a:t>
-            </a:r>
-            <a:endParaRPr lang="vi-VN" sz="5400" b="1" dirty="0">
-              <a:latin typeface="Microsoft JhengHei" panose="020B0604030504040204" pitchFamily="34" charset="-120"/>
+              <a:t> )</a:t>
+            </a:r>
+            <a:endParaRPr lang="vi-VN" sz="4800" b="1" dirty="0">
+              <a:solidFill>
+                <a:srgbClr val="660033"/>
+              </a:solidFill>
               <a:ea typeface="Microsoft JhengHei" panose="020B0604030504040204" pitchFamily="34" charset="-120"/>
             </a:endParaRPr>
           </a:p>
@@ -3677,7 +4397,7 @@
     </p:spTree>
     <p:extLst>
       <p:ext uri="{BB962C8B-B14F-4D97-AF65-F5344CB8AC3E}">
-        <p14:creationId xmlns:p14="http://schemas.microsoft.com/office/powerpoint/2010/main" val="96515217"/>
+        <p14:creationId xmlns:p14="http://schemas.microsoft.com/office/powerpoint/2010/main" val="231008776"/>
       </p:ext>
     </p:extLst>
   </p:cSld>
@@ -3706,209 +4426,173 @@
       </p:grpSpPr>
       <p:sp>
         <p:nvSpPr>
-          <p:cNvPr id="2" name="Title 1"/>
-          <p:cNvSpPr>
-            <a:spLocks noGrp="1"/>
-          </p:cNvSpPr>
-          <p:nvPr>
-            <p:ph type="title"/>
-          </p:nvPr>
-        </p:nvSpPr>
-        <p:spPr/>
-        <p:txBody>
-          <a:bodyPr>
+          <p:cNvPr id="5" name="內容版面配置區 4"/>
+          <p:cNvSpPr>
+            <a:spLocks noGrp="1"/>
+          </p:cNvSpPr>
+          <p:nvPr>
+            <p:ph idx="1"/>
+          </p:nvPr>
+        </p:nvSpPr>
+        <p:spPr>
+          <a:xfrm>
+            <a:off x="0" y="2084851"/>
+            <a:ext cx="12192000" cy="2404863"/>
+          </a:xfrm>
+        </p:spPr>
+        <p:txBody>
+          <a:bodyPr anchor="ctr">
             <a:normAutofit/>
           </a:bodyPr>
           <a:lstStyle/>
           <a:p>
-            <a:r>
-              <a:rPr lang="zh-CN" altLang="en-US" sz="4800" b="1" dirty="0">
+            <a:pPr marL="0" indent="0" algn="ctr">
+              <a:buNone/>
+            </a:pPr>
+            <a:r>
+              <a:rPr lang="zh-TW" altLang="en-US" sz="6400" b="1" dirty="0">
+                <a:solidFill>
+                  <a:srgbClr val="660033"/>
+                </a:solidFill>
+                <a:latin typeface="微軟正黑體" pitchFamily="34" charset="-120"/>
+                <a:ea typeface="微軟正黑體" pitchFamily="34" charset="-120"/>
+              </a:rPr>
+              <a:t>耶穌的名  </a:t>
+            </a:r>
+            <a:r>
+              <a:rPr lang="zh-TW" altLang="en-US" sz="6400" b="1" dirty="0">
+                <a:solidFill>
+                  <a:srgbClr val="660033"/>
+                </a:solidFill>
+                <a:latin typeface="微軟正黑體" pitchFamily="34" charset="-120"/>
+                <a:ea typeface="微軟正黑體" pitchFamily="34" charset="-120"/>
+              </a:rPr>
+              <a:t> 超</a:t>
+            </a:r>
+            <a:r>
+              <a:rPr lang="zh-TW" altLang="en-US" sz="6400" b="1" dirty="0">
+                <a:solidFill>
+                  <a:srgbClr val="660033"/>
+                </a:solidFill>
+                <a:latin typeface="微軟正黑體" pitchFamily="34" charset="-120"/>
+                <a:ea typeface="微軟正黑體" pitchFamily="34" charset="-120"/>
+              </a:rPr>
+              <a:t>乎萬名</a:t>
+            </a:r>
+            <a:endParaRPr lang="en-US" altLang="zh-TW" sz="6400" b="1" dirty="0">
+              <a:solidFill>
+                <a:srgbClr val="660033"/>
+              </a:solidFill>
+              <a:latin typeface="微軟正黑體" pitchFamily="34" charset="-120"/>
+              <a:ea typeface="微軟正黑體" pitchFamily="34" charset="-120"/>
+            </a:endParaRPr>
+          </a:p>
+          <a:p>
+            <a:pPr marL="0" indent="0" algn="ctr">
+              <a:buNone/>
+            </a:pPr>
+            <a:r>
+              <a:rPr lang="zh-TW" altLang="en-US" sz="6400" b="1" dirty="0">
+                <a:solidFill>
+                  <a:srgbClr val="660033"/>
+                </a:solidFill>
+                <a:latin typeface="微軟正黑體" pitchFamily="34" charset="-120"/>
+                <a:ea typeface="微軟正黑體" pitchFamily="34" charset="-120"/>
+              </a:rPr>
+              <a:t>榮耀尊貴都歸於</a:t>
+            </a:r>
+            <a:r>
+              <a:rPr lang="zh-CN" altLang="en-US" sz="6400" b="1" dirty="0">
+                <a:solidFill>
+                  <a:srgbClr val="660033"/>
+                </a:solidFill>
+                <a:latin typeface="微軟正黑體" pitchFamily="34" charset="-120"/>
+                <a:ea typeface="微軟正黑體" pitchFamily="34" charset="-120"/>
+              </a:rPr>
+              <a:t>袮</a:t>
+            </a:r>
+            <a:endParaRPr lang="en-US" altLang="zh-TW" sz="6400" b="1" dirty="0">
+              <a:solidFill>
+                <a:srgbClr val="660033"/>
+              </a:solidFill>
+              <a:latin typeface="微軟正黑體" pitchFamily="34" charset="-120"/>
+              <a:ea typeface="微軟正黑體" pitchFamily="34" charset="-120"/>
+            </a:endParaRPr>
+          </a:p>
+        </p:txBody>
+      </p:sp>
+      <p:sp>
+        <p:nvSpPr>
+          <p:cNvPr id="3" name="TextBox 2"/>
+          <p:cNvSpPr txBox="1"/>
+          <p:nvPr/>
+        </p:nvSpPr>
+        <p:spPr>
+          <a:xfrm>
+            <a:off x="0" y="5268592"/>
+            <a:ext cx="12192000" cy="830997"/>
+          </a:xfrm>
+          <a:prstGeom prst="rect">
+            <a:avLst/>
+          </a:prstGeom>
+          <a:noFill/>
+        </p:spPr>
+        <p:txBody>
+          <a:bodyPr wrap="square" rtlCol="0" anchor="ctr">
+            <a:spAutoFit/>
+          </a:bodyPr>
+          <a:lstStyle/>
+          <a:p>
+            <a:pPr algn="ctr"/>
+            <a:r>
+              <a:rPr lang="en-US" sz="4800" b="1" dirty="0">
+                <a:solidFill>
+                  <a:srgbClr val="660033"/>
+                </a:solidFill>
+                <a:effectLst/>
                 <a:latin typeface="Microsoft JhengHei" panose="020B0604030504040204" pitchFamily="34" charset="-120"/>
                 <a:ea typeface="Microsoft JhengHei" panose="020B0604030504040204" pitchFamily="34" charset="-120"/>
               </a:rPr>
-              <a:t>耶穌的名</a:t>
-            </a:r>
-            <a:endParaRPr lang="vi-VN" sz="4800" b="1" dirty="0">
-              <a:ea typeface="Microsoft JhengHei" panose="020B0604030504040204" pitchFamily="34" charset="-120"/>
-            </a:endParaRPr>
-          </a:p>
-        </p:txBody>
-      </p:sp>
-      <p:sp>
-        <p:nvSpPr>
-          <p:cNvPr id="3" name="Content Placeholder 2"/>
-          <p:cNvSpPr>
-            <a:spLocks noGrp="1"/>
-          </p:cNvSpPr>
-          <p:nvPr>
-            <p:ph idx="1"/>
-          </p:nvPr>
-        </p:nvSpPr>
-        <p:spPr/>
-        <p:txBody>
-          <a:bodyPr>
-            <a:normAutofit/>
-          </a:bodyPr>
-          <a:lstStyle/>
-          <a:p>
-            <a:pPr marL="0" indent="0" algn="ctr">
-              <a:buNone/>
-            </a:pPr>
-            <a:r>
-              <a:rPr lang="zh-TW" altLang="en-US" sz="5400" b="1" dirty="0">
+              <a:t>( </a:t>
+            </a:r>
+            <a:r>
+              <a:rPr lang="zh-CN" altLang="en-US" sz="4800" b="1" dirty="0">
+                <a:solidFill>
+                  <a:srgbClr val="660033"/>
+                </a:solidFill>
+                <a:effectLst/>
                 <a:latin typeface="Microsoft JhengHei" panose="020B0604030504040204" pitchFamily="34" charset="-120"/>
                 <a:ea typeface="Microsoft JhengHei" panose="020B0604030504040204" pitchFamily="34" charset="-120"/>
               </a:rPr>
-              <a:t>耶穌的</a:t>
-            </a:r>
-            <a:r>
-              <a:rPr lang="zh-TW" altLang="en-US" sz="5400" b="1" dirty="0">
+              <a:t>副</a:t>
+            </a:r>
+            <a:r>
+              <a:rPr lang="en-US" sz="4800" b="1" dirty="0">
+                <a:solidFill>
+                  <a:srgbClr val="660033"/>
+                </a:solidFill>
+                <a:effectLst/>
                 <a:latin typeface="Microsoft JhengHei" panose="020B0604030504040204" pitchFamily="34" charset="-120"/>
                 <a:ea typeface="Microsoft JhengHei" panose="020B0604030504040204" pitchFamily="34" charset="-120"/>
               </a:rPr>
-              <a:t>名  超</a:t>
-            </a:r>
-            <a:r>
-              <a:rPr lang="zh-TW" altLang="en-US" sz="5400" b="1" dirty="0">
+              <a:t> </a:t>
+            </a:r>
+            <a:r>
+              <a:rPr lang="en-US" sz="4800" b="1" dirty="0">
+                <a:solidFill>
+                  <a:srgbClr val="660033"/>
+                </a:solidFill>
+                <a:effectLst/>
                 <a:latin typeface="Microsoft JhengHei" panose="020B0604030504040204" pitchFamily="34" charset="-120"/>
                 <a:ea typeface="Microsoft JhengHei" panose="020B0604030504040204" pitchFamily="34" charset="-120"/>
               </a:rPr>
-              <a:t>乎萬</a:t>
-            </a:r>
-            <a:r>
-              <a:rPr lang="zh-TW" altLang="en-US" sz="5400" b="1" dirty="0">
-                <a:latin typeface="Microsoft JhengHei" panose="020B0604030504040204" pitchFamily="34" charset="-120"/>
-                <a:ea typeface="Microsoft JhengHei" panose="020B0604030504040204" pitchFamily="34" charset="-120"/>
-              </a:rPr>
-              <a:t>名</a:t>
-            </a:r>
-            <a:endParaRPr lang="en-US" altLang="zh-TW" sz="5400" b="1" dirty="0">
-              <a:latin typeface="Microsoft JhengHei" panose="020B0604030504040204" pitchFamily="34" charset="-120"/>
-              <a:ea typeface="Microsoft JhengHei" panose="020B0604030504040204" pitchFamily="34" charset="-120"/>
-            </a:endParaRPr>
-          </a:p>
-          <a:p>
-            <a:pPr marL="0" indent="0" algn="ctr">
-              <a:buNone/>
-            </a:pPr>
-            <a:r>
-              <a:rPr lang="zh-TW" altLang="en-US" sz="5400" b="1" dirty="0">
-                <a:latin typeface="Microsoft JhengHei" panose="020B0604030504040204" pitchFamily="34" charset="-120"/>
-                <a:ea typeface="Microsoft JhengHei" panose="020B0604030504040204" pitchFamily="34" charset="-120"/>
-              </a:rPr>
-              <a:t>榮</a:t>
-            </a:r>
-            <a:r>
-              <a:rPr lang="zh-TW" altLang="en-US" sz="5400" b="1" dirty="0">
-                <a:latin typeface="Microsoft JhengHei" panose="020B0604030504040204" pitchFamily="34" charset="-120"/>
-                <a:ea typeface="Microsoft JhengHei" panose="020B0604030504040204" pitchFamily="34" charset="-120"/>
-              </a:rPr>
-              <a:t>耀尊貴都歸於</a:t>
-            </a:r>
-            <a:r>
-              <a:rPr lang="zh-TW" altLang="en-US" sz="5400" b="1" dirty="0">
-                <a:latin typeface="Microsoft JhengHei" panose="020B0604030504040204" pitchFamily="34" charset="-120"/>
-                <a:ea typeface="Microsoft JhengHei" panose="020B0604030504040204" pitchFamily="34" charset="-120"/>
-              </a:rPr>
-              <a:t>你</a:t>
-            </a:r>
-            <a:endParaRPr lang="en-US" altLang="zh-TW" sz="5400" b="1" dirty="0">
-              <a:latin typeface="Microsoft JhengHei" panose="020B0604030504040204" pitchFamily="34" charset="-120"/>
-              <a:ea typeface="Microsoft JhengHei" panose="020B0604030504040204" pitchFamily="34" charset="-120"/>
-            </a:endParaRPr>
-          </a:p>
-          <a:p>
-            <a:pPr marL="0" indent="0" algn="ctr">
-              <a:buNone/>
-            </a:pPr>
-            <a:r>
-              <a:rPr lang="zh-TW" altLang="en-US" sz="5400" b="1" dirty="0">
-                <a:latin typeface="Microsoft JhengHei" panose="020B0604030504040204" pitchFamily="34" charset="-120"/>
-                <a:ea typeface="Microsoft JhengHei" panose="020B0604030504040204" pitchFamily="34" charset="-120"/>
-              </a:rPr>
-              <a:t>萬</a:t>
-            </a:r>
-            <a:r>
-              <a:rPr lang="zh-TW" altLang="en-US" sz="5400" b="1" dirty="0">
-                <a:latin typeface="Microsoft JhengHei" panose="020B0604030504040204" pitchFamily="34" charset="-120"/>
-                <a:ea typeface="Microsoft JhengHei" panose="020B0604030504040204" pitchFamily="34" charset="-120"/>
-              </a:rPr>
-              <a:t>膝要跪</a:t>
-            </a:r>
-            <a:r>
-              <a:rPr lang="zh-TW" altLang="en-US" sz="5400" b="1" dirty="0">
-                <a:latin typeface="Microsoft JhengHei" panose="020B0604030504040204" pitchFamily="34" charset="-120"/>
-                <a:ea typeface="Microsoft JhengHei" panose="020B0604030504040204" pitchFamily="34" charset="-120"/>
-              </a:rPr>
-              <a:t>拜  萬</a:t>
-            </a:r>
-            <a:r>
-              <a:rPr lang="zh-TW" altLang="en-US" sz="5400" b="1" dirty="0">
-                <a:latin typeface="Microsoft JhengHei" panose="020B0604030504040204" pitchFamily="34" charset="-120"/>
-                <a:ea typeface="Microsoft JhengHei" panose="020B0604030504040204" pitchFamily="34" charset="-120"/>
-              </a:rPr>
-              <a:t>口要承</a:t>
-            </a:r>
-            <a:r>
-              <a:rPr lang="zh-TW" altLang="en-US" sz="5400" b="1" dirty="0">
-                <a:latin typeface="Microsoft JhengHei" panose="020B0604030504040204" pitchFamily="34" charset="-120"/>
-                <a:ea typeface="Microsoft JhengHei" panose="020B0604030504040204" pitchFamily="34" charset="-120"/>
-              </a:rPr>
-              <a:t>認</a:t>
-            </a:r>
-            <a:endParaRPr lang="en-US" altLang="zh-TW" sz="5400" b="1" dirty="0">
-              <a:latin typeface="Microsoft JhengHei" panose="020B0604030504040204" pitchFamily="34" charset="-120"/>
-              <a:ea typeface="Microsoft JhengHei" panose="020B0604030504040204" pitchFamily="34" charset="-120"/>
-            </a:endParaRPr>
-          </a:p>
-          <a:p>
-            <a:pPr marL="0" indent="0" algn="ctr">
-              <a:buNone/>
-            </a:pPr>
-            <a:r>
-              <a:rPr lang="zh-TW" altLang="en-US" sz="5400" b="1" dirty="0">
-                <a:latin typeface="Microsoft JhengHei" panose="020B0604030504040204" pitchFamily="34" charset="-120"/>
-                <a:ea typeface="Microsoft JhengHei" panose="020B0604030504040204" pitchFamily="34" charset="-120"/>
-              </a:rPr>
-              <a:t>耶</a:t>
-            </a:r>
-            <a:r>
-              <a:rPr lang="zh-TW" altLang="en-US" sz="5400" b="1" dirty="0">
-                <a:latin typeface="Microsoft JhengHei" panose="020B0604030504040204" pitchFamily="34" charset="-120"/>
-                <a:ea typeface="Microsoft JhengHei" panose="020B0604030504040204" pitchFamily="34" charset="-120"/>
-              </a:rPr>
-              <a:t>穌我敬</a:t>
-            </a:r>
-            <a:r>
-              <a:rPr lang="zh-TW" altLang="en-US" sz="5400" b="1" dirty="0" smtClean="0">
-                <a:latin typeface="Microsoft JhengHei" panose="020B0604030504040204" pitchFamily="34" charset="-120"/>
-                <a:ea typeface="Microsoft JhengHei" panose="020B0604030504040204" pitchFamily="34" charset="-120"/>
-              </a:rPr>
-              <a:t>拜</a:t>
-            </a:r>
-            <a:r>
-              <a:rPr lang="zh-CN" altLang="en-US" sz="5400" b="1" dirty="0" smtClean="0">
-                <a:latin typeface="Microsoft JhengHei" panose="020B0604030504040204" pitchFamily="34" charset="-120"/>
-                <a:ea typeface="Microsoft JhengHei" panose="020B0604030504040204" pitchFamily="34" charset="-120"/>
-              </a:rPr>
-              <a:t>袮</a:t>
-            </a:r>
-            <a:r>
-              <a:rPr lang="zh-TW" altLang="en-US" sz="5400" b="1" dirty="0" smtClean="0">
-                <a:latin typeface="Microsoft JhengHei" panose="020B0604030504040204" pitchFamily="34" charset="-120"/>
-                <a:ea typeface="Microsoft JhengHei" panose="020B0604030504040204" pitchFamily="34" charset="-120"/>
-              </a:rPr>
-              <a:t>到</a:t>
-            </a:r>
-            <a:r>
-              <a:rPr lang="zh-TW" altLang="en-US" sz="5400" b="1" dirty="0">
-                <a:latin typeface="Microsoft JhengHei" panose="020B0604030504040204" pitchFamily="34" charset="-120"/>
-                <a:ea typeface="Microsoft JhengHei" panose="020B0604030504040204" pitchFamily="34" charset="-120"/>
-              </a:rPr>
-              <a:t>永遠</a:t>
-            </a:r>
-            <a:endParaRPr lang="vi-VN" sz="5400" b="1" dirty="0">
-              <a:latin typeface="Microsoft JhengHei" panose="020B0604030504040204" pitchFamily="34" charset="-120"/>
+              <a:t>)</a:t>
+            </a:r>
+            <a:endParaRPr lang="vi-VN" sz="4800" b="1" dirty="0">
+              <a:solidFill>
+                <a:srgbClr val="660033"/>
+              </a:solidFill>
+              <a:effectLst/>
               <a:ea typeface="Microsoft JhengHei" panose="020B0604030504040204" pitchFamily="34" charset="-120"/>
             </a:endParaRPr>
           </a:p>
@@ -3917,7 +4601,7 @@
     </p:spTree>
     <p:extLst>
       <p:ext uri="{BB962C8B-B14F-4D97-AF65-F5344CB8AC3E}">
-        <p14:creationId xmlns:p14="http://schemas.microsoft.com/office/powerpoint/2010/main" val="1514443208"/>
+        <p14:creationId xmlns:p14="http://schemas.microsoft.com/office/powerpoint/2010/main" val="2319372408"/>
       </p:ext>
     </p:extLst>
   </p:cSld>
@@ -3946,286 +4630,168 @@
       </p:grpSpPr>
       <p:sp>
         <p:nvSpPr>
-          <p:cNvPr id="2" name="Title 1"/>
-          <p:cNvSpPr>
-            <a:spLocks noGrp="1"/>
-          </p:cNvSpPr>
-          <p:nvPr>
-            <p:ph type="title"/>
-          </p:nvPr>
-        </p:nvSpPr>
-        <p:spPr/>
-        <p:txBody>
-          <a:bodyPr>
+          <p:cNvPr id="5" name="內容版面配置區 4"/>
+          <p:cNvSpPr>
+            <a:spLocks noGrp="1"/>
+          </p:cNvSpPr>
+          <p:nvPr>
+            <p:ph idx="1"/>
+          </p:nvPr>
+        </p:nvSpPr>
+        <p:spPr>
+          <a:xfrm>
+            <a:off x="0" y="2084851"/>
+            <a:ext cx="12192000" cy="2404863"/>
+          </a:xfrm>
+        </p:spPr>
+        <p:txBody>
+          <a:bodyPr anchor="ctr">
             <a:normAutofit/>
           </a:bodyPr>
           <a:lstStyle/>
           <a:p>
-            <a:r>
-              <a:rPr lang="zh-CN" altLang="en-US" sz="4800" b="1" dirty="0">
+            <a:pPr marL="0" indent="0" algn="ctr">
+              <a:buNone/>
+            </a:pPr>
+            <a:r>
+              <a:rPr lang="zh-TW" altLang="en-US" sz="6400" b="1" dirty="0">
+                <a:solidFill>
+                  <a:srgbClr val="660033"/>
+                </a:solidFill>
+                <a:latin typeface="微軟正黑體" pitchFamily="34" charset="-120"/>
+                <a:ea typeface="微軟正黑體" pitchFamily="34" charset="-120"/>
+              </a:rPr>
+              <a:t>萬膝要跪拜  </a:t>
+            </a:r>
+            <a:r>
+              <a:rPr lang="zh-TW" altLang="en-US" sz="6400" b="1" dirty="0">
+                <a:solidFill>
+                  <a:srgbClr val="660033"/>
+                </a:solidFill>
+                <a:latin typeface="微軟正黑體" pitchFamily="34" charset="-120"/>
+                <a:ea typeface="微軟正黑體" pitchFamily="34" charset="-120"/>
+              </a:rPr>
+              <a:t> 萬</a:t>
+            </a:r>
+            <a:r>
+              <a:rPr lang="zh-TW" altLang="en-US" sz="6400" b="1" dirty="0">
+                <a:solidFill>
+                  <a:srgbClr val="660033"/>
+                </a:solidFill>
+                <a:latin typeface="微軟正黑體" pitchFamily="34" charset="-120"/>
+                <a:ea typeface="微軟正黑體" pitchFamily="34" charset="-120"/>
+              </a:rPr>
+              <a:t>口要承認</a:t>
+            </a:r>
+            <a:endParaRPr lang="en-US" altLang="zh-TW" sz="6400" b="1" dirty="0">
+              <a:solidFill>
+                <a:srgbClr val="660033"/>
+              </a:solidFill>
+              <a:latin typeface="微軟正黑體" pitchFamily="34" charset="-120"/>
+              <a:ea typeface="微軟正黑體" pitchFamily="34" charset="-120"/>
+            </a:endParaRPr>
+          </a:p>
+          <a:p>
+            <a:pPr marL="0" indent="0" algn="ctr">
+              <a:buNone/>
+            </a:pPr>
+            <a:r>
+              <a:rPr lang="zh-TW" altLang="en-US" sz="6400" b="1" dirty="0">
+                <a:solidFill>
+                  <a:srgbClr val="660033"/>
+                </a:solidFill>
+                <a:latin typeface="微軟正黑體" pitchFamily="34" charset="-120"/>
+                <a:ea typeface="微軟正黑體" pitchFamily="34" charset="-120"/>
+              </a:rPr>
+              <a:t>耶穌我敬拜</a:t>
+            </a:r>
+            <a:r>
+              <a:rPr lang="zh-CN" altLang="en-US" sz="6400" b="1" dirty="0">
+                <a:solidFill>
+                  <a:srgbClr val="660033"/>
+                </a:solidFill>
+                <a:latin typeface="微軟正黑體" pitchFamily="34" charset="-120"/>
+                <a:ea typeface="微軟正黑體" pitchFamily="34" charset="-120"/>
+              </a:rPr>
+              <a:t>袮</a:t>
+            </a:r>
+            <a:r>
+              <a:rPr lang="zh-TW" altLang="en-US" sz="6400" b="1" dirty="0">
+                <a:solidFill>
+                  <a:srgbClr val="660033"/>
+                </a:solidFill>
+                <a:latin typeface="微軟正黑體" pitchFamily="34" charset="-120"/>
+                <a:ea typeface="微軟正黑體" pitchFamily="34" charset="-120"/>
+              </a:rPr>
+              <a:t>到永遠</a:t>
+            </a:r>
+            <a:endParaRPr lang="en-US" altLang="zh-TW" sz="6400" b="1" dirty="0">
+              <a:solidFill>
+                <a:srgbClr val="660033"/>
+              </a:solidFill>
+              <a:latin typeface="微軟正黑體" pitchFamily="34" charset="-120"/>
+              <a:ea typeface="微軟正黑體" pitchFamily="34" charset="-120"/>
+            </a:endParaRPr>
+          </a:p>
+        </p:txBody>
+      </p:sp>
+      <p:sp>
+        <p:nvSpPr>
+          <p:cNvPr id="3" name="TextBox 2"/>
+          <p:cNvSpPr txBox="1"/>
+          <p:nvPr/>
+        </p:nvSpPr>
+        <p:spPr>
+          <a:xfrm>
+            <a:off x="0" y="5268592"/>
+            <a:ext cx="12192000" cy="830997"/>
+          </a:xfrm>
+          <a:prstGeom prst="rect">
+            <a:avLst/>
+          </a:prstGeom>
+          <a:noFill/>
+        </p:spPr>
+        <p:txBody>
+          <a:bodyPr wrap="square" rtlCol="0" anchor="ctr">
+            <a:spAutoFit/>
+          </a:bodyPr>
+          <a:lstStyle/>
+          <a:p>
+            <a:pPr algn="ctr"/>
+            <a:r>
+              <a:rPr lang="en-US" sz="4800" b="1" dirty="0">
+                <a:solidFill>
+                  <a:srgbClr val="660033"/>
+                </a:solidFill>
                 <a:latin typeface="Microsoft JhengHei" panose="020B0604030504040204" pitchFamily="34" charset="-120"/>
                 <a:ea typeface="Microsoft JhengHei" panose="020B0604030504040204" pitchFamily="34" charset="-120"/>
               </a:rPr>
-              <a:t>耶穌的名</a:t>
-            </a:r>
-            <a:endParaRPr lang="vi-VN" sz="4800" b="1" dirty="0">
-              <a:ea typeface="Microsoft JhengHei" panose="020B0604030504040204" pitchFamily="34" charset="-120"/>
-            </a:endParaRPr>
-          </a:p>
-        </p:txBody>
-      </p:sp>
-      <p:sp>
-        <p:nvSpPr>
-          <p:cNvPr id="3" name="Content Placeholder 2"/>
-          <p:cNvSpPr>
-            <a:spLocks noGrp="1"/>
-          </p:cNvSpPr>
-          <p:nvPr>
-            <p:ph idx="1"/>
-          </p:nvPr>
-        </p:nvSpPr>
-        <p:spPr/>
-        <p:txBody>
-          <a:bodyPr>
-            <a:normAutofit/>
-          </a:bodyPr>
-          <a:lstStyle/>
-          <a:p>
-            <a:pPr marL="0" indent="0" algn="ctr">
-              <a:buNone/>
-            </a:pPr>
-            <a:r>
-              <a:rPr lang="zh-TW" altLang="en-US" sz="5400" b="1" dirty="0">
+              <a:t>( </a:t>
+            </a:r>
+            <a:r>
+              <a:rPr lang="zh-CN" altLang="en-US" sz="4800" b="1" dirty="0">
+                <a:solidFill>
+                  <a:srgbClr val="660033"/>
+                </a:solidFill>
                 <a:latin typeface="Microsoft JhengHei" panose="020B0604030504040204" pitchFamily="34" charset="-120"/>
                 <a:ea typeface="Microsoft JhengHei" panose="020B0604030504040204" pitchFamily="34" charset="-120"/>
               </a:rPr>
-              <a:t>疾病不</a:t>
-            </a:r>
-            <a:r>
-              <a:rPr lang="zh-TW" altLang="en-US" sz="5400" b="1" dirty="0">
+              <a:t>副</a:t>
+            </a:r>
+            <a:r>
+              <a:rPr lang="en-US" sz="4800" b="1" dirty="0">
+                <a:solidFill>
+                  <a:srgbClr val="660033"/>
+                </a:solidFill>
                 <a:latin typeface="Microsoft JhengHei" panose="020B0604030504040204" pitchFamily="34" charset="-120"/>
                 <a:ea typeface="Microsoft JhengHei" panose="020B0604030504040204" pitchFamily="34" charset="-120"/>
               </a:rPr>
-              <a:t>能  死</a:t>
-            </a:r>
-            <a:r>
-              <a:rPr lang="zh-TW" altLang="en-US" sz="5400" b="1" dirty="0">
-                <a:latin typeface="Microsoft JhengHei" panose="020B0604030504040204" pitchFamily="34" charset="-120"/>
-                <a:ea typeface="Microsoft JhengHei" panose="020B0604030504040204" pitchFamily="34" charset="-120"/>
-              </a:rPr>
-              <a:t>亡不</a:t>
-            </a:r>
-            <a:r>
-              <a:rPr lang="zh-TW" altLang="en-US" sz="5400" b="1" dirty="0">
-                <a:latin typeface="Microsoft JhengHei" panose="020B0604030504040204" pitchFamily="34" charset="-120"/>
-                <a:ea typeface="Microsoft JhengHei" panose="020B0604030504040204" pitchFamily="34" charset="-120"/>
-              </a:rPr>
-              <a:t>能</a:t>
-            </a:r>
-            <a:r>
-              <a:rPr lang="en-US" altLang="zh-TW" sz="5400" b="1" dirty="0">
-                <a:latin typeface="Microsoft JhengHei" panose="020B0604030504040204" pitchFamily="34" charset="-120"/>
-                <a:ea typeface="Microsoft JhengHei" panose="020B0604030504040204" pitchFamily="34" charset="-120"/>
-              </a:rPr>
-              <a:t> </a:t>
-            </a:r>
-            <a:r>
-              <a:rPr lang="en-US" altLang="zh-TW" sz="5400" b="1" dirty="0">
-                <a:latin typeface="Microsoft JhengHei" panose="020B0604030504040204" pitchFamily="34" charset="-120"/>
-                <a:ea typeface="Microsoft JhengHei" panose="020B0604030504040204" pitchFamily="34" charset="-120"/>
-              </a:rPr>
-              <a:t> </a:t>
-            </a:r>
-            <a:r>
-              <a:rPr lang="zh-TW" altLang="en-US" sz="5400" b="1" dirty="0">
-                <a:latin typeface="Microsoft JhengHei" panose="020B0604030504040204" pitchFamily="34" charset="-120"/>
-                <a:ea typeface="Microsoft JhengHei" panose="020B0604030504040204" pitchFamily="34" charset="-120"/>
-              </a:rPr>
-              <a:t>勝</a:t>
-            </a:r>
-            <a:r>
-              <a:rPr lang="zh-TW" altLang="en-US" sz="5400" b="1" dirty="0">
-                <a:latin typeface="Microsoft JhengHei" panose="020B0604030504040204" pitchFamily="34" charset="-120"/>
-                <a:ea typeface="Microsoft JhengHei" panose="020B0604030504040204" pitchFamily="34" charset="-120"/>
-              </a:rPr>
-              <a:t>過耶穌的</a:t>
-            </a:r>
-            <a:r>
-              <a:rPr lang="zh-TW" altLang="en-US" sz="5400" b="1" dirty="0">
-                <a:latin typeface="Microsoft JhengHei" panose="020B0604030504040204" pitchFamily="34" charset="-120"/>
-                <a:ea typeface="Microsoft JhengHei" panose="020B0604030504040204" pitchFamily="34" charset="-120"/>
-              </a:rPr>
-              <a:t>名</a:t>
-            </a:r>
-            <a:endParaRPr lang="en-US" altLang="zh-TW" sz="5400" b="1" dirty="0">
-              <a:latin typeface="Microsoft JhengHei" panose="020B0604030504040204" pitchFamily="34" charset="-120"/>
-              <a:ea typeface="Microsoft JhengHei" panose="020B0604030504040204" pitchFamily="34" charset="-120"/>
-            </a:endParaRPr>
-          </a:p>
-          <a:p>
-            <a:pPr marL="0" indent="0" algn="ctr">
-              <a:buNone/>
-            </a:pPr>
-            <a:r>
-              <a:rPr lang="zh-TW" altLang="en-US" sz="5400" b="1" dirty="0">
-                <a:latin typeface="Microsoft JhengHei" panose="020B0604030504040204" pitchFamily="34" charset="-120"/>
-                <a:ea typeface="Microsoft JhengHei" panose="020B0604030504040204" pitchFamily="34" charset="-120"/>
-              </a:rPr>
-              <a:t>世</a:t>
-            </a:r>
-            <a:r>
-              <a:rPr lang="zh-TW" altLang="en-US" sz="5400" b="1" dirty="0">
-                <a:latin typeface="Microsoft JhengHei" panose="020B0604030504040204" pitchFamily="34" charset="-120"/>
-                <a:ea typeface="Microsoft JhengHei" panose="020B0604030504040204" pitchFamily="34" charset="-120"/>
-              </a:rPr>
-              <a:t>上沒有任何困</a:t>
-            </a:r>
-            <a:r>
-              <a:rPr lang="zh-TW" altLang="en-US" sz="5400" b="1" dirty="0">
-                <a:latin typeface="Microsoft JhengHei" panose="020B0604030504040204" pitchFamily="34" charset="-120"/>
-                <a:ea typeface="Microsoft JhengHei" panose="020B0604030504040204" pitchFamily="34" charset="-120"/>
-              </a:rPr>
-              <a:t>難</a:t>
-            </a:r>
-            <a:r>
-              <a:rPr lang="en-US" altLang="zh-TW" sz="5400" b="1" dirty="0">
-                <a:latin typeface="Microsoft JhengHei" panose="020B0604030504040204" pitchFamily="34" charset="-120"/>
-                <a:ea typeface="Microsoft JhengHei" panose="020B0604030504040204" pitchFamily="34" charset="-120"/>
-              </a:rPr>
-              <a:t> </a:t>
-            </a:r>
-            <a:r>
-              <a:rPr lang="en-US" altLang="zh-TW" sz="5400" b="1" dirty="0">
-                <a:latin typeface="Microsoft JhengHei" panose="020B0604030504040204" pitchFamily="34" charset="-120"/>
-                <a:ea typeface="Microsoft JhengHei" panose="020B0604030504040204" pitchFamily="34" charset="-120"/>
-              </a:rPr>
-              <a:t> </a:t>
-            </a:r>
-            <a:r>
-              <a:rPr lang="zh-TW" altLang="en-US" sz="5400" b="1" dirty="0">
-                <a:latin typeface="Microsoft JhengHei" panose="020B0604030504040204" pitchFamily="34" charset="-120"/>
-                <a:ea typeface="Microsoft JhengHei" panose="020B0604030504040204" pitchFamily="34" charset="-120"/>
-              </a:rPr>
-              <a:t>勝</a:t>
-            </a:r>
-            <a:r>
-              <a:rPr lang="zh-TW" altLang="en-US" sz="5400" b="1" dirty="0">
-                <a:latin typeface="Microsoft JhengHei" panose="020B0604030504040204" pitchFamily="34" charset="-120"/>
-                <a:ea typeface="Microsoft JhengHei" panose="020B0604030504040204" pitchFamily="34" charset="-120"/>
-              </a:rPr>
-              <a:t>過耶穌的</a:t>
-            </a:r>
-            <a:r>
-              <a:rPr lang="zh-TW" altLang="en-US" sz="5400" b="1" dirty="0">
-                <a:latin typeface="Microsoft JhengHei" panose="020B0604030504040204" pitchFamily="34" charset="-120"/>
-                <a:ea typeface="Microsoft JhengHei" panose="020B0604030504040204" pitchFamily="34" charset="-120"/>
-              </a:rPr>
-              <a:t>名</a:t>
-            </a:r>
-            <a:endParaRPr lang="en-US" altLang="zh-TW" sz="5400" b="1" dirty="0">
-              <a:latin typeface="Microsoft JhengHei" panose="020B0604030504040204" pitchFamily="34" charset="-120"/>
-              <a:ea typeface="Microsoft JhengHei" panose="020B0604030504040204" pitchFamily="34" charset="-120"/>
-            </a:endParaRPr>
-          </a:p>
-          <a:p>
-            <a:pPr marL="0" indent="0" algn="ctr">
-              <a:buNone/>
-            </a:pPr>
-            <a:r>
-              <a:rPr lang="zh-TW" altLang="en-US" sz="5400" b="1" dirty="0">
-                <a:latin typeface="Microsoft JhengHei" panose="020B0604030504040204" pitchFamily="34" charset="-120"/>
-                <a:ea typeface="Microsoft JhengHei" panose="020B0604030504040204" pitchFamily="34" charset="-120"/>
-              </a:rPr>
-              <a:t>醫治能</a:t>
-            </a:r>
-            <a:r>
-              <a:rPr lang="zh-TW" altLang="en-US" sz="5400" b="1" dirty="0">
-                <a:latin typeface="Microsoft JhengHei" panose="020B0604030504040204" pitchFamily="34" charset="-120"/>
-                <a:ea typeface="Microsoft JhengHei" panose="020B0604030504040204" pitchFamily="34" charset="-120"/>
-              </a:rPr>
-              <a:t>力  救</a:t>
-            </a:r>
-            <a:r>
-              <a:rPr lang="zh-TW" altLang="en-US" sz="5400" b="1" dirty="0">
-                <a:latin typeface="Microsoft JhengHei" panose="020B0604030504040204" pitchFamily="34" charset="-120"/>
-                <a:ea typeface="Microsoft JhengHei" panose="020B0604030504040204" pitchFamily="34" charset="-120"/>
-              </a:rPr>
-              <a:t>贖恩</a:t>
-            </a:r>
-            <a:r>
-              <a:rPr lang="zh-TW" altLang="en-US" sz="5400" b="1" dirty="0">
-                <a:latin typeface="Microsoft JhengHei" panose="020B0604030504040204" pitchFamily="34" charset="-120"/>
-                <a:ea typeface="Microsoft JhengHei" panose="020B0604030504040204" pitchFamily="34" charset="-120"/>
-              </a:rPr>
-              <a:t>典  都</a:t>
-            </a:r>
-            <a:r>
-              <a:rPr lang="zh-TW" altLang="en-US" sz="5400" b="1" dirty="0">
-                <a:latin typeface="Microsoft JhengHei" panose="020B0604030504040204" pitchFamily="34" charset="-120"/>
-                <a:ea typeface="Microsoft JhengHei" panose="020B0604030504040204" pitchFamily="34" charset="-120"/>
-              </a:rPr>
-              <a:t>因耶穌的</a:t>
-            </a:r>
-            <a:r>
-              <a:rPr lang="zh-TW" altLang="en-US" sz="5400" b="1" dirty="0">
-                <a:latin typeface="Microsoft JhengHei" panose="020B0604030504040204" pitchFamily="34" charset="-120"/>
-                <a:ea typeface="Microsoft JhengHei" panose="020B0604030504040204" pitchFamily="34" charset="-120"/>
-              </a:rPr>
-              <a:t>名</a:t>
-            </a:r>
-            <a:endParaRPr lang="en-US" altLang="zh-TW" sz="5400" b="1" dirty="0">
-              <a:latin typeface="Microsoft JhengHei" panose="020B0604030504040204" pitchFamily="34" charset="-120"/>
-              <a:ea typeface="Microsoft JhengHei" panose="020B0604030504040204" pitchFamily="34" charset="-120"/>
-            </a:endParaRPr>
-          </a:p>
-          <a:p>
-            <a:pPr marL="0" indent="0" algn="ctr">
-              <a:buNone/>
-            </a:pPr>
-            <a:r>
-              <a:rPr lang="zh-TW" altLang="en-US" sz="5400" b="1" dirty="0">
-                <a:latin typeface="Microsoft JhengHei" panose="020B0604030504040204" pitchFamily="34" charset="-120"/>
-                <a:ea typeface="Microsoft JhengHei" panose="020B0604030504040204" pitchFamily="34" charset="-120"/>
-              </a:rPr>
-              <a:t>營</a:t>
-            </a:r>
-            <a:r>
-              <a:rPr lang="zh-TW" altLang="en-US" sz="5400" b="1" dirty="0">
-                <a:latin typeface="Microsoft JhengHei" panose="020B0604030504040204" pitchFamily="34" charset="-120"/>
-                <a:ea typeface="Microsoft JhengHei" panose="020B0604030504040204" pitchFamily="34" charset="-120"/>
-              </a:rPr>
-              <a:t>壘攻</a:t>
-            </a:r>
-            <a:r>
-              <a:rPr lang="zh-TW" altLang="en-US" sz="5400" b="1" dirty="0">
-                <a:latin typeface="Microsoft JhengHei" panose="020B0604030504040204" pitchFamily="34" charset="-120"/>
-                <a:ea typeface="Microsoft JhengHei" panose="020B0604030504040204" pitchFamily="34" charset="-120"/>
-              </a:rPr>
-              <a:t>破  爭</a:t>
-            </a:r>
-            <a:r>
-              <a:rPr lang="zh-TW" altLang="en-US" sz="5400" b="1" dirty="0">
-                <a:latin typeface="Microsoft JhengHei" panose="020B0604030504040204" pitchFamily="34" charset="-120"/>
-                <a:ea typeface="Microsoft JhengHei" panose="020B0604030504040204" pitchFamily="34" charset="-120"/>
-              </a:rPr>
-              <a:t>戰得</a:t>
-            </a:r>
-            <a:r>
-              <a:rPr lang="zh-TW" altLang="en-US" sz="5400" b="1" dirty="0">
-                <a:latin typeface="Microsoft JhengHei" panose="020B0604030504040204" pitchFamily="34" charset="-120"/>
-                <a:ea typeface="Microsoft JhengHei" panose="020B0604030504040204" pitchFamily="34" charset="-120"/>
-              </a:rPr>
-              <a:t>勝  都</a:t>
-            </a:r>
-            <a:r>
-              <a:rPr lang="zh-TW" altLang="en-US" sz="5400" b="1" dirty="0">
-                <a:latin typeface="Microsoft JhengHei" panose="020B0604030504040204" pitchFamily="34" charset="-120"/>
-                <a:ea typeface="Microsoft JhengHei" panose="020B0604030504040204" pitchFamily="34" charset="-120"/>
-              </a:rPr>
-              <a:t>因耶穌的名</a:t>
-            </a:r>
-            <a:endParaRPr lang="vi-VN" sz="5400" b="1" dirty="0">
-              <a:latin typeface="Microsoft JhengHei" panose="020B0604030504040204" pitchFamily="34" charset="-120"/>
+              <a:t> )</a:t>
+            </a:r>
+            <a:endParaRPr lang="vi-VN" sz="4800" b="1" dirty="0">
+              <a:solidFill>
+                <a:srgbClr val="660033"/>
+              </a:solidFill>
               <a:ea typeface="Microsoft JhengHei" panose="020B0604030504040204" pitchFamily="34" charset="-120"/>
             </a:endParaRPr>
           </a:p>
@@ -4234,7 +4800,804 @@
     </p:spTree>
     <p:extLst>
       <p:ext uri="{BB962C8B-B14F-4D97-AF65-F5344CB8AC3E}">
-        <p14:creationId xmlns:p14="http://schemas.microsoft.com/office/powerpoint/2010/main" val="4013605898"/>
+        <p14:creationId xmlns:p14="http://schemas.microsoft.com/office/powerpoint/2010/main" val="1986584310"/>
+      </p:ext>
+    </p:extLst>
+  </p:cSld>
+  <p:clrMapOvr>
+    <a:masterClrMapping/>
+  </p:clrMapOvr>
+</p:sld>
+</file>
+
+<file path=ppt/slides/slide6.xml><?xml version="1.0" encoding="utf-8"?>
+<p:sld xmlns:a="http://schemas.openxmlformats.org/drawingml/2006/main" xmlns:r="http://schemas.openxmlformats.org/officeDocument/2006/relationships" xmlns:p="http://schemas.openxmlformats.org/presentationml/2006/main">
+  <p:cSld>
+    <p:spTree>
+      <p:nvGrpSpPr>
+        <p:cNvPr id="1" name=""/>
+        <p:cNvGrpSpPr/>
+        <p:nvPr/>
+      </p:nvGrpSpPr>
+      <p:grpSpPr>
+        <a:xfrm>
+          <a:off x="0" y="0"/>
+          <a:ext cx="0" cy="0"/>
+          <a:chOff x="0" y="0"/>
+          <a:chExt cx="0" cy="0"/>
+        </a:xfrm>
+      </p:grpSpPr>
+      <p:sp>
+        <p:nvSpPr>
+          <p:cNvPr id="5" name="內容版面配置區 4"/>
+          <p:cNvSpPr>
+            <a:spLocks noGrp="1"/>
+          </p:cNvSpPr>
+          <p:nvPr>
+            <p:ph idx="1"/>
+          </p:nvPr>
+        </p:nvSpPr>
+        <p:spPr>
+          <a:xfrm>
+            <a:off x="0" y="2084851"/>
+            <a:ext cx="12192000" cy="2404863"/>
+          </a:xfrm>
+        </p:spPr>
+        <p:txBody>
+          <a:bodyPr anchor="ctr">
+            <a:normAutofit/>
+          </a:bodyPr>
+          <a:lstStyle/>
+          <a:p>
+            <a:pPr marL="0" indent="0" algn="ctr">
+              <a:buNone/>
+            </a:pPr>
+            <a:r>
+              <a:rPr lang="zh-TW" altLang="en-US" sz="6400" b="1" dirty="0">
+                <a:solidFill>
+                  <a:srgbClr val="660033"/>
+                </a:solidFill>
+                <a:latin typeface="微軟正黑體" pitchFamily="34" charset="-120"/>
+                <a:ea typeface="微軟正黑體" pitchFamily="34" charset="-120"/>
+              </a:rPr>
+              <a:t>耶</a:t>
+            </a:r>
+            <a:r>
+              <a:rPr lang="zh-TW" altLang="en-US" sz="6400" b="1" dirty="0">
+                <a:solidFill>
+                  <a:srgbClr val="660033"/>
+                </a:solidFill>
+                <a:latin typeface="微軟正黑體" pitchFamily="34" charset="-120"/>
+                <a:ea typeface="微軟正黑體" pitchFamily="34" charset="-120"/>
+              </a:rPr>
+              <a:t>穌  神的愛子</a:t>
+            </a:r>
+            <a:r>
+              <a:rPr lang="en-US" altLang="zh-TW" sz="6400" b="1" dirty="0">
+                <a:solidFill>
+                  <a:srgbClr val="660033"/>
+                </a:solidFill>
+                <a:latin typeface="微軟正黑體" pitchFamily="34" charset="-120"/>
+                <a:ea typeface="微軟正黑體" pitchFamily="34" charset="-120"/>
+              </a:rPr>
+              <a:t>  </a:t>
+            </a:r>
+            <a:endParaRPr lang="en-US" altLang="zh-TW" sz="6400" b="1" dirty="0">
+              <a:solidFill>
+                <a:srgbClr val="660033"/>
+              </a:solidFill>
+              <a:latin typeface="微軟正黑體" pitchFamily="34" charset="-120"/>
+              <a:ea typeface="微軟正黑體" pitchFamily="34" charset="-120"/>
+            </a:endParaRPr>
+          </a:p>
+          <a:p>
+            <a:pPr marL="0" indent="0" algn="ctr">
+              <a:buNone/>
+            </a:pPr>
+            <a:r>
+              <a:rPr lang="zh-TW" altLang="en-US" sz="6400" b="1" dirty="0">
+                <a:solidFill>
+                  <a:srgbClr val="660033"/>
+                </a:solidFill>
+                <a:latin typeface="微軟正黑體" pitchFamily="34" charset="-120"/>
+                <a:ea typeface="微軟正黑體" pitchFamily="34" charset="-120"/>
+              </a:rPr>
+              <a:t>耶穌  榮耀君王</a:t>
+            </a:r>
+            <a:endParaRPr lang="en-US" altLang="zh-TW" sz="6400" b="1" dirty="0">
+              <a:solidFill>
+                <a:srgbClr val="660033"/>
+              </a:solidFill>
+              <a:latin typeface="微軟正黑體" pitchFamily="34" charset="-120"/>
+              <a:ea typeface="微軟正黑體" pitchFamily="34" charset="-120"/>
+            </a:endParaRPr>
+          </a:p>
+        </p:txBody>
+      </p:sp>
+      <p:sp>
+        <p:nvSpPr>
+          <p:cNvPr id="3" name="TextBox 2"/>
+          <p:cNvSpPr txBox="1"/>
+          <p:nvPr/>
+        </p:nvSpPr>
+        <p:spPr>
+          <a:xfrm>
+            <a:off x="0" y="5268592"/>
+            <a:ext cx="12192000" cy="830997"/>
+          </a:xfrm>
+          <a:prstGeom prst="rect">
+            <a:avLst/>
+          </a:prstGeom>
+          <a:noFill/>
+        </p:spPr>
+        <p:txBody>
+          <a:bodyPr wrap="square" rtlCol="0" anchor="ctr">
+            <a:spAutoFit/>
+          </a:bodyPr>
+          <a:lstStyle/>
+          <a:p>
+            <a:pPr algn="ctr"/>
+            <a:r>
+              <a:rPr lang="en-US" sz="4800" b="1" dirty="0">
+                <a:solidFill>
+                  <a:srgbClr val="660033"/>
+                </a:solidFill>
+                <a:effectLst/>
+                <a:latin typeface="Microsoft JhengHei" panose="020B0604030504040204" pitchFamily="34" charset="-120"/>
+                <a:ea typeface="Microsoft JhengHei" panose="020B0604030504040204" pitchFamily="34" charset="-120"/>
+              </a:rPr>
+              <a:t>( </a:t>
+            </a:r>
+            <a:r>
+              <a:rPr lang="zh-CN" altLang="en-US" sz="4800" b="1" dirty="0">
+                <a:solidFill>
+                  <a:srgbClr val="660033"/>
+                </a:solidFill>
+                <a:effectLst/>
+                <a:latin typeface="Microsoft JhengHei" panose="020B0604030504040204" pitchFamily="34" charset="-120"/>
+                <a:ea typeface="Microsoft JhengHei" panose="020B0604030504040204" pitchFamily="34" charset="-120"/>
+              </a:rPr>
+              <a:t>正</a:t>
+            </a:r>
+            <a:r>
+              <a:rPr lang="en-US" altLang="zh-CN" sz="4800" b="1" dirty="0">
+                <a:solidFill>
+                  <a:srgbClr val="660033"/>
+                </a:solidFill>
+                <a:effectLst/>
+                <a:latin typeface="Microsoft JhengHei" panose="020B0604030504040204" pitchFamily="34" charset="-120"/>
+                <a:ea typeface="Microsoft JhengHei" panose="020B0604030504040204" pitchFamily="34" charset="-120"/>
+              </a:rPr>
+              <a:t> 2</a:t>
+            </a:r>
+            <a:r>
+              <a:rPr lang="en-US" sz="4800" b="1" dirty="0">
+                <a:solidFill>
+                  <a:srgbClr val="660033"/>
+                </a:solidFill>
+                <a:effectLst/>
+                <a:latin typeface="Microsoft JhengHei" panose="020B0604030504040204" pitchFamily="34" charset="-120"/>
+                <a:ea typeface="Microsoft JhengHei" panose="020B0604030504040204" pitchFamily="34" charset="-120"/>
+              </a:rPr>
+              <a:t> </a:t>
+            </a:r>
+            <a:r>
+              <a:rPr lang="en-US" sz="4800" b="1" dirty="0">
+                <a:solidFill>
+                  <a:srgbClr val="660033"/>
+                </a:solidFill>
+                <a:effectLst/>
+                <a:latin typeface="Microsoft JhengHei" panose="020B0604030504040204" pitchFamily="34" charset="-120"/>
+                <a:ea typeface="Microsoft JhengHei" panose="020B0604030504040204" pitchFamily="34" charset="-120"/>
+              </a:rPr>
+              <a:t>)</a:t>
+            </a:r>
+            <a:endParaRPr lang="vi-VN" sz="4800" b="1" dirty="0">
+              <a:solidFill>
+                <a:srgbClr val="660033"/>
+              </a:solidFill>
+              <a:effectLst/>
+              <a:ea typeface="Microsoft JhengHei" panose="020B0604030504040204" pitchFamily="34" charset="-120"/>
+            </a:endParaRPr>
+          </a:p>
+        </p:txBody>
+      </p:sp>
+    </p:spTree>
+    <p:extLst>
+      <p:ext uri="{BB962C8B-B14F-4D97-AF65-F5344CB8AC3E}">
+        <p14:creationId xmlns:p14="http://schemas.microsoft.com/office/powerpoint/2010/main" val="2337474714"/>
+      </p:ext>
+    </p:extLst>
+  </p:cSld>
+  <p:clrMapOvr>
+    <a:masterClrMapping/>
+  </p:clrMapOvr>
+</p:sld>
+</file>
+
+<file path=ppt/slides/slide7.xml><?xml version="1.0" encoding="utf-8"?>
+<p:sld xmlns:a="http://schemas.openxmlformats.org/drawingml/2006/main" xmlns:r="http://schemas.openxmlformats.org/officeDocument/2006/relationships" xmlns:p="http://schemas.openxmlformats.org/presentationml/2006/main">
+  <p:cSld>
+    <p:spTree>
+      <p:nvGrpSpPr>
+        <p:cNvPr id="1" name=""/>
+        <p:cNvGrpSpPr/>
+        <p:nvPr/>
+      </p:nvGrpSpPr>
+      <p:grpSpPr>
+        <a:xfrm>
+          <a:off x="0" y="0"/>
+          <a:ext cx="0" cy="0"/>
+          <a:chOff x="0" y="0"/>
+          <a:chExt cx="0" cy="0"/>
+        </a:xfrm>
+      </p:grpSpPr>
+      <p:sp>
+        <p:nvSpPr>
+          <p:cNvPr id="5" name="內容版面配置區 4"/>
+          <p:cNvSpPr>
+            <a:spLocks noGrp="1"/>
+          </p:cNvSpPr>
+          <p:nvPr>
+            <p:ph idx="1"/>
+          </p:nvPr>
+        </p:nvSpPr>
+        <p:spPr>
+          <a:xfrm>
+            <a:off x="0" y="2084851"/>
+            <a:ext cx="12192000" cy="2404863"/>
+          </a:xfrm>
+        </p:spPr>
+        <p:txBody>
+          <a:bodyPr anchor="ctr">
+            <a:normAutofit/>
+          </a:bodyPr>
+          <a:lstStyle/>
+          <a:p>
+            <a:pPr marL="0" indent="0" algn="ctr">
+              <a:buNone/>
+            </a:pPr>
+            <a:r>
+              <a:rPr lang="zh-TW" altLang="en-US" sz="6400" b="1" dirty="0">
+                <a:solidFill>
+                  <a:srgbClr val="660033"/>
+                </a:solidFill>
+                <a:latin typeface="微軟正黑體" pitchFamily="34" charset="-120"/>
+                <a:ea typeface="微軟正黑體" pitchFamily="34" charset="-120"/>
+              </a:rPr>
+              <a:t>萬有俯伏在</a:t>
+            </a:r>
+            <a:r>
+              <a:rPr lang="zh-CN" altLang="en-US" sz="6400" b="1" dirty="0">
+                <a:solidFill>
+                  <a:srgbClr val="660033"/>
+                </a:solidFill>
+                <a:latin typeface="微軟正黑體" pitchFamily="34" charset="-120"/>
+                <a:ea typeface="微軟正黑體" pitchFamily="34" charset="-120"/>
+              </a:rPr>
+              <a:t>袮</a:t>
+            </a:r>
+            <a:r>
+              <a:rPr lang="zh-TW" altLang="en-US" sz="6400" b="1" dirty="0">
+                <a:solidFill>
+                  <a:srgbClr val="660033"/>
+                </a:solidFill>
+                <a:latin typeface="微軟正黑體" pitchFamily="34" charset="-120"/>
+                <a:ea typeface="微軟正黑體" pitchFamily="34" charset="-120"/>
+              </a:rPr>
+              <a:t>腳前</a:t>
+            </a:r>
+            <a:endParaRPr lang="en-US" altLang="zh-TW" sz="6400" b="1" dirty="0">
+              <a:solidFill>
+                <a:srgbClr val="660033"/>
+              </a:solidFill>
+              <a:latin typeface="微軟正黑體" pitchFamily="34" charset="-120"/>
+              <a:ea typeface="微軟正黑體" pitchFamily="34" charset="-120"/>
+            </a:endParaRPr>
+          </a:p>
+          <a:p>
+            <a:pPr marL="0" indent="0" algn="ctr">
+              <a:buNone/>
+            </a:pPr>
+            <a:r>
+              <a:rPr lang="zh-TW" altLang="en-US" sz="6400" b="1" dirty="0">
+                <a:solidFill>
+                  <a:srgbClr val="660033"/>
+                </a:solidFill>
+                <a:latin typeface="微軟正黑體" pitchFamily="34" charset="-120"/>
+                <a:ea typeface="微軟正黑體" pitchFamily="34" charset="-120"/>
+              </a:rPr>
+              <a:t>世間的救贖主</a:t>
+            </a:r>
+            <a:endParaRPr lang="vi-VN" sz="6400" b="1" dirty="0">
+              <a:solidFill>
+                <a:srgbClr val="660033"/>
+              </a:solidFill>
+              <a:latin typeface="微軟正黑體" pitchFamily="34" charset="-120"/>
+              <a:ea typeface="微軟正黑體" pitchFamily="34" charset="-120"/>
+            </a:endParaRPr>
+          </a:p>
+        </p:txBody>
+      </p:sp>
+      <p:sp>
+        <p:nvSpPr>
+          <p:cNvPr id="3" name="TextBox 2"/>
+          <p:cNvSpPr txBox="1"/>
+          <p:nvPr/>
+        </p:nvSpPr>
+        <p:spPr>
+          <a:xfrm>
+            <a:off x="0" y="5268592"/>
+            <a:ext cx="12192000" cy="830997"/>
+          </a:xfrm>
+          <a:prstGeom prst="rect">
+            <a:avLst/>
+          </a:prstGeom>
+          <a:noFill/>
+        </p:spPr>
+        <p:txBody>
+          <a:bodyPr wrap="square" rtlCol="0" anchor="ctr">
+            <a:spAutoFit/>
+          </a:bodyPr>
+          <a:lstStyle/>
+          <a:p>
+            <a:pPr algn="ctr"/>
+            <a:r>
+              <a:rPr lang="en-US" sz="4800" b="1" dirty="0">
+                <a:solidFill>
+                  <a:srgbClr val="660033"/>
+                </a:solidFill>
+                <a:latin typeface="Microsoft JhengHei" panose="020B0604030504040204" pitchFamily="34" charset="-120"/>
+                <a:ea typeface="Microsoft JhengHei" panose="020B0604030504040204" pitchFamily="34" charset="-120"/>
+              </a:rPr>
+              <a:t>( </a:t>
+            </a:r>
+            <a:r>
+              <a:rPr lang="zh-CN" altLang="en-US" sz="4800" b="1" dirty="0">
+                <a:solidFill>
+                  <a:srgbClr val="660033"/>
+                </a:solidFill>
+                <a:latin typeface="Microsoft JhengHei" panose="020B0604030504040204" pitchFamily="34" charset="-120"/>
+                <a:ea typeface="Microsoft JhengHei" panose="020B0604030504040204" pitchFamily="34" charset="-120"/>
+              </a:rPr>
+              <a:t>正</a:t>
+            </a:r>
+            <a:r>
+              <a:rPr lang="en-US" altLang="zh-CN" sz="4800" b="1" dirty="0">
+                <a:solidFill>
+                  <a:srgbClr val="660033"/>
+                </a:solidFill>
+                <a:latin typeface="Microsoft JhengHei" panose="020B0604030504040204" pitchFamily="34" charset="-120"/>
+                <a:ea typeface="Microsoft JhengHei" panose="020B0604030504040204" pitchFamily="34" charset="-120"/>
+              </a:rPr>
+              <a:t> 2</a:t>
+            </a:r>
+            <a:r>
+              <a:rPr lang="en-US" sz="4800" b="1" dirty="0">
+                <a:solidFill>
+                  <a:srgbClr val="660033"/>
+                </a:solidFill>
+                <a:latin typeface="Microsoft JhengHei" panose="020B0604030504040204" pitchFamily="34" charset="-120"/>
+                <a:ea typeface="Microsoft JhengHei" panose="020B0604030504040204" pitchFamily="34" charset="-120"/>
+              </a:rPr>
+              <a:t> )</a:t>
+            </a:r>
+            <a:endParaRPr lang="vi-VN" sz="4800" b="1" dirty="0">
+              <a:solidFill>
+                <a:srgbClr val="660033"/>
+              </a:solidFill>
+              <a:ea typeface="Microsoft JhengHei" panose="020B0604030504040204" pitchFamily="34" charset="-120"/>
+            </a:endParaRPr>
+          </a:p>
+        </p:txBody>
+      </p:sp>
+    </p:spTree>
+    <p:extLst>
+      <p:ext uri="{BB962C8B-B14F-4D97-AF65-F5344CB8AC3E}">
+        <p14:creationId xmlns:p14="http://schemas.microsoft.com/office/powerpoint/2010/main" val="2464399889"/>
+      </p:ext>
+    </p:extLst>
+  </p:cSld>
+  <p:clrMapOvr>
+    <a:masterClrMapping/>
+  </p:clrMapOvr>
+</p:sld>
+</file>
+
+<file path=ppt/slides/slide8.xml><?xml version="1.0" encoding="utf-8"?>
+<p:sld xmlns:a="http://schemas.openxmlformats.org/drawingml/2006/main" xmlns:r="http://schemas.openxmlformats.org/officeDocument/2006/relationships" xmlns:p="http://schemas.openxmlformats.org/presentationml/2006/main">
+  <p:cSld>
+    <p:spTree>
+      <p:nvGrpSpPr>
+        <p:cNvPr id="1" name=""/>
+        <p:cNvGrpSpPr/>
+        <p:nvPr/>
+      </p:nvGrpSpPr>
+      <p:grpSpPr>
+        <a:xfrm>
+          <a:off x="0" y="0"/>
+          <a:ext cx="0" cy="0"/>
+          <a:chOff x="0" y="0"/>
+          <a:chExt cx="0" cy="0"/>
+        </a:xfrm>
+      </p:grpSpPr>
+      <p:sp>
+        <p:nvSpPr>
+          <p:cNvPr id="5" name="內容版面配置區 4"/>
+          <p:cNvSpPr>
+            <a:spLocks noGrp="1"/>
+          </p:cNvSpPr>
+          <p:nvPr>
+            <p:ph idx="1"/>
+          </p:nvPr>
+        </p:nvSpPr>
+        <p:spPr>
+          <a:xfrm>
+            <a:off x="0" y="2084851"/>
+            <a:ext cx="12192000" cy="2404863"/>
+          </a:xfrm>
+        </p:spPr>
+        <p:txBody>
+          <a:bodyPr anchor="ctr">
+            <a:normAutofit/>
+          </a:bodyPr>
+          <a:lstStyle/>
+          <a:p>
+            <a:pPr marL="0" indent="0" algn="ctr">
+              <a:buNone/>
+            </a:pPr>
+            <a:r>
+              <a:rPr lang="zh-TW" altLang="en-US" sz="6400" b="1" dirty="0">
+                <a:solidFill>
+                  <a:srgbClr val="660033"/>
+                </a:solidFill>
+                <a:latin typeface="微軟正黑體" pitchFamily="34" charset="-120"/>
+                <a:ea typeface="微軟正黑體" pitchFamily="34" charset="-120"/>
+              </a:rPr>
+              <a:t>耶穌的名  </a:t>
+            </a:r>
+            <a:r>
+              <a:rPr lang="zh-TW" altLang="en-US" sz="6400" b="1" dirty="0">
+                <a:solidFill>
+                  <a:srgbClr val="660033"/>
+                </a:solidFill>
+                <a:latin typeface="微軟正黑體" pitchFamily="34" charset="-120"/>
+                <a:ea typeface="微軟正黑體" pitchFamily="34" charset="-120"/>
+              </a:rPr>
+              <a:t> 超</a:t>
+            </a:r>
+            <a:r>
+              <a:rPr lang="zh-TW" altLang="en-US" sz="6400" b="1" dirty="0">
+                <a:solidFill>
+                  <a:srgbClr val="660033"/>
+                </a:solidFill>
+                <a:latin typeface="微軟正黑體" pitchFamily="34" charset="-120"/>
+                <a:ea typeface="微軟正黑體" pitchFamily="34" charset="-120"/>
+              </a:rPr>
+              <a:t>乎萬名</a:t>
+            </a:r>
+            <a:endParaRPr lang="en-US" altLang="zh-TW" sz="6400" b="1" dirty="0">
+              <a:solidFill>
+                <a:srgbClr val="660033"/>
+              </a:solidFill>
+              <a:latin typeface="微軟正黑體" pitchFamily="34" charset="-120"/>
+              <a:ea typeface="微軟正黑體" pitchFamily="34" charset="-120"/>
+            </a:endParaRPr>
+          </a:p>
+          <a:p>
+            <a:pPr marL="0" indent="0" algn="ctr">
+              <a:buNone/>
+            </a:pPr>
+            <a:r>
+              <a:rPr lang="zh-TW" altLang="en-US" sz="6400" b="1" dirty="0">
+                <a:solidFill>
+                  <a:srgbClr val="660033"/>
+                </a:solidFill>
+                <a:latin typeface="微軟正黑體" pitchFamily="34" charset="-120"/>
+                <a:ea typeface="微軟正黑體" pitchFamily="34" charset="-120"/>
+              </a:rPr>
+              <a:t>榮耀尊貴都歸於</a:t>
+            </a:r>
+            <a:r>
+              <a:rPr lang="zh-CN" altLang="en-US" sz="6400" b="1" dirty="0">
+                <a:solidFill>
+                  <a:srgbClr val="660033"/>
+                </a:solidFill>
+                <a:latin typeface="微軟正黑體" pitchFamily="34" charset="-120"/>
+                <a:ea typeface="微軟正黑體" pitchFamily="34" charset="-120"/>
+              </a:rPr>
+              <a:t>袮</a:t>
+            </a:r>
+            <a:endParaRPr lang="en-US" altLang="zh-TW" sz="6400" b="1" dirty="0">
+              <a:solidFill>
+                <a:srgbClr val="660033"/>
+              </a:solidFill>
+              <a:latin typeface="微軟正黑體" pitchFamily="34" charset="-120"/>
+              <a:ea typeface="微軟正黑體" pitchFamily="34" charset="-120"/>
+            </a:endParaRPr>
+          </a:p>
+        </p:txBody>
+      </p:sp>
+      <p:sp>
+        <p:nvSpPr>
+          <p:cNvPr id="3" name="TextBox 2"/>
+          <p:cNvSpPr txBox="1"/>
+          <p:nvPr/>
+        </p:nvSpPr>
+        <p:spPr>
+          <a:xfrm>
+            <a:off x="0" y="5268592"/>
+            <a:ext cx="12192000" cy="830997"/>
+          </a:xfrm>
+          <a:prstGeom prst="rect">
+            <a:avLst/>
+          </a:prstGeom>
+          <a:noFill/>
+        </p:spPr>
+        <p:txBody>
+          <a:bodyPr wrap="square" rtlCol="0" anchor="ctr">
+            <a:spAutoFit/>
+          </a:bodyPr>
+          <a:lstStyle/>
+          <a:p>
+            <a:pPr algn="ctr"/>
+            <a:r>
+              <a:rPr lang="en-US" sz="4800" b="1" dirty="0">
+                <a:solidFill>
+                  <a:srgbClr val="660033"/>
+                </a:solidFill>
+                <a:effectLst/>
+                <a:latin typeface="Microsoft JhengHei" panose="020B0604030504040204" pitchFamily="34" charset="-120"/>
+                <a:ea typeface="Microsoft JhengHei" panose="020B0604030504040204" pitchFamily="34" charset="-120"/>
+              </a:rPr>
+              <a:t>( </a:t>
+            </a:r>
+            <a:r>
+              <a:rPr lang="zh-CN" altLang="en-US" sz="4800" b="1" dirty="0">
+                <a:solidFill>
+                  <a:srgbClr val="660033"/>
+                </a:solidFill>
+                <a:effectLst/>
+                <a:latin typeface="Microsoft JhengHei" panose="020B0604030504040204" pitchFamily="34" charset="-120"/>
+                <a:ea typeface="Microsoft JhengHei" panose="020B0604030504040204" pitchFamily="34" charset="-120"/>
+              </a:rPr>
+              <a:t>副</a:t>
+            </a:r>
+            <a:r>
+              <a:rPr lang="en-US" sz="4800" b="1" dirty="0">
+                <a:solidFill>
+                  <a:srgbClr val="660033"/>
+                </a:solidFill>
+                <a:effectLst/>
+                <a:latin typeface="Microsoft JhengHei" panose="020B0604030504040204" pitchFamily="34" charset="-120"/>
+                <a:ea typeface="Microsoft JhengHei" panose="020B0604030504040204" pitchFamily="34" charset="-120"/>
+              </a:rPr>
+              <a:t> </a:t>
+            </a:r>
+            <a:r>
+              <a:rPr lang="en-US" sz="4800" b="1" dirty="0">
+                <a:solidFill>
+                  <a:srgbClr val="660033"/>
+                </a:solidFill>
+                <a:effectLst/>
+                <a:latin typeface="Microsoft JhengHei" panose="020B0604030504040204" pitchFamily="34" charset="-120"/>
+                <a:ea typeface="Microsoft JhengHei" panose="020B0604030504040204" pitchFamily="34" charset="-120"/>
+              </a:rPr>
+              <a:t>)</a:t>
+            </a:r>
+            <a:endParaRPr lang="vi-VN" sz="4800" b="1" dirty="0">
+              <a:solidFill>
+                <a:srgbClr val="660033"/>
+              </a:solidFill>
+              <a:effectLst/>
+              <a:ea typeface="Microsoft JhengHei" panose="020B0604030504040204" pitchFamily="34" charset="-120"/>
+            </a:endParaRPr>
+          </a:p>
+        </p:txBody>
+      </p:sp>
+    </p:spTree>
+    <p:extLst>
+      <p:ext uri="{BB962C8B-B14F-4D97-AF65-F5344CB8AC3E}">
+        <p14:creationId xmlns:p14="http://schemas.microsoft.com/office/powerpoint/2010/main" val="86938588"/>
+      </p:ext>
+    </p:extLst>
+  </p:cSld>
+  <p:clrMapOvr>
+    <a:masterClrMapping/>
+  </p:clrMapOvr>
+</p:sld>
+</file>
+
+<file path=ppt/slides/slide9.xml><?xml version="1.0" encoding="utf-8"?>
+<p:sld xmlns:a="http://schemas.openxmlformats.org/drawingml/2006/main" xmlns:r="http://schemas.openxmlformats.org/officeDocument/2006/relationships" xmlns:p="http://schemas.openxmlformats.org/presentationml/2006/main">
+  <p:cSld>
+    <p:spTree>
+      <p:nvGrpSpPr>
+        <p:cNvPr id="1" name=""/>
+        <p:cNvGrpSpPr/>
+        <p:nvPr/>
+      </p:nvGrpSpPr>
+      <p:grpSpPr>
+        <a:xfrm>
+          <a:off x="0" y="0"/>
+          <a:ext cx="0" cy="0"/>
+          <a:chOff x="0" y="0"/>
+          <a:chExt cx="0" cy="0"/>
+        </a:xfrm>
+      </p:grpSpPr>
+      <p:sp>
+        <p:nvSpPr>
+          <p:cNvPr id="5" name="內容版面配置區 4"/>
+          <p:cNvSpPr>
+            <a:spLocks noGrp="1"/>
+          </p:cNvSpPr>
+          <p:nvPr>
+            <p:ph idx="1"/>
+          </p:nvPr>
+        </p:nvSpPr>
+        <p:spPr>
+          <a:xfrm>
+            <a:off x="0" y="2084851"/>
+            <a:ext cx="12192000" cy="2404863"/>
+          </a:xfrm>
+        </p:spPr>
+        <p:txBody>
+          <a:bodyPr anchor="ctr">
+            <a:normAutofit/>
+          </a:bodyPr>
+          <a:lstStyle/>
+          <a:p>
+            <a:pPr marL="0" indent="0" algn="ctr">
+              <a:buNone/>
+            </a:pPr>
+            <a:r>
+              <a:rPr lang="zh-TW" altLang="en-US" sz="6400" b="1" dirty="0">
+                <a:solidFill>
+                  <a:srgbClr val="660033"/>
+                </a:solidFill>
+                <a:latin typeface="微軟正黑體" pitchFamily="34" charset="-120"/>
+                <a:ea typeface="微軟正黑體" pitchFamily="34" charset="-120"/>
+              </a:rPr>
+              <a:t>萬膝要跪拜  </a:t>
+            </a:r>
+            <a:r>
+              <a:rPr lang="zh-TW" altLang="en-US" sz="6400" b="1" dirty="0">
+                <a:solidFill>
+                  <a:srgbClr val="660033"/>
+                </a:solidFill>
+                <a:latin typeface="微軟正黑體" pitchFamily="34" charset="-120"/>
+                <a:ea typeface="微軟正黑體" pitchFamily="34" charset="-120"/>
+              </a:rPr>
+              <a:t> 萬</a:t>
+            </a:r>
+            <a:r>
+              <a:rPr lang="zh-TW" altLang="en-US" sz="6400" b="1" dirty="0">
+                <a:solidFill>
+                  <a:srgbClr val="660033"/>
+                </a:solidFill>
+                <a:latin typeface="微軟正黑體" pitchFamily="34" charset="-120"/>
+                <a:ea typeface="微軟正黑體" pitchFamily="34" charset="-120"/>
+              </a:rPr>
+              <a:t>口要承認</a:t>
+            </a:r>
+            <a:endParaRPr lang="en-US" altLang="zh-TW" sz="6400" b="1" dirty="0">
+              <a:solidFill>
+                <a:srgbClr val="660033"/>
+              </a:solidFill>
+              <a:latin typeface="微軟正黑體" pitchFamily="34" charset="-120"/>
+              <a:ea typeface="微軟正黑體" pitchFamily="34" charset="-120"/>
+            </a:endParaRPr>
+          </a:p>
+          <a:p>
+            <a:pPr marL="0" indent="0" algn="ctr">
+              <a:buNone/>
+            </a:pPr>
+            <a:r>
+              <a:rPr lang="zh-TW" altLang="en-US" sz="6400" b="1" dirty="0">
+                <a:solidFill>
+                  <a:srgbClr val="660033"/>
+                </a:solidFill>
+                <a:latin typeface="微軟正黑體" pitchFamily="34" charset="-120"/>
+                <a:ea typeface="微軟正黑體" pitchFamily="34" charset="-120"/>
+              </a:rPr>
+              <a:t>耶穌我敬拜</a:t>
+            </a:r>
+            <a:r>
+              <a:rPr lang="zh-CN" altLang="en-US" sz="6400" b="1" dirty="0">
+                <a:solidFill>
+                  <a:srgbClr val="660033"/>
+                </a:solidFill>
+                <a:latin typeface="微軟正黑體" pitchFamily="34" charset="-120"/>
+                <a:ea typeface="微軟正黑體" pitchFamily="34" charset="-120"/>
+              </a:rPr>
+              <a:t>袮</a:t>
+            </a:r>
+            <a:r>
+              <a:rPr lang="zh-TW" altLang="en-US" sz="6400" b="1" dirty="0">
+                <a:solidFill>
+                  <a:srgbClr val="660033"/>
+                </a:solidFill>
+                <a:latin typeface="微軟正黑體" pitchFamily="34" charset="-120"/>
+                <a:ea typeface="微軟正黑體" pitchFamily="34" charset="-120"/>
+              </a:rPr>
+              <a:t>到永遠</a:t>
+            </a:r>
+            <a:endParaRPr lang="en-US" altLang="zh-TW" sz="6400" b="1" dirty="0">
+              <a:solidFill>
+                <a:srgbClr val="660033"/>
+              </a:solidFill>
+              <a:latin typeface="微軟正黑體" pitchFamily="34" charset="-120"/>
+              <a:ea typeface="微軟正黑體" pitchFamily="34" charset="-120"/>
+            </a:endParaRPr>
+          </a:p>
+        </p:txBody>
+      </p:sp>
+      <p:sp>
+        <p:nvSpPr>
+          <p:cNvPr id="3" name="TextBox 2"/>
+          <p:cNvSpPr txBox="1"/>
+          <p:nvPr/>
+        </p:nvSpPr>
+        <p:spPr>
+          <a:xfrm>
+            <a:off x="0" y="5268592"/>
+            <a:ext cx="12192000" cy="830997"/>
+          </a:xfrm>
+          <a:prstGeom prst="rect">
+            <a:avLst/>
+          </a:prstGeom>
+          <a:noFill/>
+        </p:spPr>
+        <p:txBody>
+          <a:bodyPr wrap="square" rtlCol="0" anchor="ctr">
+            <a:spAutoFit/>
+          </a:bodyPr>
+          <a:lstStyle/>
+          <a:p>
+            <a:pPr algn="ctr"/>
+            <a:r>
+              <a:rPr lang="en-US" sz="4800" b="1" dirty="0">
+                <a:solidFill>
+                  <a:srgbClr val="660033"/>
+                </a:solidFill>
+                <a:latin typeface="Microsoft JhengHei" panose="020B0604030504040204" pitchFamily="34" charset="-120"/>
+                <a:ea typeface="Microsoft JhengHei" panose="020B0604030504040204" pitchFamily="34" charset="-120"/>
+              </a:rPr>
+              <a:t>( </a:t>
+            </a:r>
+            <a:r>
+              <a:rPr lang="zh-CN" altLang="en-US" sz="4800" b="1" dirty="0">
+                <a:solidFill>
+                  <a:srgbClr val="660033"/>
+                </a:solidFill>
+                <a:latin typeface="Microsoft JhengHei" panose="020B0604030504040204" pitchFamily="34" charset="-120"/>
+                <a:ea typeface="Microsoft JhengHei" panose="020B0604030504040204" pitchFamily="34" charset="-120"/>
+              </a:rPr>
+              <a:t>副</a:t>
+            </a:r>
+            <a:r>
+              <a:rPr lang="en-US" sz="4800" b="1" dirty="0">
+                <a:solidFill>
+                  <a:srgbClr val="660033"/>
+                </a:solidFill>
+                <a:latin typeface="Microsoft JhengHei" panose="020B0604030504040204" pitchFamily="34" charset="-120"/>
+                <a:ea typeface="Microsoft JhengHei" panose="020B0604030504040204" pitchFamily="34" charset="-120"/>
+              </a:rPr>
+              <a:t> )</a:t>
+            </a:r>
+            <a:endParaRPr lang="vi-VN" sz="4800" b="1" dirty="0">
+              <a:solidFill>
+                <a:srgbClr val="660033"/>
+              </a:solidFill>
+              <a:ea typeface="Microsoft JhengHei" panose="020B0604030504040204" pitchFamily="34" charset="-120"/>
+            </a:endParaRPr>
+          </a:p>
+        </p:txBody>
+      </p:sp>
+    </p:spTree>
+    <p:extLst>
+      <p:ext uri="{BB962C8B-B14F-4D97-AF65-F5344CB8AC3E}">
+        <p14:creationId xmlns:p14="http://schemas.microsoft.com/office/powerpoint/2010/main" val="576684859"/>
       </p:ext>
     </p:extLst>
   </p:cSld>

--- a/耶穌的名(崇拜版).pptx
+++ b/耶穌的名(崇拜版).pptx
@@ -305,7 +305,7 @@
           <a:p>
             <a:fld id="{31F39BAE-B3EB-4512-86AF-CC8D6D6296AE}" type="datetimeFigureOut">
               <a:rPr lang="vi-VN" smtClean="0"/>
-              <a:t>12/11/2021</a:t>
+              <a:t>19/02/2022</a:t>
             </a:fld>
             <a:endParaRPr lang="vi-VN"/>
           </a:p>
@@ -475,7 +475,7 @@
           <a:p>
             <a:fld id="{31F39BAE-B3EB-4512-86AF-CC8D6D6296AE}" type="datetimeFigureOut">
               <a:rPr lang="vi-VN" smtClean="0"/>
-              <a:t>12/11/2021</a:t>
+              <a:t>19/02/2022</a:t>
             </a:fld>
             <a:endParaRPr lang="vi-VN"/>
           </a:p>
@@ -655,7 +655,7 @@
           <a:p>
             <a:fld id="{31F39BAE-B3EB-4512-86AF-CC8D6D6296AE}" type="datetimeFigureOut">
               <a:rPr lang="vi-VN" smtClean="0"/>
-              <a:t>12/11/2021</a:t>
+              <a:t>19/02/2022</a:t>
             </a:fld>
             <a:endParaRPr lang="vi-VN"/>
           </a:p>
@@ -825,7 +825,7 @@
           <a:p>
             <a:fld id="{31F39BAE-B3EB-4512-86AF-CC8D6D6296AE}" type="datetimeFigureOut">
               <a:rPr lang="vi-VN" smtClean="0"/>
-              <a:t>12/11/2021</a:t>
+              <a:t>19/02/2022</a:t>
             </a:fld>
             <a:endParaRPr lang="vi-VN"/>
           </a:p>
@@ -1071,7 +1071,7 @@
           <a:p>
             <a:fld id="{31F39BAE-B3EB-4512-86AF-CC8D6D6296AE}" type="datetimeFigureOut">
               <a:rPr lang="vi-VN" smtClean="0"/>
-              <a:t>12/11/2021</a:t>
+              <a:t>19/02/2022</a:t>
             </a:fld>
             <a:endParaRPr lang="vi-VN"/>
           </a:p>
@@ -1359,7 +1359,7 @@
           <a:p>
             <a:fld id="{31F39BAE-B3EB-4512-86AF-CC8D6D6296AE}" type="datetimeFigureOut">
               <a:rPr lang="vi-VN" smtClean="0"/>
-              <a:t>12/11/2021</a:t>
+              <a:t>19/02/2022</a:t>
             </a:fld>
             <a:endParaRPr lang="vi-VN"/>
           </a:p>
@@ -1781,7 +1781,7 @@
           <a:p>
             <a:fld id="{31F39BAE-B3EB-4512-86AF-CC8D6D6296AE}" type="datetimeFigureOut">
               <a:rPr lang="vi-VN" smtClean="0"/>
-              <a:t>12/11/2021</a:t>
+              <a:t>19/02/2022</a:t>
             </a:fld>
             <a:endParaRPr lang="vi-VN"/>
           </a:p>
@@ -1899,7 +1899,7 @@
           <a:p>
             <a:fld id="{31F39BAE-B3EB-4512-86AF-CC8D6D6296AE}" type="datetimeFigureOut">
               <a:rPr lang="vi-VN" smtClean="0"/>
-              <a:t>12/11/2021</a:t>
+              <a:t>19/02/2022</a:t>
             </a:fld>
             <a:endParaRPr lang="vi-VN"/>
           </a:p>
@@ -1994,7 +1994,7 @@
           <a:p>
             <a:fld id="{31F39BAE-B3EB-4512-86AF-CC8D6D6296AE}" type="datetimeFigureOut">
               <a:rPr lang="vi-VN" smtClean="0"/>
-              <a:t>12/11/2021</a:t>
+              <a:t>19/02/2022</a:t>
             </a:fld>
             <a:endParaRPr lang="vi-VN"/>
           </a:p>
@@ -2271,7 +2271,7 @@
           <a:p>
             <a:fld id="{31F39BAE-B3EB-4512-86AF-CC8D6D6296AE}" type="datetimeFigureOut">
               <a:rPr lang="vi-VN" smtClean="0"/>
-              <a:t>12/11/2021</a:t>
+              <a:t>19/02/2022</a:t>
             </a:fld>
             <a:endParaRPr lang="vi-VN"/>
           </a:p>
@@ -2528,7 +2528,7 @@
           <a:p>
             <a:fld id="{31F39BAE-B3EB-4512-86AF-CC8D6D6296AE}" type="datetimeFigureOut">
               <a:rPr lang="vi-VN" smtClean="0"/>
-              <a:t>12/11/2021</a:t>
+              <a:t>19/02/2022</a:t>
             </a:fld>
             <a:endParaRPr lang="vi-VN"/>
           </a:p>
@@ -2746,7 +2746,7 @@
           <a:p>
             <a:fld id="{31F39BAE-B3EB-4512-86AF-CC8D6D6296AE}" type="datetimeFigureOut">
               <a:rPr lang="vi-VN" smtClean="0"/>
-              <a:t>12/11/2021</a:t>
+              <a:t>19/02/2022</a:t>
             </a:fld>
             <a:endParaRPr lang="vi-VN"/>
           </a:p>
@@ -3158,24 +3158,7 @@
                 <a:latin typeface="微軟正黑體" pitchFamily="34" charset="-120"/>
                 <a:ea typeface="微軟正黑體" pitchFamily="34" charset="-120"/>
               </a:rPr>
-              <a:t>耶</a:t>
-            </a:r>
-            <a:r>
-              <a:rPr lang="zh-CN" altLang="en-US" sz="7200" b="1" i="1" dirty="0">
-                <a:solidFill>
-                  <a:srgbClr val="660033"/>
-                </a:solidFill>
-                <a:effectLst>
-                  <a:outerShdw blurRad="38100" dist="38100" dir="2700000" algn="tl">
-                    <a:srgbClr val="000000">
-                      <a:alpha val="43137"/>
-                    </a:srgbClr>
-                  </a:outerShdw>
-                </a:effectLst>
-                <a:latin typeface="微軟正黑體" pitchFamily="34" charset="-120"/>
-                <a:ea typeface="微軟正黑體" pitchFamily="34" charset="-120"/>
-              </a:rPr>
-              <a:t>穌的名</a:t>
+              <a:t>耶穌的名</a:t>
             </a:r>
             <a:endParaRPr lang="zh-TW" altLang="en-US" sz="7200" b="1" i="1" dirty="0">
               <a:solidFill>
@@ -3257,37 +3240,7 @@
                 <a:latin typeface="微軟正黑體" pitchFamily="34" charset="-120"/>
                 <a:ea typeface="微軟正黑體" pitchFamily="34" charset="-120"/>
               </a:rPr>
-              <a:t>疾病不能  </a:t>
-            </a:r>
-            <a:r>
-              <a:rPr lang="zh-TW" altLang="en-US" sz="6400" b="1" dirty="0">
-                <a:solidFill>
-                  <a:srgbClr val="660033"/>
-                </a:solidFill>
-                <a:latin typeface="微軟正黑體" pitchFamily="34" charset="-120"/>
-                <a:ea typeface="微軟正黑體" pitchFamily="34" charset="-120"/>
-              </a:rPr>
-              <a:t> 死</a:t>
-            </a:r>
-            <a:r>
-              <a:rPr lang="zh-TW" altLang="en-US" sz="6400" b="1" dirty="0">
-                <a:solidFill>
-                  <a:srgbClr val="660033"/>
-                </a:solidFill>
-                <a:latin typeface="微軟正黑體" pitchFamily="34" charset="-120"/>
-                <a:ea typeface="微軟正黑體" pitchFamily="34" charset="-120"/>
-              </a:rPr>
-              <a:t>亡不</a:t>
-            </a:r>
-            <a:r>
-              <a:rPr lang="zh-TW" altLang="en-US" sz="6400" b="1" dirty="0">
-                <a:solidFill>
-                  <a:srgbClr val="660033"/>
-                </a:solidFill>
-                <a:latin typeface="微軟正黑體" pitchFamily="34" charset="-120"/>
-                <a:ea typeface="微軟正黑體" pitchFamily="34" charset="-120"/>
-              </a:rPr>
-              <a:t>能</a:t>
+              <a:t>疾病不能   死亡不能</a:t>
             </a:r>
             <a:endParaRPr lang="en-US" altLang="zh-TW" sz="6400" b="1" dirty="0">
               <a:solidFill>
@@ -3309,17 +3262,7 @@
                 <a:latin typeface="微軟正黑體" pitchFamily="34" charset="-120"/>
                 <a:ea typeface="微軟正黑體" pitchFamily="34" charset="-120"/>
               </a:rPr>
-              <a:t>勝</a:t>
-            </a:r>
-            <a:r>
-              <a:rPr lang="zh-TW" altLang="en-US" sz="6400" b="1" dirty="0">
-                <a:solidFill>
-                  <a:srgbClr val="660033"/>
-                </a:solidFill>
-                <a:latin typeface="微軟正黑體" pitchFamily="34" charset="-120"/>
-                <a:ea typeface="微軟正黑體" pitchFamily="34" charset="-120"/>
-              </a:rPr>
-              <a:t>過耶穌的名</a:t>
+              <a:t>勝過耶穌的名</a:t>
             </a:r>
             <a:endParaRPr lang="en-US" altLang="zh-TW" sz="6400" b="1" dirty="0">
               <a:solidFill>
@@ -3456,17 +3399,7 @@
                 <a:latin typeface="微軟正黑體" pitchFamily="34" charset="-120"/>
                 <a:ea typeface="微軟正黑體" pitchFamily="34" charset="-120"/>
               </a:rPr>
-              <a:t>世上沒有任何困</a:t>
-            </a:r>
-            <a:r>
-              <a:rPr lang="zh-TW" altLang="en-US" sz="6400" b="1" dirty="0">
-                <a:solidFill>
-                  <a:srgbClr val="660033"/>
-                </a:solidFill>
-                <a:latin typeface="微軟正黑體" pitchFamily="34" charset="-120"/>
-                <a:ea typeface="微軟正黑體" pitchFamily="34" charset="-120"/>
-              </a:rPr>
-              <a:t>難</a:t>
+              <a:t>世上沒有任何困難</a:t>
             </a:r>
             <a:endParaRPr lang="en-US" altLang="zh-TW" sz="6400" b="1" dirty="0">
               <a:solidFill>
@@ -3488,17 +3421,7 @@
                 <a:latin typeface="微軟正黑體" pitchFamily="34" charset="-120"/>
                 <a:ea typeface="微軟正黑體" pitchFamily="34" charset="-120"/>
               </a:rPr>
-              <a:t>勝</a:t>
-            </a:r>
-            <a:r>
-              <a:rPr lang="zh-TW" altLang="en-US" sz="6400" b="1" dirty="0">
-                <a:solidFill>
-                  <a:srgbClr val="660033"/>
-                </a:solidFill>
-                <a:latin typeface="微軟正黑體" pitchFamily="34" charset="-120"/>
-                <a:ea typeface="微軟正黑體" pitchFamily="34" charset="-120"/>
-              </a:rPr>
-              <a:t>過耶穌的名</a:t>
+              <a:t>勝過耶穌的名</a:t>
             </a:r>
             <a:endParaRPr lang="en-US" altLang="zh-TW" sz="6400" b="1" dirty="0">
               <a:solidFill>
@@ -3635,37 +3558,7 @@
                 <a:latin typeface="微軟正黑體" pitchFamily="34" charset="-120"/>
                 <a:ea typeface="微軟正黑體" pitchFamily="34" charset="-120"/>
               </a:rPr>
-              <a:t>醫治能力  </a:t>
-            </a:r>
-            <a:r>
-              <a:rPr lang="zh-TW" altLang="en-US" sz="6400" b="1" dirty="0">
-                <a:solidFill>
-                  <a:srgbClr val="660033"/>
-                </a:solidFill>
-                <a:latin typeface="微軟正黑體" pitchFamily="34" charset="-120"/>
-                <a:ea typeface="微軟正黑體" pitchFamily="34" charset="-120"/>
-              </a:rPr>
-              <a:t> 救</a:t>
-            </a:r>
-            <a:r>
-              <a:rPr lang="zh-TW" altLang="en-US" sz="6400" b="1" dirty="0">
-                <a:solidFill>
-                  <a:srgbClr val="660033"/>
-                </a:solidFill>
-                <a:latin typeface="微軟正黑體" pitchFamily="34" charset="-120"/>
-                <a:ea typeface="微軟正黑體" pitchFamily="34" charset="-120"/>
-              </a:rPr>
-              <a:t>贖恩</a:t>
-            </a:r>
-            <a:r>
-              <a:rPr lang="zh-TW" altLang="en-US" sz="6400" b="1" dirty="0">
-                <a:solidFill>
-                  <a:srgbClr val="660033"/>
-                </a:solidFill>
-                <a:latin typeface="微軟正黑體" pitchFamily="34" charset="-120"/>
-                <a:ea typeface="微軟正黑體" pitchFamily="34" charset="-120"/>
-              </a:rPr>
-              <a:t>典</a:t>
+              <a:t>醫治能力   救贖恩典</a:t>
             </a:r>
             <a:endParaRPr lang="en-US" altLang="zh-TW" sz="6400" b="1" dirty="0">
               <a:solidFill>
@@ -3687,17 +3580,7 @@
                 <a:latin typeface="微軟正黑體" pitchFamily="34" charset="-120"/>
                 <a:ea typeface="微軟正黑體" pitchFamily="34" charset="-120"/>
               </a:rPr>
-              <a:t>都</a:t>
-            </a:r>
-            <a:r>
-              <a:rPr lang="zh-TW" altLang="en-US" sz="6400" b="1" dirty="0">
-                <a:solidFill>
-                  <a:srgbClr val="660033"/>
-                </a:solidFill>
-                <a:latin typeface="微軟正黑體" pitchFamily="34" charset="-120"/>
-                <a:ea typeface="微軟正黑體" pitchFamily="34" charset="-120"/>
-              </a:rPr>
-              <a:t>因耶穌的名</a:t>
+              <a:t>都因耶穌的名</a:t>
             </a:r>
             <a:endParaRPr lang="en-US" altLang="zh-TW" sz="6400" b="1" dirty="0">
               <a:solidFill>
@@ -3834,37 +3717,7 @@
                 <a:latin typeface="微軟正黑體" pitchFamily="34" charset="-120"/>
                 <a:ea typeface="微軟正黑體" pitchFamily="34" charset="-120"/>
               </a:rPr>
-              <a:t>營壘攻破  </a:t>
-            </a:r>
-            <a:r>
-              <a:rPr lang="zh-TW" altLang="en-US" sz="6400" b="1" dirty="0">
-                <a:solidFill>
-                  <a:srgbClr val="660033"/>
-                </a:solidFill>
-                <a:latin typeface="微軟正黑體" pitchFamily="34" charset="-120"/>
-                <a:ea typeface="微軟正黑體" pitchFamily="34" charset="-120"/>
-              </a:rPr>
-              <a:t> 爭</a:t>
-            </a:r>
-            <a:r>
-              <a:rPr lang="zh-TW" altLang="en-US" sz="6400" b="1" dirty="0">
-                <a:solidFill>
-                  <a:srgbClr val="660033"/>
-                </a:solidFill>
-                <a:latin typeface="微軟正黑體" pitchFamily="34" charset="-120"/>
-                <a:ea typeface="微軟正黑體" pitchFamily="34" charset="-120"/>
-              </a:rPr>
-              <a:t>戰得</a:t>
-            </a:r>
-            <a:r>
-              <a:rPr lang="zh-TW" altLang="en-US" sz="6400" b="1" dirty="0">
-                <a:solidFill>
-                  <a:srgbClr val="660033"/>
-                </a:solidFill>
-                <a:latin typeface="微軟正黑體" pitchFamily="34" charset="-120"/>
-                <a:ea typeface="微軟正黑體" pitchFamily="34" charset="-120"/>
-              </a:rPr>
-              <a:t>勝</a:t>
+              <a:t>營壘攻破   爭戰得勝</a:t>
             </a:r>
             <a:endParaRPr lang="en-US" altLang="zh-TW" sz="6400" b="1" dirty="0">
               <a:solidFill>
@@ -3886,17 +3739,7 @@
                 <a:latin typeface="微軟正黑體" pitchFamily="34" charset="-120"/>
                 <a:ea typeface="微軟正黑體" pitchFamily="34" charset="-120"/>
               </a:rPr>
-              <a:t>都</a:t>
-            </a:r>
-            <a:r>
-              <a:rPr lang="zh-TW" altLang="en-US" sz="6400" b="1" dirty="0">
-                <a:solidFill>
-                  <a:srgbClr val="660033"/>
-                </a:solidFill>
-                <a:latin typeface="微軟正黑體" pitchFamily="34" charset="-120"/>
-                <a:ea typeface="微軟正黑體" pitchFamily="34" charset="-120"/>
-              </a:rPr>
-              <a:t>因耶穌的名</a:t>
+              <a:t>都因耶穌的名</a:t>
             </a:r>
             <a:endParaRPr lang="en-US" altLang="zh-TW" sz="6400" b="1" dirty="0">
               <a:solidFill>
@@ -4033,35 +3876,18 @@
                 <a:latin typeface="微軟正黑體" pitchFamily="34" charset="-120"/>
                 <a:ea typeface="微軟正黑體" pitchFamily="34" charset="-120"/>
               </a:rPr>
-              <a:t>耶</a:t>
-            </a:r>
-            <a:r>
-              <a:rPr lang="zh-TW" altLang="en-US" sz="6400" b="1" dirty="0">
+              <a:t>耶穌  神的愛子</a:t>
+            </a:r>
+            <a:r>
+              <a:rPr lang="en-US" altLang="zh-TW" sz="6400" b="1" dirty="0">
                 <a:solidFill>
                   <a:srgbClr val="660033"/>
                 </a:solidFill>
                 <a:latin typeface="微軟正黑體" pitchFamily="34" charset="-120"/>
                 <a:ea typeface="微軟正黑體" pitchFamily="34" charset="-120"/>
               </a:rPr>
-              <a:t>穌  神的愛子</a:t>
-            </a:r>
-            <a:r>
-              <a:rPr lang="en-US" altLang="zh-TW" sz="6400" b="1" dirty="0">
-                <a:solidFill>
-                  <a:srgbClr val="660033"/>
-                </a:solidFill>
-                <a:latin typeface="微軟正黑體" pitchFamily="34" charset="-120"/>
-                <a:ea typeface="微軟正黑體" pitchFamily="34" charset="-120"/>
-              </a:rPr>
               <a:t>  </a:t>
             </a:r>
-            <a:endParaRPr lang="en-US" altLang="zh-TW" sz="6400" b="1" dirty="0">
-              <a:solidFill>
-                <a:srgbClr val="660033"/>
-              </a:solidFill>
-              <a:latin typeface="微軟正黑體" pitchFamily="34" charset="-120"/>
-              <a:ea typeface="微軟正黑體" pitchFamily="34" charset="-120"/>
-            </a:endParaRPr>
           </a:p>
           <a:p>
             <a:pPr marL="0" indent="0" algn="ctr">
@@ -4152,18 +3978,7 @@
                 <a:latin typeface="Microsoft JhengHei" panose="020B0604030504040204" pitchFamily="34" charset="-120"/>
                 <a:ea typeface="Microsoft JhengHei" panose="020B0604030504040204" pitchFamily="34" charset="-120"/>
               </a:rPr>
-              <a:t> </a:t>
-            </a:r>
-            <a:r>
-              <a:rPr lang="en-US" sz="4800" b="1" dirty="0">
-                <a:solidFill>
-                  <a:srgbClr val="660033"/>
-                </a:solidFill>
-                <a:effectLst/>
-                <a:latin typeface="Microsoft JhengHei" panose="020B0604030504040204" pitchFamily="34" charset="-120"/>
-                <a:ea typeface="Microsoft JhengHei" panose="020B0604030504040204" pitchFamily="34" charset="-120"/>
-              </a:rPr>
-              <a:t>)</a:t>
+              <a:t> )</a:t>
             </a:r>
             <a:endParaRPr lang="vi-VN" sz="4800" b="1" dirty="0">
               <a:solidFill>
@@ -4238,37 +4053,17 @@
                 <a:latin typeface="微軟正黑體" pitchFamily="34" charset="-120"/>
                 <a:ea typeface="微軟正黑體" pitchFamily="34" charset="-120"/>
               </a:rPr>
-              <a:t>能力  權柄  智</a:t>
-            </a:r>
-            <a:r>
-              <a:rPr lang="zh-TW" altLang="en-US" sz="6400" b="1" dirty="0">
+              <a:t>能力  權柄  智慧</a:t>
+            </a:r>
+            <a:r>
+              <a:rPr lang="en-US" altLang="zh-TW" sz="6400" b="1" dirty="0">
                 <a:solidFill>
                   <a:srgbClr val="660033"/>
                 </a:solidFill>
                 <a:latin typeface="微軟正黑體" pitchFamily="34" charset="-120"/>
                 <a:ea typeface="微軟正黑體" pitchFamily="34" charset="-120"/>
               </a:rPr>
-              <a:t>慧</a:t>
-            </a:r>
-            <a:r>
-              <a:rPr lang="en-US" altLang="zh-TW" sz="6400" b="1" dirty="0">
-                <a:solidFill>
-                  <a:srgbClr val="660033"/>
-                </a:solidFill>
-                <a:latin typeface="微軟正黑體" pitchFamily="34" charset="-120"/>
-                <a:ea typeface="微軟正黑體" pitchFamily="34" charset="-120"/>
-              </a:rPr>
-              <a:t> </a:t>
-            </a:r>
-            <a:r>
-              <a:rPr lang="en-US" altLang="zh-TW" sz="6400" b="1" dirty="0">
-                <a:solidFill>
-                  <a:srgbClr val="660033"/>
-                </a:solidFill>
-                <a:latin typeface="微軟正黑體" pitchFamily="34" charset="-120"/>
-                <a:ea typeface="微軟正黑體" pitchFamily="34" charset="-120"/>
-              </a:rPr>
-              <a:t> </a:t>
+              <a:t>  </a:t>
             </a:r>
             <a:r>
               <a:rPr lang="zh-TW" altLang="en-US" sz="6400" b="1" dirty="0">
@@ -4300,17 +4095,7 @@
                 <a:latin typeface="微軟正黑體" pitchFamily="34" charset="-120"/>
                 <a:ea typeface="微軟正黑體" pitchFamily="34" charset="-120"/>
               </a:rPr>
-              <a:t>遠</a:t>
-            </a:r>
-            <a:r>
-              <a:rPr lang="zh-TW" altLang="en-US" sz="6400" b="1" dirty="0">
-                <a:solidFill>
-                  <a:srgbClr val="660033"/>
-                </a:solidFill>
-                <a:latin typeface="微軟正黑體" pitchFamily="34" charset="-120"/>
-                <a:ea typeface="微軟正黑體" pitchFamily="34" charset="-120"/>
-              </a:rPr>
-              <a:t>超過全世界</a:t>
+              <a:t>遠超過全世界</a:t>
             </a:r>
             <a:endParaRPr lang="en-US" altLang="zh-TW" sz="6400" b="1" dirty="0">
               <a:solidFill>
@@ -4457,27 +4242,7 @@
                 <a:latin typeface="微軟正黑體" pitchFamily="34" charset="-120"/>
                 <a:ea typeface="微軟正黑體" pitchFamily="34" charset="-120"/>
               </a:rPr>
-              <a:t>耶穌的名  </a:t>
-            </a:r>
-            <a:r>
-              <a:rPr lang="zh-TW" altLang="en-US" sz="6400" b="1" dirty="0">
-                <a:solidFill>
-                  <a:srgbClr val="660033"/>
-                </a:solidFill>
-                <a:latin typeface="微軟正黑體" pitchFamily="34" charset="-120"/>
-                <a:ea typeface="微軟正黑體" pitchFamily="34" charset="-120"/>
-              </a:rPr>
-              <a:t> 超</a:t>
-            </a:r>
-            <a:r>
-              <a:rPr lang="zh-TW" altLang="en-US" sz="6400" b="1" dirty="0">
-                <a:solidFill>
-                  <a:srgbClr val="660033"/>
-                </a:solidFill>
-                <a:latin typeface="微軟正黑體" pitchFamily="34" charset="-120"/>
-                <a:ea typeface="微軟正黑體" pitchFamily="34" charset="-120"/>
-              </a:rPr>
-              <a:t>乎萬名</a:t>
+              <a:t>耶穌的名   超乎萬名</a:t>
             </a:r>
             <a:endParaRPr lang="en-US" altLang="zh-TW" sz="6400" b="1" dirty="0">
               <a:solidFill>
@@ -4575,18 +4340,7 @@
                 <a:latin typeface="Microsoft JhengHei" panose="020B0604030504040204" pitchFamily="34" charset="-120"/>
                 <a:ea typeface="Microsoft JhengHei" panose="020B0604030504040204" pitchFamily="34" charset="-120"/>
               </a:rPr>
-              <a:t> </a:t>
-            </a:r>
-            <a:r>
-              <a:rPr lang="en-US" sz="4800" b="1" dirty="0">
-                <a:solidFill>
-                  <a:srgbClr val="660033"/>
-                </a:solidFill>
-                <a:effectLst/>
-                <a:latin typeface="Microsoft JhengHei" panose="020B0604030504040204" pitchFamily="34" charset="-120"/>
-                <a:ea typeface="Microsoft JhengHei" panose="020B0604030504040204" pitchFamily="34" charset="-120"/>
-              </a:rPr>
-              <a:t>)</a:t>
+              <a:t> )</a:t>
             </a:r>
             <a:endParaRPr lang="vi-VN" sz="4800" b="1" dirty="0">
               <a:solidFill>
@@ -4661,27 +4415,7 @@
                 <a:latin typeface="微軟正黑體" pitchFamily="34" charset="-120"/>
                 <a:ea typeface="微軟正黑體" pitchFamily="34" charset="-120"/>
               </a:rPr>
-              <a:t>萬膝要跪拜  </a:t>
-            </a:r>
-            <a:r>
-              <a:rPr lang="zh-TW" altLang="en-US" sz="6400" b="1" dirty="0">
-                <a:solidFill>
-                  <a:srgbClr val="660033"/>
-                </a:solidFill>
-                <a:latin typeface="微軟正黑體" pitchFamily="34" charset="-120"/>
-                <a:ea typeface="微軟正黑體" pitchFamily="34" charset="-120"/>
-              </a:rPr>
-              <a:t> 萬</a:t>
-            </a:r>
-            <a:r>
-              <a:rPr lang="zh-TW" altLang="en-US" sz="6400" b="1" dirty="0">
-                <a:solidFill>
-                  <a:srgbClr val="660033"/>
-                </a:solidFill>
-                <a:latin typeface="微軟正黑體" pitchFamily="34" charset="-120"/>
-                <a:ea typeface="微軟正黑體" pitchFamily="34" charset="-120"/>
-              </a:rPr>
-              <a:t>口要承認</a:t>
+              <a:t>萬膝要跪拜   萬口要承認</a:t>
             </a:r>
             <a:endParaRPr lang="en-US" altLang="zh-TW" sz="6400" b="1" dirty="0">
               <a:solidFill>
@@ -4860,35 +4594,18 @@
                 <a:latin typeface="微軟正黑體" pitchFamily="34" charset="-120"/>
                 <a:ea typeface="微軟正黑體" pitchFamily="34" charset="-120"/>
               </a:rPr>
-              <a:t>耶</a:t>
-            </a:r>
-            <a:r>
-              <a:rPr lang="zh-TW" altLang="en-US" sz="6400" b="1" dirty="0">
+              <a:t>耶穌  神的愛子</a:t>
+            </a:r>
+            <a:r>
+              <a:rPr lang="en-US" altLang="zh-TW" sz="6400" b="1" dirty="0">
                 <a:solidFill>
                   <a:srgbClr val="660033"/>
                 </a:solidFill>
                 <a:latin typeface="微軟正黑體" pitchFamily="34" charset="-120"/>
                 <a:ea typeface="微軟正黑體" pitchFamily="34" charset="-120"/>
               </a:rPr>
-              <a:t>穌  神的愛子</a:t>
-            </a:r>
-            <a:r>
-              <a:rPr lang="en-US" altLang="zh-TW" sz="6400" b="1" dirty="0">
-                <a:solidFill>
-                  <a:srgbClr val="660033"/>
-                </a:solidFill>
-                <a:latin typeface="微軟正黑體" pitchFamily="34" charset="-120"/>
-                <a:ea typeface="微軟正黑體" pitchFamily="34" charset="-120"/>
-              </a:rPr>
               <a:t>  </a:t>
             </a:r>
-            <a:endParaRPr lang="en-US" altLang="zh-TW" sz="6400" b="1" dirty="0">
-              <a:solidFill>
-                <a:srgbClr val="660033"/>
-              </a:solidFill>
-              <a:latin typeface="微軟正黑體" pitchFamily="34" charset="-120"/>
-              <a:ea typeface="微軟正黑體" pitchFamily="34" charset="-120"/>
-            </a:endParaRPr>
           </a:p>
           <a:p>
             <a:pPr marL="0" indent="0" algn="ctr">
@@ -4979,18 +4696,7 @@
                 <a:latin typeface="Microsoft JhengHei" panose="020B0604030504040204" pitchFamily="34" charset="-120"/>
                 <a:ea typeface="Microsoft JhengHei" panose="020B0604030504040204" pitchFamily="34" charset="-120"/>
               </a:rPr>
-              <a:t> </a:t>
-            </a:r>
-            <a:r>
-              <a:rPr lang="en-US" sz="4800" b="1" dirty="0">
-                <a:solidFill>
-                  <a:srgbClr val="660033"/>
-                </a:solidFill>
-                <a:effectLst/>
-                <a:latin typeface="Microsoft JhengHei" panose="020B0604030504040204" pitchFamily="34" charset="-120"/>
-                <a:ea typeface="Microsoft JhengHei" panose="020B0604030504040204" pitchFamily="34" charset="-120"/>
-              </a:rPr>
-              <a:t>)</a:t>
+              <a:t> )</a:t>
             </a:r>
             <a:endParaRPr lang="vi-VN" sz="4800" b="1" dirty="0">
               <a:solidFill>
@@ -5254,27 +4960,7 @@
                 <a:latin typeface="微軟正黑體" pitchFamily="34" charset="-120"/>
                 <a:ea typeface="微軟正黑體" pitchFamily="34" charset="-120"/>
               </a:rPr>
-              <a:t>耶穌的名  </a:t>
-            </a:r>
-            <a:r>
-              <a:rPr lang="zh-TW" altLang="en-US" sz="6400" b="1" dirty="0">
-                <a:solidFill>
-                  <a:srgbClr val="660033"/>
-                </a:solidFill>
-                <a:latin typeface="微軟正黑體" pitchFamily="34" charset="-120"/>
-                <a:ea typeface="微軟正黑體" pitchFamily="34" charset="-120"/>
-              </a:rPr>
-              <a:t> 超</a:t>
-            </a:r>
-            <a:r>
-              <a:rPr lang="zh-TW" altLang="en-US" sz="6400" b="1" dirty="0">
-                <a:solidFill>
-                  <a:srgbClr val="660033"/>
-                </a:solidFill>
-                <a:latin typeface="微軟正黑體" pitchFamily="34" charset="-120"/>
-                <a:ea typeface="微軟正黑體" pitchFamily="34" charset="-120"/>
-              </a:rPr>
-              <a:t>乎萬名</a:t>
+              <a:t>耶穌的名   超乎萬名</a:t>
             </a:r>
             <a:endParaRPr lang="en-US" altLang="zh-TW" sz="6400" b="1" dirty="0">
               <a:solidFill>
@@ -5372,18 +5058,7 @@
                 <a:latin typeface="Microsoft JhengHei" panose="020B0604030504040204" pitchFamily="34" charset="-120"/>
                 <a:ea typeface="Microsoft JhengHei" panose="020B0604030504040204" pitchFamily="34" charset="-120"/>
               </a:rPr>
-              <a:t> </a:t>
-            </a:r>
-            <a:r>
-              <a:rPr lang="en-US" sz="4800" b="1" dirty="0">
-                <a:solidFill>
-                  <a:srgbClr val="660033"/>
-                </a:solidFill>
-                <a:effectLst/>
-                <a:latin typeface="Microsoft JhengHei" panose="020B0604030504040204" pitchFamily="34" charset="-120"/>
-                <a:ea typeface="Microsoft JhengHei" panose="020B0604030504040204" pitchFamily="34" charset="-120"/>
-              </a:rPr>
-              <a:t>)</a:t>
+              <a:t> )</a:t>
             </a:r>
             <a:endParaRPr lang="vi-VN" sz="4800" b="1" dirty="0">
               <a:solidFill>
@@ -5458,27 +5133,7 @@
                 <a:latin typeface="微軟正黑體" pitchFamily="34" charset="-120"/>
                 <a:ea typeface="微軟正黑體" pitchFamily="34" charset="-120"/>
               </a:rPr>
-              <a:t>萬膝要跪拜  </a:t>
-            </a:r>
-            <a:r>
-              <a:rPr lang="zh-TW" altLang="en-US" sz="6400" b="1" dirty="0">
-                <a:solidFill>
-                  <a:srgbClr val="660033"/>
-                </a:solidFill>
-                <a:latin typeface="微軟正黑體" pitchFamily="34" charset="-120"/>
-                <a:ea typeface="微軟正黑體" pitchFamily="34" charset="-120"/>
-              </a:rPr>
-              <a:t> 萬</a:t>
-            </a:r>
-            <a:r>
-              <a:rPr lang="zh-TW" altLang="en-US" sz="6400" b="1" dirty="0">
-                <a:solidFill>
-                  <a:srgbClr val="660033"/>
-                </a:solidFill>
-                <a:latin typeface="微軟正黑體" pitchFamily="34" charset="-120"/>
-                <a:ea typeface="微軟正黑體" pitchFamily="34" charset="-120"/>
-              </a:rPr>
-              <a:t>口要承認</a:t>
+              <a:t>萬膝要跪拜   萬口要承認</a:t>
             </a:r>
             <a:endParaRPr lang="en-US" altLang="zh-TW" sz="6400" b="1" dirty="0">
               <a:solidFill>

--- a/耶穌的名(崇拜版).pptx
+++ b/耶穌的名(崇拜版).pptx
@@ -305,7 +305,7 @@
           <a:p>
             <a:fld id="{31F39BAE-B3EB-4512-86AF-CC8D6D6296AE}" type="datetimeFigureOut">
               <a:rPr lang="vi-VN" smtClean="0"/>
-              <a:t>19/02/2022</a:t>
+              <a:t>15/04/2023</a:t>
             </a:fld>
             <a:endParaRPr lang="vi-VN"/>
           </a:p>
@@ -475,7 +475,7 @@
           <a:p>
             <a:fld id="{31F39BAE-B3EB-4512-86AF-CC8D6D6296AE}" type="datetimeFigureOut">
               <a:rPr lang="vi-VN" smtClean="0"/>
-              <a:t>19/02/2022</a:t>
+              <a:t>15/04/2023</a:t>
             </a:fld>
             <a:endParaRPr lang="vi-VN"/>
           </a:p>
@@ -655,7 +655,7 @@
           <a:p>
             <a:fld id="{31F39BAE-B3EB-4512-86AF-CC8D6D6296AE}" type="datetimeFigureOut">
               <a:rPr lang="vi-VN" smtClean="0"/>
-              <a:t>19/02/2022</a:t>
+              <a:t>15/04/2023</a:t>
             </a:fld>
             <a:endParaRPr lang="vi-VN"/>
           </a:p>
@@ -825,7 +825,7 @@
           <a:p>
             <a:fld id="{31F39BAE-B3EB-4512-86AF-CC8D6D6296AE}" type="datetimeFigureOut">
               <a:rPr lang="vi-VN" smtClean="0"/>
-              <a:t>19/02/2022</a:t>
+              <a:t>15/04/2023</a:t>
             </a:fld>
             <a:endParaRPr lang="vi-VN"/>
           </a:p>
@@ -1071,7 +1071,7 @@
           <a:p>
             <a:fld id="{31F39BAE-B3EB-4512-86AF-CC8D6D6296AE}" type="datetimeFigureOut">
               <a:rPr lang="vi-VN" smtClean="0"/>
-              <a:t>19/02/2022</a:t>
+              <a:t>15/04/2023</a:t>
             </a:fld>
             <a:endParaRPr lang="vi-VN"/>
           </a:p>
@@ -1359,7 +1359,7 @@
           <a:p>
             <a:fld id="{31F39BAE-B3EB-4512-86AF-CC8D6D6296AE}" type="datetimeFigureOut">
               <a:rPr lang="vi-VN" smtClean="0"/>
-              <a:t>19/02/2022</a:t>
+              <a:t>15/04/2023</a:t>
             </a:fld>
             <a:endParaRPr lang="vi-VN"/>
           </a:p>
@@ -1781,7 +1781,7 @@
           <a:p>
             <a:fld id="{31F39BAE-B3EB-4512-86AF-CC8D6D6296AE}" type="datetimeFigureOut">
               <a:rPr lang="vi-VN" smtClean="0"/>
-              <a:t>19/02/2022</a:t>
+              <a:t>15/04/2023</a:t>
             </a:fld>
             <a:endParaRPr lang="vi-VN"/>
           </a:p>
@@ -1899,7 +1899,7 @@
           <a:p>
             <a:fld id="{31F39BAE-B3EB-4512-86AF-CC8D6D6296AE}" type="datetimeFigureOut">
               <a:rPr lang="vi-VN" smtClean="0"/>
-              <a:t>19/02/2022</a:t>
+              <a:t>15/04/2023</a:t>
             </a:fld>
             <a:endParaRPr lang="vi-VN"/>
           </a:p>
@@ -1994,7 +1994,7 @@
           <a:p>
             <a:fld id="{31F39BAE-B3EB-4512-86AF-CC8D6D6296AE}" type="datetimeFigureOut">
               <a:rPr lang="vi-VN" smtClean="0"/>
-              <a:t>19/02/2022</a:t>
+              <a:t>15/04/2023</a:t>
             </a:fld>
             <a:endParaRPr lang="vi-VN"/>
           </a:p>
@@ -2271,7 +2271,7 @@
           <a:p>
             <a:fld id="{31F39BAE-B3EB-4512-86AF-CC8D6D6296AE}" type="datetimeFigureOut">
               <a:rPr lang="vi-VN" smtClean="0"/>
-              <a:t>19/02/2022</a:t>
+              <a:t>15/04/2023</a:t>
             </a:fld>
             <a:endParaRPr lang="vi-VN"/>
           </a:p>
@@ -2528,7 +2528,7 @@
           <a:p>
             <a:fld id="{31F39BAE-B3EB-4512-86AF-CC8D6D6296AE}" type="datetimeFigureOut">
               <a:rPr lang="vi-VN" smtClean="0"/>
-              <a:t>19/02/2022</a:t>
+              <a:t>15/04/2023</a:t>
             </a:fld>
             <a:endParaRPr lang="vi-VN"/>
           </a:p>
@@ -2746,7 +2746,7 @@
           <a:p>
             <a:fld id="{31F39BAE-B3EB-4512-86AF-CC8D6D6296AE}" type="datetimeFigureOut">
               <a:rPr lang="vi-VN" smtClean="0"/>
-              <a:t>19/02/2022</a:t>
+              <a:t>15/04/2023</a:t>
             </a:fld>
             <a:endParaRPr lang="vi-VN"/>
           </a:p>
@@ -3282,8 +3282,8 @@
         </p:nvSpPr>
         <p:spPr>
           <a:xfrm>
-            <a:off x="0" y="5268592"/>
-            <a:ext cx="12192000" cy="830997"/>
+            <a:off x="0" y="5330147"/>
+            <a:ext cx="12192000" cy="707886"/>
           </a:xfrm>
           <a:prstGeom prst="rect">
             <a:avLst/>
@@ -3298,7 +3298,7 @@
           <a:p>
             <a:pPr algn="ctr"/>
             <a:r>
-              <a:rPr lang="en-US" sz="4800" b="1" dirty="0">
+              <a:rPr lang="en-US" sz="4000" b="1" dirty="0">
                 <a:solidFill>
                   <a:srgbClr val="660033"/>
                 </a:solidFill>
@@ -3308,7 +3308,7 @@
               <a:t>( </a:t>
             </a:r>
             <a:r>
-              <a:rPr lang="zh-CN" altLang="en-US" sz="4800" b="1" dirty="0">
+              <a:rPr lang="zh-CN" altLang="en-US" sz="4000" b="1" dirty="0">
                 <a:solidFill>
                   <a:srgbClr val="660033"/>
                 </a:solidFill>
@@ -3318,7 +3318,7 @@
               <a:t>橋</a:t>
             </a:r>
             <a:r>
-              <a:rPr lang="en-US" sz="4800" b="1" dirty="0">
+              <a:rPr lang="en-US" sz="4000" b="1" dirty="0">
                 <a:solidFill>
                   <a:srgbClr val="660033"/>
                 </a:solidFill>
@@ -3327,10 +3327,11 @@
               </a:rPr>
               <a:t> )</a:t>
             </a:r>
-            <a:endParaRPr lang="vi-VN" sz="4800" b="1" dirty="0">
+            <a:endParaRPr lang="vi-VN" sz="4000" b="1" dirty="0">
               <a:solidFill>
                 <a:srgbClr val="660033"/>
               </a:solidFill>
+              <a:latin typeface="Microsoft JhengHei" panose="020B0604030504040204" pitchFamily="34" charset="-120"/>
               <a:ea typeface="Microsoft JhengHei" panose="020B0604030504040204" pitchFamily="34" charset="-120"/>
             </a:endParaRPr>
           </a:p>
@@ -3441,8 +3442,8 @@
         </p:nvSpPr>
         <p:spPr>
           <a:xfrm>
-            <a:off x="0" y="5268592"/>
-            <a:ext cx="12192000" cy="830997"/>
+            <a:off x="0" y="5330147"/>
+            <a:ext cx="12192000" cy="707886"/>
           </a:xfrm>
           <a:prstGeom prst="rect">
             <a:avLst/>
@@ -3457,7 +3458,7 @@
           <a:p>
             <a:pPr algn="ctr"/>
             <a:r>
-              <a:rPr lang="en-US" sz="4800" b="1" dirty="0">
+              <a:rPr lang="en-US" sz="4000" b="1" dirty="0">
                 <a:solidFill>
                   <a:srgbClr val="660033"/>
                 </a:solidFill>
@@ -3467,7 +3468,7 @@
               <a:t>( </a:t>
             </a:r>
             <a:r>
-              <a:rPr lang="zh-CN" altLang="en-US" sz="4800" b="1" dirty="0">
+              <a:rPr lang="zh-CN" altLang="en-US" sz="4000" b="1" dirty="0">
                 <a:solidFill>
                   <a:srgbClr val="660033"/>
                 </a:solidFill>
@@ -3477,7 +3478,7 @@
               <a:t>橋</a:t>
             </a:r>
             <a:r>
-              <a:rPr lang="en-US" sz="4800" b="1" dirty="0">
+              <a:rPr lang="en-US" sz="4000" b="1" dirty="0">
                 <a:solidFill>
                   <a:srgbClr val="660033"/>
                 </a:solidFill>
@@ -3486,10 +3487,11 @@
               </a:rPr>
               <a:t> )</a:t>
             </a:r>
-            <a:endParaRPr lang="vi-VN" sz="4800" b="1" dirty="0">
+            <a:endParaRPr lang="vi-VN" sz="4000" b="1" dirty="0">
               <a:solidFill>
                 <a:srgbClr val="660033"/>
               </a:solidFill>
+              <a:latin typeface="Microsoft JhengHei" panose="020B0604030504040204" pitchFamily="34" charset="-120"/>
               <a:ea typeface="Microsoft JhengHei" panose="020B0604030504040204" pitchFamily="34" charset="-120"/>
             </a:endParaRPr>
           </a:p>
@@ -3600,8 +3602,8 @@
         </p:nvSpPr>
         <p:spPr>
           <a:xfrm>
-            <a:off x="0" y="5268592"/>
-            <a:ext cx="12192000" cy="830997"/>
+            <a:off x="0" y="5330147"/>
+            <a:ext cx="12192000" cy="707886"/>
           </a:xfrm>
           <a:prstGeom prst="rect">
             <a:avLst/>
@@ -3616,7 +3618,7 @@
           <a:p>
             <a:pPr algn="ctr"/>
             <a:r>
-              <a:rPr lang="en-US" sz="4800" b="1" dirty="0">
+              <a:rPr lang="en-US" sz="4000" b="1" dirty="0">
                 <a:solidFill>
                   <a:srgbClr val="660033"/>
                 </a:solidFill>
@@ -3626,7 +3628,7 @@
               <a:t>( </a:t>
             </a:r>
             <a:r>
-              <a:rPr lang="zh-CN" altLang="en-US" sz="4800" b="1" dirty="0">
+              <a:rPr lang="zh-CN" altLang="en-US" sz="4000" b="1" dirty="0">
                 <a:solidFill>
                   <a:srgbClr val="660033"/>
                 </a:solidFill>
@@ -3636,7 +3638,7 @@
               <a:t>橋</a:t>
             </a:r>
             <a:r>
-              <a:rPr lang="en-US" sz="4800" b="1" dirty="0">
+              <a:rPr lang="en-US" sz="4000" b="1" dirty="0">
                 <a:solidFill>
                   <a:srgbClr val="660033"/>
                 </a:solidFill>
@@ -3645,10 +3647,11 @@
               </a:rPr>
               <a:t> )</a:t>
             </a:r>
-            <a:endParaRPr lang="vi-VN" sz="4800" b="1" dirty="0">
+            <a:endParaRPr lang="vi-VN" sz="4000" b="1" dirty="0">
               <a:solidFill>
                 <a:srgbClr val="660033"/>
               </a:solidFill>
+              <a:latin typeface="Microsoft JhengHei" panose="020B0604030504040204" pitchFamily="34" charset="-120"/>
               <a:ea typeface="Microsoft JhengHei" panose="020B0604030504040204" pitchFamily="34" charset="-120"/>
             </a:endParaRPr>
           </a:p>
@@ -3759,8 +3762,8 @@
         </p:nvSpPr>
         <p:spPr>
           <a:xfrm>
-            <a:off x="0" y="5268592"/>
-            <a:ext cx="12192000" cy="830997"/>
+            <a:off x="0" y="5330147"/>
+            <a:ext cx="12192000" cy="707886"/>
           </a:xfrm>
           <a:prstGeom prst="rect">
             <a:avLst/>
@@ -3775,7 +3778,7 @@
           <a:p>
             <a:pPr algn="ctr"/>
             <a:r>
-              <a:rPr lang="en-US" sz="4800" b="1" dirty="0">
+              <a:rPr lang="en-US" sz="4000" b="1" dirty="0">
                 <a:solidFill>
                   <a:srgbClr val="660033"/>
                 </a:solidFill>
@@ -3785,7 +3788,7 @@
               <a:t>( </a:t>
             </a:r>
             <a:r>
-              <a:rPr lang="zh-CN" altLang="en-US" sz="4800" b="1" dirty="0">
+              <a:rPr lang="zh-CN" altLang="en-US" sz="4000" b="1" dirty="0">
                 <a:solidFill>
                   <a:srgbClr val="660033"/>
                 </a:solidFill>
@@ -3795,7 +3798,7 @@
               <a:t>橋</a:t>
             </a:r>
             <a:r>
-              <a:rPr lang="en-US" sz="4800" b="1" dirty="0">
+              <a:rPr lang="en-US" sz="4000" b="1" dirty="0">
                 <a:solidFill>
                   <a:srgbClr val="660033"/>
                 </a:solidFill>
@@ -3804,10 +3807,11 @@
               </a:rPr>
               <a:t> )</a:t>
             </a:r>
-            <a:endParaRPr lang="vi-VN" sz="4800" b="1" dirty="0">
+            <a:endParaRPr lang="vi-VN" sz="4000" b="1" dirty="0">
               <a:solidFill>
                 <a:srgbClr val="660033"/>
               </a:solidFill>
+              <a:latin typeface="Microsoft JhengHei" panose="020B0604030504040204" pitchFamily="34" charset="-120"/>
               <a:ea typeface="Microsoft JhengHei" panose="020B0604030504040204" pitchFamily="34" charset="-120"/>
             </a:endParaRPr>
           </a:p>
@@ -3921,8 +3925,8 @@
         </p:nvSpPr>
         <p:spPr>
           <a:xfrm>
-            <a:off x="0" y="5268592"/>
-            <a:ext cx="12192000" cy="830997"/>
+            <a:off x="0" y="5330147"/>
+            <a:ext cx="12192000" cy="707886"/>
           </a:xfrm>
           <a:prstGeom prst="rect">
             <a:avLst/>
@@ -3937,7 +3941,7 @@
           <a:p>
             <a:pPr algn="ctr"/>
             <a:r>
-              <a:rPr lang="en-US" sz="4800" b="1" dirty="0">
+              <a:rPr lang="en-US" sz="4000" b="1" dirty="0">
                 <a:solidFill>
                   <a:srgbClr val="660033"/>
                 </a:solidFill>
@@ -3948,7 +3952,7 @@
               <a:t>( </a:t>
             </a:r>
             <a:r>
-              <a:rPr lang="zh-CN" altLang="en-US" sz="4800" b="1" dirty="0">
+              <a:rPr lang="zh-CN" altLang="en-US" sz="4000" b="1" dirty="0">
                 <a:solidFill>
                   <a:srgbClr val="660033"/>
                 </a:solidFill>
@@ -3959,7 +3963,7 @@
               <a:t>正</a:t>
             </a:r>
             <a:r>
-              <a:rPr lang="en-US" altLang="zh-CN" sz="4800" b="1" dirty="0">
+              <a:rPr lang="en-US" altLang="zh-CN" sz="4000" b="1" dirty="0">
                 <a:solidFill>
                   <a:srgbClr val="660033"/>
                 </a:solidFill>
@@ -3970,7 +3974,7 @@
               <a:t> 1</a:t>
             </a:r>
             <a:r>
-              <a:rPr lang="en-US" sz="4800" b="1" dirty="0">
+              <a:rPr lang="en-US" sz="4000" b="1" dirty="0">
                 <a:solidFill>
                   <a:srgbClr val="660033"/>
                 </a:solidFill>
@@ -3980,7 +3984,7 @@
               </a:rPr>
               <a:t> )</a:t>
             </a:r>
-            <a:endParaRPr lang="vi-VN" sz="4800" b="1" dirty="0">
+            <a:endParaRPr lang="vi-VN" sz="4000" b="1" dirty="0">
               <a:solidFill>
                 <a:srgbClr val="660033"/>
               </a:solidFill>
@@ -4115,8 +4119,8 @@
         </p:nvSpPr>
         <p:spPr>
           <a:xfrm>
-            <a:off x="0" y="5268592"/>
-            <a:ext cx="12192000" cy="830997"/>
+            <a:off x="0" y="5330147"/>
+            <a:ext cx="12192000" cy="707886"/>
           </a:xfrm>
           <a:prstGeom prst="rect">
             <a:avLst/>
@@ -4131,7 +4135,7 @@
           <a:p>
             <a:pPr algn="ctr"/>
             <a:r>
-              <a:rPr lang="en-US" sz="4800" b="1" dirty="0">
+              <a:rPr lang="en-US" sz="4000" b="1" dirty="0">
                 <a:solidFill>
                   <a:srgbClr val="660033"/>
                 </a:solidFill>
@@ -4141,7 +4145,7 @@
               <a:t>( </a:t>
             </a:r>
             <a:r>
-              <a:rPr lang="zh-CN" altLang="en-US" sz="4800" b="1" dirty="0">
+              <a:rPr lang="zh-CN" altLang="en-US" sz="4000" b="1" dirty="0">
                 <a:solidFill>
                   <a:srgbClr val="660033"/>
                 </a:solidFill>
@@ -4151,7 +4155,7 @@
               <a:t>正</a:t>
             </a:r>
             <a:r>
-              <a:rPr lang="en-US" altLang="zh-CN" sz="4800" b="1" dirty="0">
+              <a:rPr lang="en-US" altLang="zh-CN" sz="4000" b="1" dirty="0">
                 <a:solidFill>
                   <a:srgbClr val="660033"/>
                 </a:solidFill>
@@ -4161,7 +4165,7 @@
               <a:t> 1</a:t>
             </a:r>
             <a:r>
-              <a:rPr lang="en-US" sz="4800" b="1" dirty="0">
+              <a:rPr lang="en-US" sz="4000" b="1" dirty="0">
                 <a:solidFill>
                   <a:srgbClr val="660033"/>
                 </a:solidFill>
@@ -4170,10 +4174,11 @@
               </a:rPr>
               <a:t> )</a:t>
             </a:r>
-            <a:endParaRPr lang="vi-VN" sz="4800" b="1" dirty="0">
+            <a:endParaRPr lang="vi-VN" sz="4000" b="1" dirty="0">
               <a:solidFill>
                 <a:srgbClr val="660033"/>
               </a:solidFill>
+              <a:latin typeface="Microsoft JhengHei" panose="020B0604030504040204" pitchFamily="34" charset="-120"/>
               <a:ea typeface="Microsoft JhengHei" panose="020B0604030504040204" pitchFamily="34" charset="-120"/>
             </a:endParaRPr>
           </a:p>
@@ -4264,17 +4269,27 @@
                 <a:latin typeface="微軟正黑體" pitchFamily="34" charset="-120"/>
                 <a:ea typeface="微軟正黑體" pitchFamily="34" charset="-120"/>
               </a:rPr>
-              <a:t>榮耀尊貴都歸於</a:t>
-            </a:r>
-            <a:r>
-              <a:rPr lang="zh-CN" altLang="en-US" sz="6400" b="1" dirty="0">
+              <a:t>榮耀尊貴都歸</a:t>
+            </a:r>
+            <a:r>
+              <a:rPr lang="zh-TW" altLang="en-US" sz="6400" b="1" dirty="0" smtClean="0">
                 <a:solidFill>
                   <a:srgbClr val="660033"/>
                 </a:solidFill>
                 <a:latin typeface="微軟正黑體" pitchFamily="34" charset="-120"/>
                 <a:ea typeface="微軟正黑體" pitchFamily="34" charset="-120"/>
               </a:rPr>
-              <a:t>袮</a:t>
+              <a:t>於</a:t>
+            </a:r>
+            <a:r>
+              <a:rPr lang="zh-CN" altLang="en-US" sz="6400" b="1" dirty="0">
+                <a:solidFill>
+                  <a:srgbClr val="660033"/>
+                </a:solidFill>
+                <a:latin typeface="微軟正黑體" pitchFamily="34" charset="-120"/>
+                <a:ea typeface="微軟正黑體" pitchFamily="34" charset="-120"/>
+              </a:rPr>
+              <a:t>祢</a:t>
             </a:r>
             <a:endParaRPr lang="en-US" altLang="zh-TW" sz="6400" b="1" dirty="0">
               <a:solidFill>
@@ -4294,8 +4309,8 @@
         </p:nvSpPr>
         <p:spPr>
           <a:xfrm>
-            <a:off x="0" y="5268592"/>
-            <a:ext cx="12192000" cy="830997"/>
+            <a:off x="0" y="5330147"/>
+            <a:ext cx="12192000" cy="707886"/>
           </a:xfrm>
           <a:prstGeom prst="rect">
             <a:avLst/>
@@ -4310,43 +4325,40 @@
           <a:p>
             <a:pPr algn="ctr"/>
             <a:r>
-              <a:rPr lang="en-US" sz="4800" b="1" dirty="0">
-                <a:solidFill>
-                  <a:srgbClr val="660033"/>
-                </a:solidFill>
-                <a:effectLst/>
+              <a:rPr lang="en-US" sz="4000" b="1" dirty="0">
+                <a:solidFill>
+                  <a:srgbClr val="660033"/>
+                </a:solidFill>
                 <a:latin typeface="Microsoft JhengHei" panose="020B0604030504040204" pitchFamily="34" charset="-120"/>
                 <a:ea typeface="Microsoft JhengHei" panose="020B0604030504040204" pitchFamily="34" charset="-120"/>
               </a:rPr>
               <a:t>( </a:t>
             </a:r>
             <a:r>
-              <a:rPr lang="zh-CN" altLang="en-US" sz="4800" b="1" dirty="0">
-                <a:solidFill>
-                  <a:srgbClr val="660033"/>
-                </a:solidFill>
-                <a:effectLst/>
+              <a:rPr lang="zh-CN" altLang="en-US" sz="4000" b="1" dirty="0">
+                <a:solidFill>
+                  <a:srgbClr val="660033"/>
+                </a:solidFill>
                 <a:latin typeface="Microsoft JhengHei" panose="020B0604030504040204" pitchFamily="34" charset="-120"/>
                 <a:ea typeface="Microsoft JhengHei" panose="020B0604030504040204" pitchFamily="34" charset="-120"/>
               </a:rPr>
               <a:t>副</a:t>
             </a:r>
             <a:r>
-              <a:rPr lang="en-US" sz="4800" b="1" dirty="0">
-                <a:solidFill>
-                  <a:srgbClr val="660033"/>
-                </a:solidFill>
-                <a:effectLst/>
+              <a:rPr lang="en-US" sz="4000" b="1" dirty="0">
+                <a:solidFill>
+                  <a:srgbClr val="660033"/>
+                </a:solidFill>
                 <a:latin typeface="Microsoft JhengHei" panose="020B0604030504040204" pitchFamily="34" charset="-120"/>
                 <a:ea typeface="Microsoft JhengHei" panose="020B0604030504040204" pitchFamily="34" charset="-120"/>
               </a:rPr>
               <a:t> )</a:t>
             </a:r>
-            <a:endParaRPr lang="vi-VN" sz="4800" b="1" dirty="0">
+            <a:endParaRPr lang="vi-VN" sz="4000" b="1" dirty="0">
               <a:solidFill>
                 <a:srgbClr val="660033"/>
               </a:solidFill>
-              <a:effectLst/>
+              <a:latin typeface="Microsoft JhengHei" panose="020B0604030504040204" pitchFamily="34" charset="-120"/>
               <a:ea typeface="Microsoft JhengHei" panose="020B0604030504040204" pitchFamily="34" charset="-120"/>
             </a:endParaRPr>
           </a:p>
@@ -4437,27 +4449,47 @@
                 <a:latin typeface="微軟正黑體" pitchFamily="34" charset="-120"/>
                 <a:ea typeface="微軟正黑體" pitchFamily="34" charset="-120"/>
               </a:rPr>
-              <a:t>耶穌我敬拜</a:t>
-            </a:r>
-            <a:r>
-              <a:rPr lang="zh-CN" altLang="en-US" sz="6400" b="1" dirty="0">
+              <a:t>耶穌我敬</a:t>
+            </a:r>
+            <a:r>
+              <a:rPr lang="zh-TW" altLang="en-US" sz="6400" b="1" dirty="0" smtClean="0">
                 <a:solidFill>
                   <a:srgbClr val="660033"/>
                 </a:solidFill>
                 <a:latin typeface="微軟正黑體" pitchFamily="34" charset="-120"/>
                 <a:ea typeface="微軟正黑體" pitchFamily="34" charset="-120"/>
               </a:rPr>
-              <a:t>袮</a:t>
-            </a:r>
-            <a:r>
-              <a:rPr lang="zh-TW" altLang="en-US" sz="6400" b="1" dirty="0">
+              <a:t>拜</a:t>
+            </a:r>
+            <a:r>
+              <a:rPr lang="zh-CN" altLang="en-US" sz="6400" b="1" dirty="0">
                 <a:solidFill>
                   <a:srgbClr val="660033"/>
                 </a:solidFill>
                 <a:latin typeface="微軟正黑體" pitchFamily="34" charset="-120"/>
                 <a:ea typeface="微軟正黑體" pitchFamily="34" charset="-120"/>
               </a:rPr>
-              <a:t>到永遠</a:t>
+              <a:t>祢</a:t>
+            </a:r>
+            <a:r>
+              <a:rPr lang="zh-TW" altLang="en-US" sz="6400" b="1" dirty="0" smtClean="0">
+                <a:solidFill>
+                  <a:srgbClr val="660033"/>
+                </a:solidFill>
+                <a:latin typeface="微軟正黑體" pitchFamily="34" charset="-120"/>
+                <a:ea typeface="微軟正黑體" pitchFamily="34" charset="-120"/>
+              </a:rPr>
+              <a:t>到</a:t>
+            </a:r>
+            <a:r>
+              <a:rPr lang="zh-TW" altLang="en-US" sz="6400" b="1" dirty="0">
+                <a:solidFill>
+                  <a:srgbClr val="660033"/>
+                </a:solidFill>
+                <a:latin typeface="微軟正黑體" pitchFamily="34" charset="-120"/>
+                <a:ea typeface="微軟正黑體" pitchFamily="34" charset="-120"/>
+              </a:rPr>
+              <a:t>永遠</a:t>
             </a:r>
             <a:endParaRPr lang="en-US" altLang="zh-TW" sz="6400" b="1" dirty="0">
               <a:solidFill>
@@ -4477,8 +4509,8 @@
         </p:nvSpPr>
         <p:spPr>
           <a:xfrm>
-            <a:off x="0" y="5268592"/>
-            <a:ext cx="12192000" cy="830997"/>
+            <a:off x="0" y="5330147"/>
+            <a:ext cx="12192000" cy="707886"/>
           </a:xfrm>
           <a:prstGeom prst="rect">
             <a:avLst/>
@@ -4493,7 +4525,7 @@
           <a:p>
             <a:pPr algn="ctr"/>
             <a:r>
-              <a:rPr lang="en-US" sz="4800" b="1" dirty="0">
+              <a:rPr lang="en-US" sz="4000" b="1" dirty="0">
                 <a:solidFill>
                   <a:srgbClr val="660033"/>
                 </a:solidFill>
@@ -4503,7 +4535,7 @@
               <a:t>( </a:t>
             </a:r>
             <a:r>
-              <a:rPr lang="zh-CN" altLang="en-US" sz="4800" b="1" dirty="0">
+              <a:rPr lang="zh-CN" altLang="en-US" sz="4000" b="1" dirty="0">
                 <a:solidFill>
                   <a:srgbClr val="660033"/>
                 </a:solidFill>
@@ -4513,7 +4545,7 @@
               <a:t>副</a:t>
             </a:r>
             <a:r>
-              <a:rPr lang="en-US" sz="4800" b="1" dirty="0">
+              <a:rPr lang="en-US" sz="4000" b="1" dirty="0">
                 <a:solidFill>
                   <a:srgbClr val="660033"/>
                 </a:solidFill>
@@ -4522,10 +4554,11 @@
               </a:rPr>
               <a:t> )</a:t>
             </a:r>
-            <a:endParaRPr lang="vi-VN" sz="4800" b="1" dirty="0">
+            <a:endParaRPr lang="vi-VN" sz="4000" b="1" dirty="0">
               <a:solidFill>
                 <a:srgbClr val="660033"/>
               </a:solidFill>
+              <a:latin typeface="Microsoft JhengHei" panose="020B0604030504040204" pitchFamily="34" charset="-120"/>
               <a:ea typeface="Microsoft JhengHei" panose="020B0604030504040204" pitchFamily="34" charset="-120"/>
             </a:endParaRPr>
           </a:p>
@@ -4639,8 +4672,8 @@
         </p:nvSpPr>
         <p:spPr>
           <a:xfrm>
-            <a:off x="0" y="5268592"/>
-            <a:ext cx="12192000" cy="830997"/>
+            <a:off x="0" y="5330147"/>
+            <a:ext cx="12192000" cy="707886"/>
           </a:xfrm>
           <a:prstGeom prst="rect">
             <a:avLst/>
@@ -4655,54 +4688,50 @@
           <a:p>
             <a:pPr algn="ctr"/>
             <a:r>
-              <a:rPr lang="en-US" sz="4800" b="1" dirty="0">
-                <a:solidFill>
-                  <a:srgbClr val="660033"/>
-                </a:solidFill>
-                <a:effectLst/>
+              <a:rPr lang="en-US" sz="4000" b="1" dirty="0">
+                <a:solidFill>
+                  <a:srgbClr val="660033"/>
+                </a:solidFill>
                 <a:latin typeface="Microsoft JhengHei" panose="020B0604030504040204" pitchFamily="34" charset="-120"/>
                 <a:ea typeface="Microsoft JhengHei" panose="020B0604030504040204" pitchFamily="34" charset="-120"/>
               </a:rPr>
               <a:t>( </a:t>
             </a:r>
             <a:r>
-              <a:rPr lang="zh-CN" altLang="en-US" sz="4800" b="1" dirty="0">
-                <a:solidFill>
-                  <a:srgbClr val="660033"/>
-                </a:solidFill>
-                <a:effectLst/>
+              <a:rPr lang="zh-CN" altLang="en-US" sz="4000" b="1" dirty="0">
+                <a:solidFill>
+                  <a:srgbClr val="660033"/>
+                </a:solidFill>
                 <a:latin typeface="Microsoft JhengHei" panose="020B0604030504040204" pitchFamily="34" charset="-120"/>
                 <a:ea typeface="Microsoft JhengHei" panose="020B0604030504040204" pitchFamily="34" charset="-120"/>
               </a:rPr>
               <a:t>正</a:t>
             </a:r>
             <a:r>
-              <a:rPr lang="en-US" altLang="zh-CN" sz="4800" b="1" dirty="0">
-                <a:solidFill>
-                  <a:srgbClr val="660033"/>
-                </a:solidFill>
-                <a:effectLst/>
+              <a:rPr lang="en-US" altLang="zh-CN" sz="4000" b="1" dirty="0">
+                <a:solidFill>
+                  <a:srgbClr val="660033"/>
+                </a:solidFill>
                 <a:latin typeface="Microsoft JhengHei" panose="020B0604030504040204" pitchFamily="34" charset="-120"/>
                 <a:ea typeface="Microsoft JhengHei" panose="020B0604030504040204" pitchFamily="34" charset="-120"/>
               </a:rPr>
               <a:t> 2</a:t>
             </a:r>
             <a:r>
-              <a:rPr lang="en-US" sz="4800" b="1" dirty="0">
-                <a:solidFill>
-                  <a:srgbClr val="660033"/>
-                </a:solidFill>
-                <a:effectLst/>
+              <a:rPr lang="en-US" sz="4000" b="1" dirty="0">
+                <a:solidFill>
+                  <a:srgbClr val="660033"/>
+                </a:solidFill>
                 <a:latin typeface="Microsoft JhengHei" panose="020B0604030504040204" pitchFamily="34" charset="-120"/>
                 <a:ea typeface="Microsoft JhengHei" panose="020B0604030504040204" pitchFamily="34" charset="-120"/>
               </a:rPr>
               <a:t> )</a:t>
             </a:r>
-            <a:endParaRPr lang="vi-VN" sz="4800" b="1" dirty="0">
+            <a:endParaRPr lang="vi-VN" sz="4000" b="1" dirty="0">
               <a:solidFill>
                 <a:srgbClr val="660033"/>
               </a:solidFill>
-              <a:effectLst/>
+              <a:latin typeface="Microsoft JhengHei" panose="020B0604030504040204" pitchFamily="34" charset="-120"/>
               <a:ea typeface="Microsoft JhengHei" panose="020B0604030504040204" pitchFamily="34" charset="-120"/>
             </a:endParaRPr>
           </a:p>
@@ -4771,27 +4800,47 @@
                 <a:latin typeface="微軟正黑體" pitchFamily="34" charset="-120"/>
                 <a:ea typeface="微軟正黑體" pitchFamily="34" charset="-120"/>
               </a:rPr>
-              <a:t>萬有俯伏在</a:t>
-            </a:r>
-            <a:r>
-              <a:rPr lang="zh-CN" altLang="en-US" sz="6400" b="1" dirty="0">
+              <a:t>萬有俯伏</a:t>
+            </a:r>
+            <a:r>
+              <a:rPr lang="zh-TW" altLang="en-US" sz="6400" b="1" dirty="0" smtClean="0">
                 <a:solidFill>
                   <a:srgbClr val="660033"/>
                 </a:solidFill>
                 <a:latin typeface="微軟正黑體" pitchFamily="34" charset="-120"/>
                 <a:ea typeface="微軟正黑體" pitchFamily="34" charset="-120"/>
               </a:rPr>
-              <a:t>袮</a:t>
-            </a:r>
-            <a:r>
-              <a:rPr lang="zh-TW" altLang="en-US" sz="6400" b="1" dirty="0">
+              <a:t>在</a:t>
+            </a:r>
+            <a:r>
+              <a:rPr lang="zh-CN" altLang="en-US" sz="6400" b="1" dirty="0">
                 <a:solidFill>
                   <a:srgbClr val="660033"/>
                 </a:solidFill>
                 <a:latin typeface="微軟正黑體" pitchFamily="34" charset="-120"/>
                 <a:ea typeface="微軟正黑體" pitchFamily="34" charset="-120"/>
               </a:rPr>
-              <a:t>腳前</a:t>
+              <a:t>祢</a:t>
+            </a:r>
+            <a:r>
+              <a:rPr lang="zh-TW" altLang="en-US" sz="6400" b="1" dirty="0" smtClean="0">
+                <a:solidFill>
+                  <a:srgbClr val="660033"/>
+                </a:solidFill>
+                <a:latin typeface="微軟正黑體" pitchFamily="34" charset="-120"/>
+                <a:ea typeface="微軟正黑體" pitchFamily="34" charset="-120"/>
+              </a:rPr>
+              <a:t>腳</a:t>
+            </a:r>
+            <a:r>
+              <a:rPr lang="zh-TW" altLang="en-US" sz="6400" b="1" dirty="0">
+                <a:solidFill>
+                  <a:srgbClr val="660033"/>
+                </a:solidFill>
+                <a:latin typeface="微軟正黑體" pitchFamily="34" charset="-120"/>
+                <a:ea typeface="微軟正黑體" pitchFamily="34" charset="-120"/>
+              </a:rPr>
+              <a:t>前</a:t>
             </a:r>
             <a:endParaRPr lang="en-US" altLang="zh-TW" sz="6400" b="1" dirty="0">
               <a:solidFill>
@@ -4833,8 +4882,8 @@
         </p:nvSpPr>
         <p:spPr>
           <a:xfrm>
-            <a:off x="0" y="5268592"/>
-            <a:ext cx="12192000" cy="830997"/>
+            <a:off x="0" y="5330147"/>
+            <a:ext cx="12192000" cy="707886"/>
           </a:xfrm>
           <a:prstGeom prst="rect">
             <a:avLst/>
@@ -4849,7 +4898,7 @@
           <a:p>
             <a:pPr algn="ctr"/>
             <a:r>
-              <a:rPr lang="en-US" sz="4800" b="1" dirty="0">
+              <a:rPr lang="en-US" sz="4000" b="1" dirty="0">
                 <a:solidFill>
                   <a:srgbClr val="660033"/>
                 </a:solidFill>
@@ -4859,7 +4908,7 @@
               <a:t>( </a:t>
             </a:r>
             <a:r>
-              <a:rPr lang="zh-CN" altLang="en-US" sz="4800" b="1" dirty="0">
+              <a:rPr lang="zh-CN" altLang="en-US" sz="4000" b="1" dirty="0">
                 <a:solidFill>
                   <a:srgbClr val="660033"/>
                 </a:solidFill>
@@ -4869,7 +4918,7 @@
               <a:t>正</a:t>
             </a:r>
             <a:r>
-              <a:rPr lang="en-US" altLang="zh-CN" sz="4800" b="1" dirty="0">
+              <a:rPr lang="en-US" altLang="zh-CN" sz="4000" b="1" dirty="0">
                 <a:solidFill>
                   <a:srgbClr val="660033"/>
                 </a:solidFill>
@@ -4879,7 +4928,7 @@
               <a:t> 2</a:t>
             </a:r>
             <a:r>
-              <a:rPr lang="en-US" sz="4800" b="1" dirty="0">
+              <a:rPr lang="en-US" sz="4000" b="1" dirty="0">
                 <a:solidFill>
                   <a:srgbClr val="660033"/>
                 </a:solidFill>
@@ -4888,10 +4937,11 @@
               </a:rPr>
               <a:t> )</a:t>
             </a:r>
-            <a:endParaRPr lang="vi-VN" sz="4800" b="1" dirty="0">
+            <a:endParaRPr lang="vi-VN" sz="4000" b="1" dirty="0">
               <a:solidFill>
                 <a:srgbClr val="660033"/>
               </a:solidFill>
+              <a:latin typeface="Microsoft JhengHei" panose="020B0604030504040204" pitchFamily="34" charset="-120"/>
               <a:ea typeface="Microsoft JhengHei" panose="020B0604030504040204" pitchFamily="34" charset="-120"/>
             </a:endParaRPr>
           </a:p>
@@ -4982,17 +5032,27 @@
                 <a:latin typeface="微軟正黑體" pitchFamily="34" charset="-120"/>
                 <a:ea typeface="微軟正黑體" pitchFamily="34" charset="-120"/>
               </a:rPr>
-              <a:t>榮耀尊貴都歸於</a:t>
-            </a:r>
-            <a:r>
-              <a:rPr lang="zh-CN" altLang="en-US" sz="6400" b="1" dirty="0">
+              <a:t>榮耀尊貴都歸</a:t>
+            </a:r>
+            <a:r>
+              <a:rPr lang="zh-TW" altLang="en-US" sz="6400" b="1" dirty="0" smtClean="0">
                 <a:solidFill>
                   <a:srgbClr val="660033"/>
                 </a:solidFill>
                 <a:latin typeface="微軟正黑體" pitchFamily="34" charset="-120"/>
                 <a:ea typeface="微軟正黑體" pitchFamily="34" charset="-120"/>
               </a:rPr>
-              <a:t>袮</a:t>
+              <a:t>於</a:t>
+            </a:r>
+            <a:r>
+              <a:rPr lang="zh-CN" altLang="en-US" sz="6400" b="1" dirty="0">
+                <a:solidFill>
+                  <a:srgbClr val="660033"/>
+                </a:solidFill>
+                <a:latin typeface="微軟正黑體" pitchFamily="34" charset="-120"/>
+                <a:ea typeface="微軟正黑體" pitchFamily="34" charset="-120"/>
+              </a:rPr>
+              <a:t>祢</a:t>
             </a:r>
             <a:endParaRPr lang="en-US" altLang="zh-TW" sz="6400" b="1" dirty="0">
               <a:solidFill>
@@ -5012,8 +5072,8 @@
         </p:nvSpPr>
         <p:spPr>
           <a:xfrm>
-            <a:off x="0" y="5268592"/>
-            <a:ext cx="12192000" cy="830997"/>
+            <a:off x="0" y="5330147"/>
+            <a:ext cx="12192000" cy="707886"/>
           </a:xfrm>
           <a:prstGeom prst="rect">
             <a:avLst/>
@@ -5028,43 +5088,40 @@
           <a:p>
             <a:pPr algn="ctr"/>
             <a:r>
-              <a:rPr lang="en-US" sz="4800" b="1" dirty="0">
-                <a:solidFill>
-                  <a:srgbClr val="660033"/>
-                </a:solidFill>
-                <a:effectLst/>
+              <a:rPr lang="en-US" sz="4000" b="1" dirty="0">
+                <a:solidFill>
+                  <a:srgbClr val="660033"/>
+                </a:solidFill>
                 <a:latin typeface="Microsoft JhengHei" panose="020B0604030504040204" pitchFamily="34" charset="-120"/>
                 <a:ea typeface="Microsoft JhengHei" panose="020B0604030504040204" pitchFamily="34" charset="-120"/>
               </a:rPr>
               <a:t>( </a:t>
             </a:r>
             <a:r>
-              <a:rPr lang="zh-CN" altLang="en-US" sz="4800" b="1" dirty="0">
-                <a:solidFill>
-                  <a:srgbClr val="660033"/>
-                </a:solidFill>
-                <a:effectLst/>
+              <a:rPr lang="zh-CN" altLang="en-US" sz="4000" b="1" dirty="0">
+                <a:solidFill>
+                  <a:srgbClr val="660033"/>
+                </a:solidFill>
                 <a:latin typeface="Microsoft JhengHei" panose="020B0604030504040204" pitchFamily="34" charset="-120"/>
                 <a:ea typeface="Microsoft JhengHei" panose="020B0604030504040204" pitchFamily="34" charset="-120"/>
               </a:rPr>
               <a:t>副</a:t>
             </a:r>
             <a:r>
-              <a:rPr lang="en-US" sz="4800" b="1" dirty="0">
-                <a:solidFill>
-                  <a:srgbClr val="660033"/>
-                </a:solidFill>
-                <a:effectLst/>
+              <a:rPr lang="en-US" sz="4000" b="1" dirty="0">
+                <a:solidFill>
+                  <a:srgbClr val="660033"/>
+                </a:solidFill>
                 <a:latin typeface="Microsoft JhengHei" panose="020B0604030504040204" pitchFamily="34" charset="-120"/>
                 <a:ea typeface="Microsoft JhengHei" panose="020B0604030504040204" pitchFamily="34" charset="-120"/>
               </a:rPr>
               <a:t> )</a:t>
             </a:r>
-            <a:endParaRPr lang="vi-VN" sz="4800" b="1" dirty="0">
+            <a:endParaRPr lang="vi-VN" sz="4000" b="1" dirty="0">
               <a:solidFill>
                 <a:srgbClr val="660033"/>
               </a:solidFill>
-              <a:effectLst/>
+              <a:latin typeface="Microsoft JhengHei" panose="020B0604030504040204" pitchFamily="34" charset="-120"/>
               <a:ea typeface="Microsoft JhengHei" panose="020B0604030504040204" pitchFamily="34" charset="-120"/>
             </a:endParaRPr>
           </a:p>
@@ -5155,27 +5212,47 @@
                 <a:latin typeface="微軟正黑體" pitchFamily="34" charset="-120"/>
                 <a:ea typeface="微軟正黑體" pitchFamily="34" charset="-120"/>
               </a:rPr>
-              <a:t>耶穌我敬拜</a:t>
-            </a:r>
-            <a:r>
-              <a:rPr lang="zh-CN" altLang="en-US" sz="6400" b="1" dirty="0">
+              <a:t>耶穌我敬</a:t>
+            </a:r>
+            <a:r>
+              <a:rPr lang="zh-TW" altLang="en-US" sz="6400" b="1" dirty="0" smtClean="0">
                 <a:solidFill>
                   <a:srgbClr val="660033"/>
                 </a:solidFill>
                 <a:latin typeface="微軟正黑體" pitchFamily="34" charset="-120"/>
                 <a:ea typeface="微軟正黑體" pitchFamily="34" charset="-120"/>
               </a:rPr>
-              <a:t>袮</a:t>
-            </a:r>
-            <a:r>
-              <a:rPr lang="zh-TW" altLang="en-US" sz="6400" b="1" dirty="0">
+              <a:t>拜</a:t>
+            </a:r>
+            <a:r>
+              <a:rPr lang="zh-CN" altLang="en-US" sz="6400" b="1" dirty="0">
                 <a:solidFill>
                   <a:srgbClr val="660033"/>
                 </a:solidFill>
                 <a:latin typeface="微軟正黑體" pitchFamily="34" charset="-120"/>
                 <a:ea typeface="微軟正黑體" pitchFamily="34" charset="-120"/>
               </a:rPr>
-              <a:t>到永遠</a:t>
+              <a:t>祢</a:t>
+            </a:r>
+            <a:r>
+              <a:rPr lang="zh-TW" altLang="en-US" sz="6400" b="1" dirty="0" smtClean="0">
+                <a:solidFill>
+                  <a:srgbClr val="660033"/>
+                </a:solidFill>
+                <a:latin typeface="微軟正黑體" pitchFamily="34" charset="-120"/>
+                <a:ea typeface="微軟正黑體" pitchFamily="34" charset="-120"/>
+              </a:rPr>
+              <a:t>到</a:t>
+            </a:r>
+            <a:r>
+              <a:rPr lang="zh-TW" altLang="en-US" sz="6400" b="1" dirty="0">
+                <a:solidFill>
+                  <a:srgbClr val="660033"/>
+                </a:solidFill>
+                <a:latin typeface="微軟正黑體" pitchFamily="34" charset="-120"/>
+                <a:ea typeface="微軟正黑體" pitchFamily="34" charset="-120"/>
+              </a:rPr>
+              <a:t>永遠</a:t>
             </a:r>
             <a:endParaRPr lang="en-US" altLang="zh-TW" sz="6400" b="1" dirty="0">
               <a:solidFill>
@@ -5195,8 +5272,8 @@
         </p:nvSpPr>
         <p:spPr>
           <a:xfrm>
-            <a:off x="0" y="5268592"/>
-            <a:ext cx="12192000" cy="830997"/>
+            <a:off x="0" y="5330147"/>
+            <a:ext cx="12192000" cy="707886"/>
           </a:xfrm>
           <a:prstGeom prst="rect">
             <a:avLst/>
@@ -5211,7 +5288,7 @@
           <a:p>
             <a:pPr algn="ctr"/>
             <a:r>
-              <a:rPr lang="en-US" sz="4800" b="1" dirty="0">
+              <a:rPr lang="en-US" sz="4000" b="1" dirty="0">
                 <a:solidFill>
                   <a:srgbClr val="660033"/>
                 </a:solidFill>
@@ -5221,7 +5298,7 @@
               <a:t>( </a:t>
             </a:r>
             <a:r>
-              <a:rPr lang="zh-CN" altLang="en-US" sz="4800" b="1" dirty="0">
+              <a:rPr lang="zh-CN" altLang="en-US" sz="4000" b="1" dirty="0">
                 <a:solidFill>
                   <a:srgbClr val="660033"/>
                 </a:solidFill>
@@ -5231,7 +5308,7 @@
               <a:t>副</a:t>
             </a:r>
             <a:r>
-              <a:rPr lang="en-US" sz="4800" b="1" dirty="0">
+              <a:rPr lang="en-US" sz="4000" b="1" dirty="0">
                 <a:solidFill>
                   <a:srgbClr val="660033"/>
                 </a:solidFill>
@@ -5240,10 +5317,11 @@
               </a:rPr>
               <a:t> )</a:t>
             </a:r>
-            <a:endParaRPr lang="vi-VN" sz="4800" b="1" dirty="0">
+            <a:endParaRPr lang="vi-VN" sz="4000" b="1" dirty="0">
               <a:solidFill>
                 <a:srgbClr val="660033"/>
               </a:solidFill>
+              <a:latin typeface="Microsoft JhengHei" panose="020B0604030504040204" pitchFamily="34" charset="-120"/>
               <a:ea typeface="Microsoft JhengHei" panose="020B0604030504040204" pitchFamily="34" charset="-120"/>
             </a:endParaRPr>
           </a:p>

--- a/耶穌的名(崇拜版).pptx
+++ b/耶穌的名(崇拜版).pptx
@@ -162,7 +162,7 @@
           <a:lstStyle/>
           <a:p>
             <a:r>
-              <a:rPr lang="en-US" altLang="zh-TW" smtClean="0"/>
+              <a:rPr lang="en-US" altLang="zh-TW"/>
               <a:t>Click to edit Master title style</a:t>
             </a:r>
             <a:endParaRPr lang="zh-TW" altLang="en-US"/>
@@ -281,7 +281,7 @@
           </a:lstStyle>
           <a:p>
             <a:r>
-              <a:rPr lang="en-US" altLang="zh-TW" smtClean="0"/>
+              <a:rPr lang="en-US" altLang="zh-TW"/>
               <a:t>Click to edit Master subtitle style</a:t>
             </a:r>
             <a:endParaRPr lang="zh-TW" altLang="en-US"/>
@@ -305,7 +305,7 @@
           <a:p>
             <a:fld id="{31F39BAE-B3EB-4512-86AF-CC8D6D6296AE}" type="datetimeFigureOut">
               <a:rPr lang="vi-VN" smtClean="0"/>
-              <a:t>15/04/2023</a:t>
+              <a:t>02/12/2023</a:t>
             </a:fld>
             <a:endParaRPr lang="vi-VN"/>
           </a:p>
@@ -399,7 +399,7 @@
           <a:lstStyle/>
           <a:p>
             <a:r>
-              <a:rPr lang="en-US" altLang="zh-TW" smtClean="0"/>
+              <a:rPr lang="en-US" altLang="zh-TW"/>
               <a:t>Click to edit Master title style</a:t>
             </a:r>
             <a:endParaRPr lang="zh-TW" altLang="en-US"/>
@@ -423,35 +423,35 @@
           <a:p>
             <a:pPr lvl="0"/>
             <a:r>
-              <a:rPr lang="en-US" altLang="zh-TW" smtClean="0"/>
+              <a:rPr lang="en-US" altLang="zh-TW"/>
               <a:t>Edit Master text styles</a:t>
             </a:r>
           </a:p>
           <a:p>
             <a:pPr lvl="1"/>
             <a:r>
-              <a:rPr lang="en-US" altLang="zh-TW" smtClean="0"/>
+              <a:rPr lang="en-US" altLang="zh-TW"/>
               <a:t>Second level</a:t>
             </a:r>
           </a:p>
           <a:p>
             <a:pPr lvl="2"/>
             <a:r>
-              <a:rPr lang="en-US" altLang="zh-TW" smtClean="0"/>
+              <a:rPr lang="en-US" altLang="zh-TW"/>
               <a:t>Third level</a:t>
             </a:r>
           </a:p>
           <a:p>
             <a:pPr lvl="3"/>
             <a:r>
-              <a:rPr lang="en-US" altLang="zh-TW" smtClean="0"/>
+              <a:rPr lang="en-US" altLang="zh-TW"/>
               <a:t>Fourth level</a:t>
             </a:r>
           </a:p>
           <a:p>
             <a:pPr lvl="4"/>
             <a:r>
-              <a:rPr lang="en-US" altLang="zh-TW" smtClean="0"/>
+              <a:rPr lang="en-US" altLang="zh-TW"/>
               <a:t>Fifth level</a:t>
             </a:r>
             <a:endParaRPr lang="zh-TW" altLang="en-US"/>
@@ -475,7 +475,7 @@
           <a:p>
             <a:fld id="{31F39BAE-B3EB-4512-86AF-CC8D6D6296AE}" type="datetimeFigureOut">
               <a:rPr lang="vi-VN" smtClean="0"/>
-              <a:t>15/04/2023</a:t>
+              <a:t>02/12/2023</a:t>
             </a:fld>
             <a:endParaRPr lang="vi-VN"/>
           </a:p>
@@ -574,7 +574,7 @@
           <a:lstStyle/>
           <a:p>
             <a:r>
-              <a:rPr lang="en-US" altLang="zh-TW" smtClean="0"/>
+              <a:rPr lang="en-US" altLang="zh-TW"/>
               <a:t>Click to edit Master title style</a:t>
             </a:r>
             <a:endParaRPr lang="zh-TW" altLang="en-US"/>
@@ -603,35 +603,35 @@
           <a:p>
             <a:pPr lvl="0"/>
             <a:r>
-              <a:rPr lang="en-US" altLang="zh-TW" smtClean="0"/>
+              <a:rPr lang="en-US" altLang="zh-TW"/>
               <a:t>Edit Master text styles</a:t>
             </a:r>
           </a:p>
           <a:p>
             <a:pPr lvl="1"/>
             <a:r>
-              <a:rPr lang="en-US" altLang="zh-TW" smtClean="0"/>
+              <a:rPr lang="en-US" altLang="zh-TW"/>
               <a:t>Second level</a:t>
             </a:r>
           </a:p>
           <a:p>
             <a:pPr lvl="2"/>
             <a:r>
-              <a:rPr lang="en-US" altLang="zh-TW" smtClean="0"/>
+              <a:rPr lang="en-US" altLang="zh-TW"/>
               <a:t>Third level</a:t>
             </a:r>
           </a:p>
           <a:p>
             <a:pPr lvl="3"/>
             <a:r>
-              <a:rPr lang="en-US" altLang="zh-TW" smtClean="0"/>
+              <a:rPr lang="en-US" altLang="zh-TW"/>
               <a:t>Fourth level</a:t>
             </a:r>
           </a:p>
           <a:p>
             <a:pPr lvl="4"/>
             <a:r>
-              <a:rPr lang="en-US" altLang="zh-TW" smtClean="0"/>
+              <a:rPr lang="en-US" altLang="zh-TW"/>
               <a:t>Fifth level</a:t>
             </a:r>
             <a:endParaRPr lang="zh-TW" altLang="en-US"/>
@@ -655,7 +655,7 @@
           <a:p>
             <a:fld id="{31F39BAE-B3EB-4512-86AF-CC8D6D6296AE}" type="datetimeFigureOut">
               <a:rPr lang="vi-VN" smtClean="0"/>
-              <a:t>15/04/2023</a:t>
+              <a:t>02/12/2023</a:t>
             </a:fld>
             <a:endParaRPr lang="vi-VN"/>
           </a:p>
@@ -749,7 +749,7 @@
           <a:lstStyle/>
           <a:p>
             <a:r>
-              <a:rPr lang="en-US" altLang="zh-TW" smtClean="0"/>
+              <a:rPr lang="en-US" altLang="zh-TW"/>
               <a:t>Click to edit Master title style</a:t>
             </a:r>
             <a:endParaRPr lang="zh-TW" altLang="en-US"/>
@@ -773,35 +773,35 @@
           <a:p>
             <a:pPr lvl="0"/>
             <a:r>
-              <a:rPr lang="en-US" altLang="zh-TW" smtClean="0"/>
+              <a:rPr lang="en-US" altLang="zh-TW"/>
               <a:t>Edit Master text styles</a:t>
             </a:r>
           </a:p>
           <a:p>
             <a:pPr lvl="1"/>
             <a:r>
-              <a:rPr lang="en-US" altLang="zh-TW" smtClean="0"/>
+              <a:rPr lang="en-US" altLang="zh-TW"/>
               <a:t>Second level</a:t>
             </a:r>
           </a:p>
           <a:p>
             <a:pPr lvl="2"/>
             <a:r>
-              <a:rPr lang="en-US" altLang="zh-TW" smtClean="0"/>
+              <a:rPr lang="en-US" altLang="zh-TW"/>
               <a:t>Third level</a:t>
             </a:r>
           </a:p>
           <a:p>
             <a:pPr lvl="3"/>
             <a:r>
-              <a:rPr lang="en-US" altLang="zh-TW" smtClean="0"/>
+              <a:rPr lang="en-US" altLang="zh-TW"/>
               <a:t>Fourth level</a:t>
             </a:r>
           </a:p>
           <a:p>
             <a:pPr lvl="4"/>
             <a:r>
-              <a:rPr lang="en-US" altLang="zh-TW" smtClean="0"/>
+              <a:rPr lang="en-US" altLang="zh-TW"/>
               <a:t>Fifth level</a:t>
             </a:r>
             <a:endParaRPr lang="zh-TW" altLang="en-US"/>
@@ -825,7 +825,7 @@
           <a:p>
             <a:fld id="{31F39BAE-B3EB-4512-86AF-CC8D6D6296AE}" type="datetimeFigureOut">
               <a:rPr lang="vi-VN" smtClean="0"/>
-              <a:t>15/04/2023</a:t>
+              <a:t>02/12/2023</a:t>
             </a:fld>
             <a:endParaRPr lang="vi-VN"/>
           </a:p>
@@ -928,7 +928,7 @@
           </a:lstStyle>
           <a:p>
             <a:r>
-              <a:rPr lang="en-US" altLang="zh-TW" smtClean="0"/>
+              <a:rPr lang="en-US" altLang="zh-TW"/>
               <a:t>Click to edit Master title style</a:t>
             </a:r>
             <a:endParaRPr lang="zh-TW" altLang="en-US"/>
@@ -1048,7 +1048,7 @@
           <a:p>
             <a:pPr lvl="0"/>
             <a:r>
-              <a:rPr lang="en-US" altLang="zh-TW" smtClean="0"/>
+              <a:rPr lang="en-US" altLang="zh-TW"/>
               <a:t>Edit Master text styles</a:t>
             </a:r>
           </a:p>
@@ -1071,7 +1071,7 @@
           <a:p>
             <a:fld id="{31F39BAE-B3EB-4512-86AF-CC8D6D6296AE}" type="datetimeFigureOut">
               <a:rPr lang="vi-VN" smtClean="0"/>
-              <a:t>15/04/2023</a:t>
+              <a:t>02/12/2023</a:t>
             </a:fld>
             <a:endParaRPr lang="vi-VN"/>
           </a:p>
@@ -1165,7 +1165,7 @@
           <a:lstStyle/>
           <a:p>
             <a:r>
-              <a:rPr lang="en-US" altLang="zh-TW" smtClean="0"/>
+              <a:rPr lang="en-US" altLang="zh-TW"/>
               <a:t>Click to edit Master title style</a:t>
             </a:r>
             <a:endParaRPr lang="zh-TW" altLang="en-US"/>
@@ -1222,35 +1222,35 @@
           <a:p>
             <a:pPr lvl="0"/>
             <a:r>
-              <a:rPr lang="en-US" altLang="zh-TW" smtClean="0"/>
+              <a:rPr lang="en-US" altLang="zh-TW"/>
               <a:t>Edit Master text styles</a:t>
             </a:r>
           </a:p>
           <a:p>
             <a:pPr lvl="1"/>
             <a:r>
-              <a:rPr lang="en-US" altLang="zh-TW" smtClean="0"/>
+              <a:rPr lang="en-US" altLang="zh-TW"/>
               <a:t>Second level</a:t>
             </a:r>
           </a:p>
           <a:p>
             <a:pPr lvl="2"/>
             <a:r>
-              <a:rPr lang="en-US" altLang="zh-TW" smtClean="0"/>
+              <a:rPr lang="en-US" altLang="zh-TW"/>
               <a:t>Third level</a:t>
             </a:r>
           </a:p>
           <a:p>
             <a:pPr lvl="3"/>
             <a:r>
-              <a:rPr lang="en-US" altLang="zh-TW" smtClean="0"/>
+              <a:rPr lang="en-US" altLang="zh-TW"/>
               <a:t>Fourth level</a:t>
             </a:r>
           </a:p>
           <a:p>
             <a:pPr lvl="4"/>
             <a:r>
-              <a:rPr lang="en-US" altLang="zh-TW" smtClean="0"/>
+              <a:rPr lang="en-US" altLang="zh-TW"/>
               <a:t>Fifth level</a:t>
             </a:r>
             <a:endParaRPr lang="zh-TW" altLang="en-US"/>
@@ -1307,35 +1307,35 @@
           <a:p>
             <a:pPr lvl="0"/>
             <a:r>
-              <a:rPr lang="en-US" altLang="zh-TW" smtClean="0"/>
+              <a:rPr lang="en-US" altLang="zh-TW"/>
               <a:t>Edit Master text styles</a:t>
             </a:r>
           </a:p>
           <a:p>
             <a:pPr lvl="1"/>
             <a:r>
-              <a:rPr lang="en-US" altLang="zh-TW" smtClean="0"/>
+              <a:rPr lang="en-US" altLang="zh-TW"/>
               <a:t>Second level</a:t>
             </a:r>
           </a:p>
           <a:p>
             <a:pPr lvl="2"/>
             <a:r>
-              <a:rPr lang="en-US" altLang="zh-TW" smtClean="0"/>
+              <a:rPr lang="en-US" altLang="zh-TW"/>
               <a:t>Third level</a:t>
             </a:r>
           </a:p>
           <a:p>
             <a:pPr lvl="3"/>
             <a:r>
-              <a:rPr lang="en-US" altLang="zh-TW" smtClean="0"/>
+              <a:rPr lang="en-US" altLang="zh-TW"/>
               <a:t>Fourth level</a:t>
             </a:r>
           </a:p>
           <a:p>
             <a:pPr lvl="4"/>
             <a:r>
-              <a:rPr lang="en-US" altLang="zh-TW" smtClean="0"/>
+              <a:rPr lang="en-US" altLang="zh-TW"/>
               <a:t>Fifth level</a:t>
             </a:r>
             <a:endParaRPr lang="zh-TW" altLang="en-US"/>
@@ -1359,7 +1359,7 @@
           <a:p>
             <a:fld id="{31F39BAE-B3EB-4512-86AF-CC8D6D6296AE}" type="datetimeFigureOut">
               <a:rPr lang="vi-VN" smtClean="0"/>
-              <a:t>15/04/2023</a:t>
+              <a:t>02/12/2023</a:t>
             </a:fld>
             <a:endParaRPr lang="vi-VN"/>
           </a:p>
@@ -1457,7 +1457,7 @@
           </a:lstStyle>
           <a:p>
             <a:r>
-              <a:rPr lang="en-US" altLang="zh-TW" smtClean="0"/>
+              <a:rPr lang="en-US" altLang="zh-TW"/>
               <a:t>Click to edit Master title style</a:t>
             </a:r>
             <a:endParaRPr lang="zh-TW" altLang="en-US"/>
@@ -1523,7 +1523,7 @@
           <a:p>
             <a:pPr lvl="0"/>
             <a:r>
-              <a:rPr lang="en-US" altLang="zh-TW" smtClean="0"/>
+              <a:rPr lang="en-US" altLang="zh-TW"/>
               <a:t>Edit Master text styles</a:t>
             </a:r>
           </a:p>
@@ -1579,35 +1579,35 @@
           <a:p>
             <a:pPr lvl="0"/>
             <a:r>
-              <a:rPr lang="en-US" altLang="zh-TW" smtClean="0"/>
+              <a:rPr lang="en-US" altLang="zh-TW"/>
               <a:t>Edit Master text styles</a:t>
             </a:r>
           </a:p>
           <a:p>
             <a:pPr lvl="1"/>
             <a:r>
-              <a:rPr lang="en-US" altLang="zh-TW" smtClean="0"/>
+              <a:rPr lang="en-US" altLang="zh-TW"/>
               <a:t>Second level</a:t>
             </a:r>
           </a:p>
           <a:p>
             <a:pPr lvl="2"/>
             <a:r>
-              <a:rPr lang="en-US" altLang="zh-TW" smtClean="0"/>
+              <a:rPr lang="en-US" altLang="zh-TW"/>
               <a:t>Third level</a:t>
             </a:r>
           </a:p>
           <a:p>
             <a:pPr lvl="3"/>
             <a:r>
-              <a:rPr lang="en-US" altLang="zh-TW" smtClean="0"/>
+              <a:rPr lang="en-US" altLang="zh-TW"/>
               <a:t>Fourth level</a:t>
             </a:r>
           </a:p>
           <a:p>
             <a:pPr lvl="4"/>
             <a:r>
-              <a:rPr lang="en-US" altLang="zh-TW" smtClean="0"/>
+              <a:rPr lang="en-US" altLang="zh-TW"/>
               <a:t>Fifth level</a:t>
             </a:r>
             <a:endParaRPr lang="zh-TW" altLang="en-US"/>
@@ -1673,7 +1673,7 @@
           <a:p>
             <a:pPr lvl="0"/>
             <a:r>
-              <a:rPr lang="en-US" altLang="zh-TW" smtClean="0"/>
+              <a:rPr lang="en-US" altLang="zh-TW"/>
               <a:t>Edit Master text styles</a:t>
             </a:r>
           </a:p>
@@ -1729,35 +1729,35 @@
           <a:p>
             <a:pPr lvl="0"/>
             <a:r>
-              <a:rPr lang="en-US" altLang="zh-TW" smtClean="0"/>
+              <a:rPr lang="en-US" altLang="zh-TW"/>
               <a:t>Edit Master text styles</a:t>
             </a:r>
           </a:p>
           <a:p>
             <a:pPr lvl="1"/>
             <a:r>
-              <a:rPr lang="en-US" altLang="zh-TW" smtClean="0"/>
+              <a:rPr lang="en-US" altLang="zh-TW"/>
               <a:t>Second level</a:t>
             </a:r>
           </a:p>
           <a:p>
             <a:pPr lvl="2"/>
             <a:r>
-              <a:rPr lang="en-US" altLang="zh-TW" smtClean="0"/>
+              <a:rPr lang="en-US" altLang="zh-TW"/>
               <a:t>Third level</a:t>
             </a:r>
           </a:p>
           <a:p>
             <a:pPr lvl="3"/>
             <a:r>
-              <a:rPr lang="en-US" altLang="zh-TW" smtClean="0"/>
+              <a:rPr lang="en-US" altLang="zh-TW"/>
               <a:t>Fourth level</a:t>
             </a:r>
           </a:p>
           <a:p>
             <a:pPr lvl="4"/>
             <a:r>
-              <a:rPr lang="en-US" altLang="zh-TW" smtClean="0"/>
+              <a:rPr lang="en-US" altLang="zh-TW"/>
               <a:t>Fifth level</a:t>
             </a:r>
             <a:endParaRPr lang="zh-TW" altLang="en-US"/>
@@ -1781,7 +1781,7 @@
           <a:p>
             <a:fld id="{31F39BAE-B3EB-4512-86AF-CC8D6D6296AE}" type="datetimeFigureOut">
               <a:rPr lang="vi-VN" smtClean="0"/>
-              <a:t>15/04/2023</a:t>
+              <a:t>02/12/2023</a:t>
             </a:fld>
             <a:endParaRPr lang="vi-VN"/>
           </a:p>
@@ -1875,7 +1875,7 @@
           <a:lstStyle/>
           <a:p>
             <a:r>
-              <a:rPr lang="en-US" altLang="zh-TW" smtClean="0"/>
+              <a:rPr lang="en-US" altLang="zh-TW"/>
               <a:t>Click to edit Master title style</a:t>
             </a:r>
             <a:endParaRPr lang="zh-TW" altLang="en-US"/>
@@ -1899,7 +1899,7 @@
           <a:p>
             <a:fld id="{31F39BAE-B3EB-4512-86AF-CC8D6D6296AE}" type="datetimeFigureOut">
               <a:rPr lang="vi-VN" smtClean="0"/>
-              <a:t>15/04/2023</a:t>
+              <a:t>02/12/2023</a:t>
             </a:fld>
             <a:endParaRPr lang="vi-VN"/>
           </a:p>
@@ -1994,7 +1994,7 @@
           <a:p>
             <a:fld id="{31F39BAE-B3EB-4512-86AF-CC8D6D6296AE}" type="datetimeFigureOut">
               <a:rPr lang="vi-VN" smtClean="0"/>
-              <a:t>15/04/2023</a:t>
+              <a:t>02/12/2023</a:t>
             </a:fld>
             <a:endParaRPr lang="vi-VN"/>
           </a:p>
@@ -2097,7 +2097,7 @@
           </a:lstStyle>
           <a:p>
             <a:r>
-              <a:rPr lang="en-US" altLang="zh-TW" smtClean="0"/>
+              <a:rPr lang="en-US" altLang="zh-TW"/>
               <a:t>Click to edit Master title style</a:t>
             </a:r>
             <a:endParaRPr lang="zh-TW" altLang="en-US"/>
@@ -2154,35 +2154,35 @@
           <a:p>
             <a:pPr lvl="0"/>
             <a:r>
-              <a:rPr lang="en-US" altLang="zh-TW" smtClean="0"/>
+              <a:rPr lang="en-US" altLang="zh-TW"/>
               <a:t>Edit Master text styles</a:t>
             </a:r>
           </a:p>
           <a:p>
             <a:pPr lvl="1"/>
             <a:r>
-              <a:rPr lang="en-US" altLang="zh-TW" smtClean="0"/>
+              <a:rPr lang="en-US" altLang="zh-TW"/>
               <a:t>Second level</a:t>
             </a:r>
           </a:p>
           <a:p>
             <a:pPr lvl="2"/>
             <a:r>
-              <a:rPr lang="en-US" altLang="zh-TW" smtClean="0"/>
+              <a:rPr lang="en-US" altLang="zh-TW"/>
               <a:t>Third level</a:t>
             </a:r>
           </a:p>
           <a:p>
             <a:pPr lvl="3"/>
             <a:r>
-              <a:rPr lang="en-US" altLang="zh-TW" smtClean="0"/>
+              <a:rPr lang="en-US" altLang="zh-TW"/>
               <a:t>Fourth level</a:t>
             </a:r>
           </a:p>
           <a:p>
             <a:pPr lvl="4"/>
             <a:r>
-              <a:rPr lang="en-US" altLang="zh-TW" smtClean="0"/>
+              <a:rPr lang="en-US" altLang="zh-TW"/>
               <a:t>Fifth level</a:t>
             </a:r>
             <a:endParaRPr lang="zh-TW" altLang="en-US"/>
@@ -2248,7 +2248,7 @@
           <a:p>
             <a:pPr lvl="0"/>
             <a:r>
-              <a:rPr lang="en-US" altLang="zh-TW" smtClean="0"/>
+              <a:rPr lang="en-US" altLang="zh-TW"/>
               <a:t>Edit Master text styles</a:t>
             </a:r>
           </a:p>
@@ -2271,7 +2271,7 @@
           <a:p>
             <a:fld id="{31F39BAE-B3EB-4512-86AF-CC8D6D6296AE}" type="datetimeFigureOut">
               <a:rPr lang="vi-VN" smtClean="0"/>
-              <a:t>15/04/2023</a:t>
+              <a:t>02/12/2023</a:t>
             </a:fld>
             <a:endParaRPr lang="vi-VN"/>
           </a:p>
@@ -2374,7 +2374,7 @@
           </a:lstStyle>
           <a:p>
             <a:r>
-              <a:rPr lang="en-US" altLang="zh-TW" smtClean="0"/>
+              <a:rPr lang="en-US" altLang="zh-TW"/>
               <a:t>Click to edit Master title style</a:t>
             </a:r>
             <a:endParaRPr lang="zh-TW" altLang="en-US"/>
@@ -2439,7 +2439,7 @@
           </a:lstStyle>
           <a:p>
             <a:r>
-              <a:rPr lang="en-US" altLang="zh-TW" smtClean="0"/>
+              <a:rPr lang="en-US" altLang="zh-TW"/>
               <a:t>Click icon to add picture</a:t>
             </a:r>
             <a:endParaRPr lang="zh-TW" altLang="en-US"/>
@@ -2505,7 +2505,7 @@
           <a:p>
             <a:pPr lvl="0"/>
             <a:r>
-              <a:rPr lang="en-US" altLang="zh-TW" smtClean="0"/>
+              <a:rPr lang="en-US" altLang="zh-TW"/>
               <a:t>Edit Master text styles</a:t>
             </a:r>
           </a:p>
@@ -2528,7 +2528,7 @@
           <a:p>
             <a:fld id="{31F39BAE-B3EB-4512-86AF-CC8D6D6296AE}" type="datetimeFigureOut">
               <a:rPr lang="vi-VN" smtClean="0"/>
-              <a:t>15/04/2023</a:t>
+              <a:t>02/12/2023</a:t>
             </a:fld>
             <a:endParaRPr lang="vi-VN"/>
           </a:p>
@@ -2642,10 +2642,9 @@
           <a:lstStyle/>
           <a:p>
             <a:r>
-              <a:rPr lang="zh-TW" altLang="en-US" smtClean="0"/>
+              <a:rPr lang="zh-TW" altLang="en-US"/>
               <a:t>按一下以編輯母片標題樣式</a:t>
             </a:r>
-            <a:endParaRPr lang="zh-TW" altLang="en-US"/>
           </a:p>
         </p:txBody>
       </p:sp>
@@ -2676,38 +2675,37 @@
           <a:p>
             <a:pPr lvl="0"/>
             <a:r>
-              <a:rPr lang="zh-TW" altLang="en-US" smtClean="0"/>
+              <a:rPr lang="zh-TW" altLang="en-US"/>
               <a:t>按一下以編輯母片文字樣式</a:t>
             </a:r>
           </a:p>
           <a:p>
             <a:pPr lvl="1"/>
             <a:r>
-              <a:rPr lang="zh-TW" altLang="en-US" smtClean="0"/>
+              <a:rPr lang="zh-TW" altLang="en-US"/>
               <a:t>第二層</a:t>
             </a:r>
           </a:p>
           <a:p>
             <a:pPr lvl="2"/>
             <a:r>
-              <a:rPr lang="zh-TW" altLang="en-US" smtClean="0"/>
+              <a:rPr lang="zh-TW" altLang="en-US"/>
               <a:t>第三層</a:t>
             </a:r>
           </a:p>
           <a:p>
             <a:pPr lvl="3"/>
             <a:r>
-              <a:rPr lang="zh-TW" altLang="en-US" smtClean="0"/>
+              <a:rPr lang="zh-TW" altLang="en-US"/>
               <a:t>第四層</a:t>
             </a:r>
           </a:p>
           <a:p>
             <a:pPr lvl="4"/>
             <a:r>
-              <a:rPr lang="zh-TW" altLang="en-US" smtClean="0"/>
+              <a:rPr lang="zh-TW" altLang="en-US"/>
               <a:t>第五層</a:t>
             </a:r>
-            <a:endParaRPr lang="zh-TW" altLang="en-US"/>
           </a:p>
         </p:txBody>
       </p:sp>
@@ -2746,7 +2744,7 @@
           <a:p>
             <a:fld id="{31F39BAE-B3EB-4512-86AF-CC8D6D6296AE}" type="datetimeFigureOut">
               <a:rPr lang="vi-VN" smtClean="0"/>
-              <a:t>15/04/2023</a:t>
+              <a:t>02/12/2023</a:t>
             </a:fld>
             <a:endParaRPr lang="vi-VN"/>
           </a:p>
@@ -3282,8 +3280,8 @@
         </p:nvSpPr>
         <p:spPr>
           <a:xfrm>
-            <a:off x="0" y="5330147"/>
-            <a:ext cx="12192000" cy="707886"/>
+            <a:off x="0" y="5430174"/>
+            <a:ext cx="12192000" cy="507831"/>
           </a:xfrm>
           <a:prstGeom prst="rect">
             <a:avLst/>
@@ -3298,7 +3296,7 @@
           <a:p>
             <a:pPr algn="ctr"/>
             <a:r>
-              <a:rPr lang="en-US" sz="4000" b="1" dirty="0">
+              <a:rPr lang="en-US" sz="2700" b="1" dirty="0">
                 <a:solidFill>
                   <a:srgbClr val="660033"/>
                 </a:solidFill>
@@ -3308,7 +3306,7 @@
               <a:t>( </a:t>
             </a:r>
             <a:r>
-              <a:rPr lang="zh-CN" altLang="en-US" sz="4000" b="1" dirty="0">
+              <a:rPr lang="zh-CN" altLang="en-US" sz="2700" b="1" dirty="0">
                 <a:solidFill>
                   <a:srgbClr val="660033"/>
                 </a:solidFill>
@@ -3318,7 +3316,7 @@
               <a:t>橋</a:t>
             </a:r>
             <a:r>
-              <a:rPr lang="en-US" sz="4000" b="1" dirty="0">
+              <a:rPr lang="en-US" sz="2700" b="1" dirty="0">
                 <a:solidFill>
                   <a:srgbClr val="660033"/>
                 </a:solidFill>
@@ -3327,11 +3325,10 @@
               </a:rPr>
               <a:t> )</a:t>
             </a:r>
-            <a:endParaRPr lang="vi-VN" sz="4000" b="1" dirty="0">
+            <a:endParaRPr lang="vi-VN" sz="2700" b="1" dirty="0">
               <a:solidFill>
                 <a:srgbClr val="660033"/>
               </a:solidFill>
-              <a:latin typeface="Microsoft JhengHei" panose="020B0604030504040204" pitchFamily="34" charset="-120"/>
               <a:ea typeface="Microsoft JhengHei" panose="020B0604030504040204" pitchFamily="34" charset="-120"/>
             </a:endParaRPr>
           </a:p>
@@ -3442,8 +3439,8 @@
         </p:nvSpPr>
         <p:spPr>
           <a:xfrm>
-            <a:off x="0" y="5330147"/>
-            <a:ext cx="12192000" cy="707886"/>
+            <a:off x="0" y="5430174"/>
+            <a:ext cx="12192000" cy="507831"/>
           </a:xfrm>
           <a:prstGeom prst="rect">
             <a:avLst/>
@@ -3458,7 +3455,7 @@
           <a:p>
             <a:pPr algn="ctr"/>
             <a:r>
-              <a:rPr lang="en-US" sz="4000" b="1" dirty="0">
+              <a:rPr lang="en-US" sz="2700" b="1" dirty="0">
                 <a:solidFill>
                   <a:srgbClr val="660033"/>
                 </a:solidFill>
@@ -3468,7 +3465,7 @@
               <a:t>( </a:t>
             </a:r>
             <a:r>
-              <a:rPr lang="zh-CN" altLang="en-US" sz="4000" b="1" dirty="0">
+              <a:rPr lang="zh-CN" altLang="en-US" sz="2700" b="1" dirty="0">
                 <a:solidFill>
                   <a:srgbClr val="660033"/>
                 </a:solidFill>
@@ -3478,7 +3475,7 @@
               <a:t>橋</a:t>
             </a:r>
             <a:r>
-              <a:rPr lang="en-US" sz="4000" b="1" dirty="0">
+              <a:rPr lang="en-US" sz="2700" b="1" dirty="0">
                 <a:solidFill>
                   <a:srgbClr val="660033"/>
                 </a:solidFill>
@@ -3487,11 +3484,10 @@
               </a:rPr>
               <a:t> )</a:t>
             </a:r>
-            <a:endParaRPr lang="vi-VN" sz="4000" b="1" dirty="0">
+            <a:endParaRPr lang="vi-VN" sz="2700" b="1" dirty="0">
               <a:solidFill>
                 <a:srgbClr val="660033"/>
               </a:solidFill>
-              <a:latin typeface="Microsoft JhengHei" panose="020B0604030504040204" pitchFamily="34" charset="-120"/>
               <a:ea typeface="Microsoft JhengHei" panose="020B0604030504040204" pitchFamily="34" charset="-120"/>
             </a:endParaRPr>
           </a:p>
@@ -3602,8 +3598,8 @@
         </p:nvSpPr>
         <p:spPr>
           <a:xfrm>
-            <a:off x="0" y="5330147"/>
-            <a:ext cx="12192000" cy="707886"/>
+            <a:off x="0" y="5430174"/>
+            <a:ext cx="12192000" cy="507831"/>
           </a:xfrm>
           <a:prstGeom prst="rect">
             <a:avLst/>
@@ -3618,7 +3614,7 @@
           <a:p>
             <a:pPr algn="ctr"/>
             <a:r>
-              <a:rPr lang="en-US" sz="4000" b="1" dirty="0">
+              <a:rPr lang="en-US" sz="2700" b="1" dirty="0">
                 <a:solidFill>
                   <a:srgbClr val="660033"/>
                 </a:solidFill>
@@ -3628,7 +3624,7 @@
               <a:t>( </a:t>
             </a:r>
             <a:r>
-              <a:rPr lang="zh-CN" altLang="en-US" sz="4000" b="1" dirty="0">
+              <a:rPr lang="zh-CN" altLang="en-US" sz="2700" b="1" dirty="0">
                 <a:solidFill>
                   <a:srgbClr val="660033"/>
                 </a:solidFill>
@@ -3638,7 +3634,7 @@
               <a:t>橋</a:t>
             </a:r>
             <a:r>
-              <a:rPr lang="en-US" sz="4000" b="1" dirty="0">
+              <a:rPr lang="en-US" sz="2700" b="1" dirty="0">
                 <a:solidFill>
                   <a:srgbClr val="660033"/>
                 </a:solidFill>
@@ -3647,11 +3643,10 @@
               </a:rPr>
               <a:t> )</a:t>
             </a:r>
-            <a:endParaRPr lang="vi-VN" sz="4000" b="1" dirty="0">
+            <a:endParaRPr lang="vi-VN" sz="2700" b="1" dirty="0">
               <a:solidFill>
                 <a:srgbClr val="660033"/>
               </a:solidFill>
-              <a:latin typeface="Microsoft JhengHei" panose="020B0604030504040204" pitchFamily="34" charset="-120"/>
               <a:ea typeface="Microsoft JhengHei" panose="020B0604030504040204" pitchFamily="34" charset="-120"/>
             </a:endParaRPr>
           </a:p>
@@ -3762,8 +3757,8 @@
         </p:nvSpPr>
         <p:spPr>
           <a:xfrm>
-            <a:off x="0" y="5330147"/>
-            <a:ext cx="12192000" cy="707886"/>
+            <a:off x="0" y="5430174"/>
+            <a:ext cx="12192000" cy="507831"/>
           </a:xfrm>
           <a:prstGeom prst="rect">
             <a:avLst/>
@@ -3778,7 +3773,7 @@
           <a:p>
             <a:pPr algn="ctr"/>
             <a:r>
-              <a:rPr lang="en-US" sz="4000" b="1" dirty="0">
+              <a:rPr lang="en-US" sz="2700" b="1" dirty="0">
                 <a:solidFill>
                   <a:srgbClr val="660033"/>
                 </a:solidFill>
@@ -3788,7 +3783,7 @@
               <a:t>( </a:t>
             </a:r>
             <a:r>
-              <a:rPr lang="zh-CN" altLang="en-US" sz="4000" b="1" dirty="0">
+              <a:rPr lang="zh-CN" altLang="en-US" sz="2700" b="1" dirty="0">
                 <a:solidFill>
                   <a:srgbClr val="660033"/>
                 </a:solidFill>
@@ -3798,7 +3793,7 @@
               <a:t>橋</a:t>
             </a:r>
             <a:r>
-              <a:rPr lang="en-US" sz="4000" b="1" dirty="0">
+              <a:rPr lang="en-US" sz="2700" b="1" dirty="0">
                 <a:solidFill>
                   <a:srgbClr val="660033"/>
                 </a:solidFill>
@@ -3807,11 +3802,10 @@
               </a:rPr>
               <a:t> )</a:t>
             </a:r>
-            <a:endParaRPr lang="vi-VN" sz="4000" b="1" dirty="0">
+            <a:endParaRPr lang="vi-VN" sz="2700" b="1" dirty="0">
               <a:solidFill>
                 <a:srgbClr val="660033"/>
               </a:solidFill>
-              <a:latin typeface="Microsoft JhengHei" panose="020B0604030504040204" pitchFamily="34" charset="-120"/>
               <a:ea typeface="Microsoft JhengHei" panose="020B0604030504040204" pitchFamily="34" charset="-120"/>
             </a:endParaRPr>
           </a:p>
@@ -3925,8 +3919,8 @@
         </p:nvSpPr>
         <p:spPr>
           <a:xfrm>
-            <a:off x="0" y="5330147"/>
-            <a:ext cx="12192000" cy="707886"/>
+            <a:off x="0" y="5430174"/>
+            <a:ext cx="12192000" cy="507831"/>
           </a:xfrm>
           <a:prstGeom prst="rect">
             <a:avLst/>
@@ -3941,7 +3935,7 @@
           <a:p>
             <a:pPr algn="ctr"/>
             <a:r>
-              <a:rPr lang="en-US" sz="4000" b="1" dirty="0">
+              <a:rPr lang="en-US" sz="2700" b="1" dirty="0">
                 <a:solidFill>
                   <a:srgbClr val="660033"/>
                 </a:solidFill>
@@ -3952,7 +3946,7 @@
               <a:t>( </a:t>
             </a:r>
             <a:r>
-              <a:rPr lang="zh-CN" altLang="en-US" sz="4000" b="1" dirty="0">
+              <a:rPr lang="zh-CN" altLang="en-US" sz="2700" b="1" dirty="0">
                 <a:solidFill>
                   <a:srgbClr val="660033"/>
                 </a:solidFill>
@@ -3960,10 +3954,10 @@
                 <a:latin typeface="Microsoft JhengHei" panose="020B0604030504040204" pitchFamily="34" charset="-120"/>
                 <a:ea typeface="Microsoft JhengHei" panose="020B0604030504040204" pitchFamily="34" charset="-120"/>
               </a:rPr>
-              <a:t>正</a:t>
-            </a:r>
-            <a:r>
-              <a:rPr lang="en-US" altLang="zh-CN" sz="4000" b="1" dirty="0">
+              <a:t>正歌</a:t>
+            </a:r>
+            <a:r>
+              <a:rPr lang="en-US" altLang="zh-CN" sz="2700" b="1" dirty="0">
                 <a:solidFill>
                   <a:srgbClr val="660033"/>
                 </a:solidFill>
@@ -3974,7 +3968,7 @@
               <a:t> 1</a:t>
             </a:r>
             <a:r>
-              <a:rPr lang="en-US" sz="4000" b="1" dirty="0">
+              <a:rPr lang="en-US" sz="2700" b="1" dirty="0">
                 <a:solidFill>
                   <a:srgbClr val="660033"/>
                 </a:solidFill>
@@ -3984,7 +3978,7 @@
               </a:rPr>
               <a:t> )</a:t>
             </a:r>
-            <a:endParaRPr lang="vi-VN" sz="4000" b="1" dirty="0">
+            <a:endParaRPr lang="vi-VN" sz="2700" b="1" dirty="0">
               <a:solidFill>
                 <a:srgbClr val="660033"/>
               </a:solidFill>
@@ -4119,8 +4113,8 @@
         </p:nvSpPr>
         <p:spPr>
           <a:xfrm>
-            <a:off x="0" y="5330147"/>
-            <a:ext cx="12192000" cy="707886"/>
+            <a:off x="0" y="5430174"/>
+            <a:ext cx="12192000" cy="507831"/>
           </a:xfrm>
           <a:prstGeom prst="rect">
             <a:avLst/>
@@ -4135,7 +4129,7 @@
           <a:p>
             <a:pPr algn="ctr"/>
             <a:r>
-              <a:rPr lang="en-US" sz="4000" b="1" dirty="0">
+              <a:rPr lang="en-US" sz="2700" b="1" dirty="0">
                 <a:solidFill>
                   <a:srgbClr val="660033"/>
                 </a:solidFill>
@@ -4145,17 +4139,17 @@
               <a:t>( </a:t>
             </a:r>
             <a:r>
-              <a:rPr lang="zh-CN" altLang="en-US" sz="4000" b="1" dirty="0">
+              <a:rPr lang="zh-CN" altLang="en-US" sz="2700" b="1" dirty="0">
                 <a:solidFill>
                   <a:srgbClr val="660033"/>
                 </a:solidFill>
                 <a:latin typeface="Microsoft JhengHei" panose="020B0604030504040204" pitchFamily="34" charset="-120"/>
                 <a:ea typeface="Microsoft JhengHei" panose="020B0604030504040204" pitchFamily="34" charset="-120"/>
               </a:rPr>
-              <a:t>正</a:t>
-            </a:r>
-            <a:r>
-              <a:rPr lang="en-US" altLang="zh-CN" sz="4000" b="1" dirty="0">
+              <a:t>正歌</a:t>
+            </a:r>
+            <a:r>
+              <a:rPr lang="en-US" altLang="zh-CN" sz="2700" b="1" dirty="0">
                 <a:solidFill>
                   <a:srgbClr val="660033"/>
                 </a:solidFill>
@@ -4165,7 +4159,7 @@
               <a:t> 1</a:t>
             </a:r>
             <a:r>
-              <a:rPr lang="en-US" sz="4000" b="1" dirty="0">
+              <a:rPr lang="en-US" sz="2700" b="1" dirty="0">
                 <a:solidFill>
                   <a:srgbClr val="660033"/>
                 </a:solidFill>
@@ -4174,11 +4168,10 @@
               </a:rPr>
               <a:t> )</a:t>
             </a:r>
-            <a:endParaRPr lang="vi-VN" sz="4000" b="1" dirty="0">
+            <a:endParaRPr lang="vi-VN" sz="2700" b="1" dirty="0">
               <a:solidFill>
                 <a:srgbClr val="660033"/>
               </a:solidFill>
-              <a:latin typeface="Microsoft JhengHei" panose="020B0604030504040204" pitchFamily="34" charset="-120"/>
               <a:ea typeface="Microsoft JhengHei" panose="020B0604030504040204" pitchFamily="34" charset="-120"/>
             </a:endParaRPr>
           </a:p>
@@ -4269,17 +4262,7 @@
                 <a:latin typeface="微軟正黑體" pitchFamily="34" charset="-120"/>
                 <a:ea typeface="微軟正黑體" pitchFamily="34" charset="-120"/>
               </a:rPr>
-              <a:t>榮耀尊貴都歸</a:t>
-            </a:r>
-            <a:r>
-              <a:rPr lang="zh-TW" altLang="en-US" sz="6400" b="1" dirty="0" smtClean="0">
-                <a:solidFill>
-                  <a:srgbClr val="660033"/>
-                </a:solidFill>
-                <a:latin typeface="微軟正黑體" pitchFamily="34" charset="-120"/>
-                <a:ea typeface="微軟正黑體" pitchFamily="34" charset="-120"/>
-              </a:rPr>
-              <a:t>於</a:t>
+              <a:t>榮耀尊貴都歸於</a:t>
             </a:r>
             <a:r>
               <a:rPr lang="zh-CN" altLang="en-US" sz="6400" b="1" dirty="0">
@@ -4309,8 +4292,8 @@
         </p:nvSpPr>
         <p:spPr>
           <a:xfrm>
-            <a:off x="0" y="5330147"/>
-            <a:ext cx="12192000" cy="707886"/>
+            <a:off x="0" y="5430174"/>
+            <a:ext cx="12192000" cy="507831"/>
           </a:xfrm>
           <a:prstGeom prst="rect">
             <a:avLst/>
@@ -4325,7 +4308,7 @@
           <a:p>
             <a:pPr algn="ctr"/>
             <a:r>
-              <a:rPr lang="en-US" sz="4000" b="1" dirty="0">
+              <a:rPr lang="en-US" sz="2700" b="1" dirty="0">
                 <a:solidFill>
                   <a:srgbClr val="660033"/>
                 </a:solidFill>
@@ -4335,30 +4318,29 @@
               <a:t>( </a:t>
             </a:r>
             <a:r>
-              <a:rPr lang="zh-CN" altLang="en-US" sz="4000" b="1" dirty="0">
+              <a:rPr lang="zh-CN" altLang="en-US" sz="2700" b="1" dirty="0">
                 <a:solidFill>
                   <a:srgbClr val="660033"/>
                 </a:solidFill>
                 <a:latin typeface="Microsoft JhengHei" panose="020B0604030504040204" pitchFamily="34" charset="-120"/>
                 <a:ea typeface="Microsoft JhengHei" panose="020B0604030504040204" pitchFamily="34" charset="-120"/>
               </a:rPr>
-              <a:t>副</a:t>
-            </a:r>
-            <a:r>
-              <a:rPr lang="en-US" sz="4000" b="1" dirty="0">
+              <a:t>副歌 </a:t>
+            </a:r>
+            <a:r>
+              <a:rPr lang="en-US" sz="2700" b="1" dirty="0">
                 <a:solidFill>
                   <a:srgbClr val="660033"/>
                 </a:solidFill>
                 <a:latin typeface="Microsoft JhengHei" panose="020B0604030504040204" pitchFamily="34" charset="-120"/>
                 <a:ea typeface="Microsoft JhengHei" panose="020B0604030504040204" pitchFamily="34" charset="-120"/>
               </a:rPr>
-              <a:t> )</a:t>
-            </a:r>
-            <a:endParaRPr lang="vi-VN" sz="4000" b="1" dirty="0">
+              <a:t>)</a:t>
+            </a:r>
+            <a:endParaRPr lang="vi-VN" sz="2700" b="1" dirty="0">
               <a:solidFill>
                 <a:srgbClr val="660033"/>
               </a:solidFill>
-              <a:latin typeface="Microsoft JhengHei" panose="020B0604030504040204" pitchFamily="34" charset="-120"/>
               <a:ea typeface="Microsoft JhengHei" panose="020B0604030504040204" pitchFamily="34" charset="-120"/>
             </a:endParaRPr>
           </a:p>
@@ -4449,47 +4431,27 @@
                 <a:latin typeface="微軟正黑體" pitchFamily="34" charset="-120"/>
                 <a:ea typeface="微軟正黑體" pitchFamily="34" charset="-120"/>
               </a:rPr>
-              <a:t>耶穌我敬</a:t>
-            </a:r>
-            <a:r>
-              <a:rPr lang="zh-TW" altLang="en-US" sz="6400" b="1" dirty="0" smtClean="0">
+              <a:t>耶穌我敬拜</a:t>
+            </a:r>
+            <a:r>
+              <a:rPr lang="zh-CN" altLang="en-US" sz="6400" b="1" dirty="0">
                 <a:solidFill>
                   <a:srgbClr val="660033"/>
                 </a:solidFill>
                 <a:latin typeface="微軟正黑體" pitchFamily="34" charset="-120"/>
                 <a:ea typeface="微軟正黑體" pitchFamily="34" charset="-120"/>
               </a:rPr>
-              <a:t>拜</a:t>
-            </a:r>
-            <a:r>
-              <a:rPr lang="zh-CN" altLang="en-US" sz="6400" b="1" dirty="0">
+              <a:t>祢</a:t>
+            </a:r>
+            <a:r>
+              <a:rPr lang="zh-TW" altLang="en-US" sz="6400" b="1" dirty="0">
                 <a:solidFill>
                   <a:srgbClr val="660033"/>
                 </a:solidFill>
                 <a:latin typeface="微軟正黑體" pitchFamily="34" charset="-120"/>
                 <a:ea typeface="微軟正黑體" pitchFamily="34" charset="-120"/>
               </a:rPr>
-              <a:t>祢</a:t>
-            </a:r>
-            <a:r>
-              <a:rPr lang="zh-TW" altLang="en-US" sz="6400" b="1" dirty="0" smtClean="0">
-                <a:solidFill>
-                  <a:srgbClr val="660033"/>
-                </a:solidFill>
-                <a:latin typeface="微軟正黑體" pitchFamily="34" charset="-120"/>
-                <a:ea typeface="微軟正黑體" pitchFamily="34" charset="-120"/>
-              </a:rPr>
-              <a:t>到</a:t>
-            </a:r>
-            <a:r>
-              <a:rPr lang="zh-TW" altLang="en-US" sz="6400" b="1" dirty="0">
-                <a:solidFill>
-                  <a:srgbClr val="660033"/>
-                </a:solidFill>
-                <a:latin typeface="微軟正黑體" pitchFamily="34" charset="-120"/>
-                <a:ea typeface="微軟正黑體" pitchFamily="34" charset="-120"/>
-              </a:rPr>
-              <a:t>永遠</a:t>
+              <a:t>到永遠</a:t>
             </a:r>
             <a:endParaRPr lang="en-US" altLang="zh-TW" sz="6400" b="1" dirty="0">
               <a:solidFill>
@@ -4509,8 +4471,8 @@
         </p:nvSpPr>
         <p:spPr>
           <a:xfrm>
-            <a:off x="0" y="5330147"/>
-            <a:ext cx="12192000" cy="707886"/>
+            <a:off x="0" y="5430174"/>
+            <a:ext cx="12192000" cy="507831"/>
           </a:xfrm>
           <a:prstGeom prst="rect">
             <a:avLst/>
@@ -4525,7 +4487,7 @@
           <a:p>
             <a:pPr algn="ctr"/>
             <a:r>
-              <a:rPr lang="en-US" sz="4000" b="1" dirty="0">
+              <a:rPr lang="en-US" sz="2700" b="1" dirty="0">
                 <a:solidFill>
                   <a:srgbClr val="660033"/>
                 </a:solidFill>
@@ -4535,30 +4497,29 @@
               <a:t>( </a:t>
             </a:r>
             <a:r>
-              <a:rPr lang="zh-CN" altLang="en-US" sz="4000" b="1" dirty="0">
+              <a:rPr lang="zh-CN" altLang="en-US" sz="2700" b="1" dirty="0">
                 <a:solidFill>
                   <a:srgbClr val="660033"/>
                 </a:solidFill>
                 <a:latin typeface="Microsoft JhengHei" panose="020B0604030504040204" pitchFamily="34" charset="-120"/>
                 <a:ea typeface="Microsoft JhengHei" panose="020B0604030504040204" pitchFamily="34" charset="-120"/>
               </a:rPr>
-              <a:t>副</a:t>
-            </a:r>
-            <a:r>
-              <a:rPr lang="en-US" sz="4000" b="1" dirty="0">
+              <a:t>副歌 </a:t>
+            </a:r>
+            <a:r>
+              <a:rPr lang="en-US" sz="2700" b="1" dirty="0">
                 <a:solidFill>
                   <a:srgbClr val="660033"/>
                 </a:solidFill>
                 <a:latin typeface="Microsoft JhengHei" panose="020B0604030504040204" pitchFamily="34" charset="-120"/>
                 <a:ea typeface="Microsoft JhengHei" panose="020B0604030504040204" pitchFamily="34" charset="-120"/>
               </a:rPr>
-              <a:t> )</a:t>
-            </a:r>
-            <a:endParaRPr lang="vi-VN" sz="4000" b="1" dirty="0">
+              <a:t>)</a:t>
+            </a:r>
+            <a:endParaRPr lang="vi-VN" sz="2700" b="1" dirty="0">
               <a:solidFill>
                 <a:srgbClr val="660033"/>
               </a:solidFill>
-              <a:latin typeface="Microsoft JhengHei" panose="020B0604030504040204" pitchFamily="34" charset="-120"/>
               <a:ea typeface="Microsoft JhengHei" panose="020B0604030504040204" pitchFamily="34" charset="-120"/>
             </a:endParaRPr>
           </a:p>
@@ -4672,8 +4633,8 @@
         </p:nvSpPr>
         <p:spPr>
           <a:xfrm>
-            <a:off x="0" y="5330147"/>
-            <a:ext cx="12192000" cy="707886"/>
+            <a:off x="0" y="5430174"/>
+            <a:ext cx="12192000" cy="507831"/>
           </a:xfrm>
           <a:prstGeom prst="rect">
             <a:avLst/>
@@ -4688,7 +4649,7 @@
           <a:p>
             <a:pPr algn="ctr"/>
             <a:r>
-              <a:rPr lang="en-US" sz="4000" b="1" dirty="0">
+              <a:rPr lang="en-US" sz="2700" b="1" dirty="0">
                 <a:solidFill>
                   <a:srgbClr val="660033"/>
                 </a:solidFill>
@@ -4698,17 +4659,17 @@
               <a:t>( </a:t>
             </a:r>
             <a:r>
-              <a:rPr lang="zh-CN" altLang="en-US" sz="4000" b="1" dirty="0">
+              <a:rPr lang="zh-CN" altLang="en-US" sz="2700" b="1" dirty="0">
                 <a:solidFill>
                   <a:srgbClr val="660033"/>
                 </a:solidFill>
                 <a:latin typeface="Microsoft JhengHei" panose="020B0604030504040204" pitchFamily="34" charset="-120"/>
                 <a:ea typeface="Microsoft JhengHei" panose="020B0604030504040204" pitchFamily="34" charset="-120"/>
               </a:rPr>
-              <a:t>正</a:t>
-            </a:r>
-            <a:r>
-              <a:rPr lang="en-US" altLang="zh-CN" sz="4000" b="1" dirty="0">
+              <a:t>正歌</a:t>
+            </a:r>
+            <a:r>
+              <a:rPr lang="en-US" altLang="zh-CN" sz="2700" b="1" dirty="0">
                 <a:solidFill>
                   <a:srgbClr val="660033"/>
                 </a:solidFill>
@@ -4718,7 +4679,7 @@
               <a:t> 2</a:t>
             </a:r>
             <a:r>
-              <a:rPr lang="en-US" sz="4000" b="1" dirty="0">
+              <a:rPr lang="en-US" sz="2700" b="1" dirty="0">
                 <a:solidFill>
                   <a:srgbClr val="660033"/>
                 </a:solidFill>
@@ -4727,11 +4688,10 @@
               </a:rPr>
               <a:t> )</a:t>
             </a:r>
-            <a:endParaRPr lang="vi-VN" sz="4000" b="1" dirty="0">
+            <a:endParaRPr lang="vi-VN" sz="2700" b="1" dirty="0">
               <a:solidFill>
                 <a:srgbClr val="660033"/>
               </a:solidFill>
-              <a:latin typeface="Microsoft JhengHei" panose="020B0604030504040204" pitchFamily="34" charset="-120"/>
               <a:ea typeface="Microsoft JhengHei" panose="020B0604030504040204" pitchFamily="34" charset="-120"/>
             </a:endParaRPr>
           </a:p>
@@ -4800,47 +4760,27 @@
                 <a:latin typeface="微軟正黑體" pitchFamily="34" charset="-120"/>
                 <a:ea typeface="微軟正黑體" pitchFamily="34" charset="-120"/>
               </a:rPr>
-              <a:t>萬有俯伏</a:t>
-            </a:r>
-            <a:r>
-              <a:rPr lang="zh-TW" altLang="en-US" sz="6400" b="1" dirty="0" smtClean="0">
+              <a:t>萬有俯伏在</a:t>
+            </a:r>
+            <a:r>
+              <a:rPr lang="zh-CN" altLang="en-US" sz="6400" b="1" dirty="0">
                 <a:solidFill>
                   <a:srgbClr val="660033"/>
                 </a:solidFill>
                 <a:latin typeface="微軟正黑體" pitchFamily="34" charset="-120"/>
                 <a:ea typeface="微軟正黑體" pitchFamily="34" charset="-120"/>
               </a:rPr>
-              <a:t>在</a:t>
-            </a:r>
-            <a:r>
-              <a:rPr lang="zh-CN" altLang="en-US" sz="6400" b="1" dirty="0">
+              <a:t>祢</a:t>
+            </a:r>
+            <a:r>
+              <a:rPr lang="zh-TW" altLang="en-US" sz="6400" b="1" dirty="0">
                 <a:solidFill>
                   <a:srgbClr val="660033"/>
                 </a:solidFill>
                 <a:latin typeface="微軟正黑體" pitchFamily="34" charset="-120"/>
                 <a:ea typeface="微軟正黑體" pitchFamily="34" charset="-120"/>
               </a:rPr>
-              <a:t>祢</a:t>
-            </a:r>
-            <a:r>
-              <a:rPr lang="zh-TW" altLang="en-US" sz="6400" b="1" dirty="0" smtClean="0">
-                <a:solidFill>
-                  <a:srgbClr val="660033"/>
-                </a:solidFill>
-                <a:latin typeface="微軟正黑體" pitchFamily="34" charset="-120"/>
-                <a:ea typeface="微軟正黑體" pitchFamily="34" charset="-120"/>
-              </a:rPr>
-              <a:t>腳</a:t>
-            </a:r>
-            <a:r>
-              <a:rPr lang="zh-TW" altLang="en-US" sz="6400" b="1" dirty="0">
-                <a:solidFill>
-                  <a:srgbClr val="660033"/>
-                </a:solidFill>
-                <a:latin typeface="微軟正黑體" pitchFamily="34" charset="-120"/>
-                <a:ea typeface="微軟正黑體" pitchFamily="34" charset="-120"/>
-              </a:rPr>
-              <a:t>前</a:t>
+              <a:t>腳前</a:t>
             </a:r>
             <a:endParaRPr lang="en-US" altLang="zh-TW" sz="6400" b="1" dirty="0">
               <a:solidFill>
@@ -4882,8 +4822,8 @@
         </p:nvSpPr>
         <p:spPr>
           <a:xfrm>
-            <a:off x="0" y="5330147"/>
-            <a:ext cx="12192000" cy="707886"/>
+            <a:off x="0" y="5430174"/>
+            <a:ext cx="12192000" cy="507831"/>
           </a:xfrm>
           <a:prstGeom prst="rect">
             <a:avLst/>
@@ -4898,7 +4838,7 @@
           <a:p>
             <a:pPr algn="ctr"/>
             <a:r>
-              <a:rPr lang="en-US" sz="4000" b="1" dirty="0">
+              <a:rPr lang="en-US" sz="2700" b="1" dirty="0">
                 <a:solidFill>
                   <a:srgbClr val="660033"/>
                 </a:solidFill>
@@ -4908,17 +4848,17 @@
               <a:t>( </a:t>
             </a:r>
             <a:r>
-              <a:rPr lang="zh-CN" altLang="en-US" sz="4000" b="1" dirty="0">
+              <a:rPr lang="zh-CN" altLang="en-US" sz="2700" b="1" dirty="0">
                 <a:solidFill>
                   <a:srgbClr val="660033"/>
                 </a:solidFill>
                 <a:latin typeface="Microsoft JhengHei" panose="020B0604030504040204" pitchFamily="34" charset="-120"/>
                 <a:ea typeface="Microsoft JhengHei" panose="020B0604030504040204" pitchFamily="34" charset="-120"/>
               </a:rPr>
-              <a:t>正</a:t>
-            </a:r>
-            <a:r>
-              <a:rPr lang="en-US" altLang="zh-CN" sz="4000" b="1" dirty="0">
+              <a:t>正歌</a:t>
+            </a:r>
+            <a:r>
+              <a:rPr lang="en-US" altLang="zh-CN" sz="2700" b="1" dirty="0">
                 <a:solidFill>
                   <a:srgbClr val="660033"/>
                 </a:solidFill>
@@ -4928,7 +4868,7 @@
               <a:t> 2</a:t>
             </a:r>
             <a:r>
-              <a:rPr lang="en-US" sz="4000" b="1" dirty="0">
+              <a:rPr lang="en-US" sz="2700" b="1" dirty="0">
                 <a:solidFill>
                   <a:srgbClr val="660033"/>
                 </a:solidFill>
@@ -4937,11 +4877,10 @@
               </a:rPr>
               <a:t> )</a:t>
             </a:r>
-            <a:endParaRPr lang="vi-VN" sz="4000" b="1" dirty="0">
+            <a:endParaRPr lang="vi-VN" sz="2700" b="1" dirty="0">
               <a:solidFill>
                 <a:srgbClr val="660033"/>
               </a:solidFill>
-              <a:latin typeface="Microsoft JhengHei" panose="020B0604030504040204" pitchFamily="34" charset="-120"/>
               <a:ea typeface="Microsoft JhengHei" panose="020B0604030504040204" pitchFamily="34" charset="-120"/>
             </a:endParaRPr>
           </a:p>
@@ -5032,17 +4971,7 @@
                 <a:latin typeface="微軟正黑體" pitchFamily="34" charset="-120"/>
                 <a:ea typeface="微軟正黑體" pitchFamily="34" charset="-120"/>
               </a:rPr>
-              <a:t>榮耀尊貴都歸</a:t>
-            </a:r>
-            <a:r>
-              <a:rPr lang="zh-TW" altLang="en-US" sz="6400" b="1" dirty="0" smtClean="0">
-                <a:solidFill>
-                  <a:srgbClr val="660033"/>
-                </a:solidFill>
-                <a:latin typeface="微軟正黑體" pitchFamily="34" charset="-120"/>
-                <a:ea typeface="微軟正黑體" pitchFamily="34" charset="-120"/>
-              </a:rPr>
-              <a:t>於</a:t>
+              <a:t>榮耀尊貴都歸於</a:t>
             </a:r>
             <a:r>
               <a:rPr lang="zh-CN" altLang="en-US" sz="6400" b="1" dirty="0">
@@ -5072,8 +5001,8 @@
         </p:nvSpPr>
         <p:spPr>
           <a:xfrm>
-            <a:off x="0" y="5330147"/>
-            <a:ext cx="12192000" cy="707886"/>
+            <a:off x="0" y="5430174"/>
+            <a:ext cx="12192000" cy="507831"/>
           </a:xfrm>
           <a:prstGeom prst="rect">
             <a:avLst/>
@@ -5088,7 +5017,7 @@
           <a:p>
             <a:pPr algn="ctr"/>
             <a:r>
-              <a:rPr lang="en-US" sz="4000" b="1" dirty="0">
+              <a:rPr lang="en-US" sz="2700" b="1" dirty="0">
                 <a:solidFill>
                   <a:srgbClr val="660033"/>
                 </a:solidFill>
@@ -5098,17 +5027,17 @@
               <a:t>( </a:t>
             </a:r>
             <a:r>
-              <a:rPr lang="zh-CN" altLang="en-US" sz="4000" b="1" dirty="0">
+              <a:rPr lang="zh-CN" altLang="en-US" sz="2700" b="1" dirty="0">
                 <a:solidFill>
                   <a:srgbClr val="660033"/>
                 </a:solidFill>
                 <a:latin typeface="Microsoft JhengHei" panose="020B0604030504040204" pitchFamily="34" charset="-120"/>
                 <a:ea typeface="Microsoft JhengHei" panose="020B0604030504040204" pitchFamily="34" charset="-120"/>
               </a:rPr>
-              <a:t>副</a:t>
-            </a:r>
-            <a:r>
-              <a:rPr lang="en-US" sz="4000" b="1" dirty="0">
+              <a:t>副歌</a:t>
+            </a:r>
+            <a:r>
+              <a:rPr lang="en-US" sz="2700" b="1" dirty="0">
                 <a:solidFill>
                   <a:srgbClr val="660033"/>
                 </a:solidFill>
@@ -5117,11 +5046,10 @@
               </a:rPr>
               <a:t> )</a:t>
             </a:r>
-            <a:endParaRPr lang="vi-VN" sz="4000" b="1" dirty="0">
+            <a:endParaRPr lang="vi-VN" sz="2700" b="1" dirty="0">
               <a:solidFill>
                 <a:srgbClr val="660033"/>
               </a:solidFill>
-              <a:latin typeface="Microsoft JhengHei" panose="020B0604030504040204" pitchFamily="34" charset="-120"/>
               <a:ea typeface="Microsoft JhengHei" panose="020B0604030504040204" pitchFamily="34" charset="-120"/>
             </a:endParaRPr>
           </a:p>
@@ -5212,47 +5140,27 @@
                 <a:latin typeface="微軟正黑體" pitchFamily="34" charset="-120"/>
                 <a:ea typeface="微軟正黑體" pitchFamily="34" charset="-120"/>
               </a:rPr>
-              <a:t>耶穌我敬</a:t>
-            </a:r>
-            <a:r>
-              <a:rPr lang="zh-TW" altLang="en-US" sz="6400" b="1" dirty="0" smtClean="0">
+              <a:t>耶穌我敬拜</a:t>
+            </a:r>
+            <a:r>
+              <a:rPr lang="zh-CN" altLang="en-US" sz="6400" b="1" dirty="0">
                 <a:solidFill>
                   <a:srgbClr val="660033"/>
                 </a:solidFill>
                 <a:latin typeface="微軟正黑體" pitchFamily="34" charset="-120"/>
                 <a:ea typeface="微軟正黑體" pitchFamily="34" charset="-120"/>
               </a:rPr>
-              <a:t>拜</a:t>
-            </a:r>
-            <a:r>
-              <a:rPr lang="zh-CN" altLang="en-US" sz="6400" b="1" dirty="0">
+              <a:t>祢</a:t>
+            </a:r>
+            <a:r>
+              <a:rPr lang="zh-TW" altLang="en-US" sz="6400" b="1" dirty="0">
                 <a:solidFill>
                   <a:srgbClr val="660033"/>
                 </a:solidFill>
                 <a:latin typeface="微軟正黑體" pitchFamily="34" charset="-120"/>
                 <a:ea typeface="微軟正黑體" pitchFamily="34" charset="-120"/>
               </a:rPr>
-              <a:t>祢</a:t>
-            </a:r>
-            <a:r>
-              <a:rPr lang="zh-TW" altLang="en-US" sz="6400" b="1" dirty="0" smtClean="0">
-                <a:solidFill>
-                  <a:srgbClr val="660033"/>
-                </a:solidFill>
-                <a:latin typeface="微軟正黑體" pitchFamily="34" charset="-120"/>
-                <a:ea typeface="微軟正黑體" pitchFamily="34" charset="-120"/>
-              </a:rPr>
-              <a:t>到</a:t>
-            </a:r>
-            <a:r>
-              <a:rPr lang="zh-TW" altLang="en-US" sz="6400" b="1" dirty="0">
-                <a:solidFill>
-                  <a:srgbClr val="660033"/>
-                </a:solidFill>
-                <a:latin typeface="微軟正黑體" pitchFamily="34" charset="-120"/>
-                <a:ea typeface="微軟正黑體" pitchFamily="34" charset="-120"/>
-              </a:rPr>
-              <a:t>永遠</a:t>
+              <a:t>到永遠</a:t>
             </a:r>
             <a:endParaRPr lang="en-US" altLang="zh-TW" sz="6400" b="1" dirty="0">
               <a:solidFill>
@@ -5272,8 +5180,8 @@
         </p:nvSpPr>
         <p:spPr>
           <a:xfrm>
-            <a:off x="0" y="5330147"/>
-            <a:ext cx="12192000" cy="707886"/>
+            <a:off x="0" y="5430174"/>
+            <a:ext cx="12192000" cy="507831"/>
           </a:xfrm>
           <a:prstGeom prst="rect">
             <a:avLst/>
@@ -5288,7 +5196,7 @@
           <a:p>
             <a:pPr algn="ctr"/>
             <a:r>
-              <a:rPr lang="en-US" sz="4000" b="1" dirty="0">
+              <a:rPr lang="en-US" sz="2700" b="1" dirty="0">
                 <a:solidFill>
                   <a:srgbClr val="660033"/>
                 </a:solidFill>
@@ -5298,17 +5206,17 @@
               <a:t>( </a:t>
             </a:r>
             <a:r>
-              <a:rPr lang="zh-CN" altLang="en-US" sz="4000" b="1" dirty="0">
+              <a:rPr lang="zh-CN" altLang="en-US" sz="2700" b="1" dirty="0">
                 <a:solidFill>
                   <a:srgbClr val="660033"/>
                 </a:solidFill>
                 <a:latin typeface="Microsoft JhengHei" panose="020B0604030504040204" pitchFamily="34" charset="-120"/>
                 <a:ea typeface="Microsoft JhengHei" panose="020B0604030504040204" pitchFamily="34" charset="-120"/>
               </a:rPr>
-              <a:t>副</a:t>
-            </a:r>
-            <a:r>
-              <a:rPr lang="en-US" sz="4000" b="1" dirty="0">
+              <a:t>副歌</a:t>
+            </a:r>
+            <a:r>
+              <a:rPr lang="en-US" sz="2700" b="1" dirty="0">
                 <a:solidFill>
                   <a:srgbClr val="660033"/>
                 </a:solidFill>
@@ -5317,11 +5225,10 @@
               </a:rPr>
               <a:t> )</a:t>
             </a:r>
-            <a:endParaRPr lang="vi-VN" sz="4000" b="1" dirty="0">
+            <a:endParaRPr lang="vi-VN" sz="2700" b="1" dirty="0">
               <a:solidFill>
                 <a:srgbClr val="660033"/>
               </a:solidFill>
-              <a:latin typeface="Microsoft JhengHei" panose="020B0604030504040204" pitchFamily="34" charset="-120"/>
               <a:ea typeface="Microsoft JhengHei" panose="020B0604030504040204" pitchFamily="34" charset="-120"/>
             </a:endParaRPr>
           </a:p>
